--- a/Курсова презентація.pptx
+++ b/Курсова презентація.pptx
@@ -224,7 +224,7 @@
           <a:p>
             <a:fld id="{ED6EBBDA-3F67-4B33-BC84-E737A685820F}" type="datetimeFigureOut">
               <a:rPr lang="en-US" smtClean="0"/>
-              <a:t>5/18/2021</a:t>
+              <a:t>5/21/2021</a:t>
             </a:fld>
             <a:endParaRPr lang="en-US"/>
           </a:p>
@@ -390,7 +390,7 @@
           <a:p>
             <a:fld id="{66EE2838-3D29-4231-B1E6-EBF223D88E01}" type="datetimeFigureOut">
               <a:rPr lang="en-US" smtClean="0"/>
-              <a:t>5/18/2021</a:t>
+              <a:t>5/21/2021</a:t>
             </a:fld>
             <a:endParaRPr lang="en-US"/>
           </a:p>
@@ -4935,7 +4935,7 @@
           <a:p>
             <a:fld id="{B9E4ED68-686B-4FB8-BC5A-407EEE930C22}" type="datetime1">
               <a:rPr lang="en-US" smtClean="0"/>
-              <a:t>5/18/2021</a:t>
+              <a:t>5/21/2021</a:t>
             </a:fld>
             <a:endParaRPr lang="en-US"/>
           </a:p>
@@ -5202,7 +5202,7 @@
           <a:p>
             <a:fld id="{0E3D39BB-A163-42C7-AE13-7219CAF6B43B}" type="datetime1">
               <a:rPr lang="en-US" smtClean="0"/>
-              <a:t>5/18/2021</a:t>
+              <a:t>5/21/2021</a:t>
             </a:fld>
             <a:endParaRPr lang="en-US"/>
           </a:p>
@@ -5398,7 +5398,7 @@
           <a:p>
             <a:fld id="{68E472B8-B00B-4D3F-BB0B-94A2E87C4BCB}" type="datetime1">
               <a:rPr lang="en-US" smtClean="0"/>
-              <a:t>5/18/2021</a:t>
+              <a:t>5/21/2021</a:t>
             </a:fld>
             <a:endParaRPr lang="en-US"/>
           </a:p>
@@ -5661,7 +5661,7 @@
           <a:p>
             <a:fld id="{3A7144F6-5194-4828-B211-D1C55A004E4D}" type="datetime1">
               <a:rPr lang="en-US" smtClean="0"/>
-              <a:t>5/18/2021</a:t>
+              <a:t>5/21/2021</a:t>
             </a:fld>
             <a:endParaRPr lang="en-US"/>
           </a:p>
@@ -6095,7 +6095,7 @@
           <a:p>
             <a:fld id="{483AA8D4-C80C-4E5D-A47E-1FF4EB9B1681}" type="datetime1">
               <a:rPr lang="en-US" smtClean="0"/>
-              <a:t>5/18/2021</a:t>
+              <a:t>5/21/2021</a:t>
             </a:fld>
             <a:endParaRPr lang="en-US"/>
           </a:p>
@@ -6641,7 +6641,7 @@
           <a:p>
             <a:fld id="{D6430E94-C2DF-4898-8435-14F721A1C32D}" type="datetime1">
               <a:rPr lang="en-US" smtClean="0"/>
-              <a:t>5/18/2021</a:t>
+              <a:t>5/21/2021</a:t>
             </a:fld>
             <a:endParaRPr lang="en-US"/>
           </a:p>
@@ -7361,7 +7361,7 @@
           <a:p>
             <a:fld id="{2CC4EE79-D41A-46C8-8E61-AF4F2AAA0517}" type="datetime1">
               <a:rPr lang="en-US" smtClean="0"/>
-              <a:t>5/18/2021</a:t>
+              <a:t>5/21/2021</a:t>
             </a:fld>
             <a:endParaRPr lang="en-US"/>
           </a:p>
@@ -7531,7 +7531,7 @@
           <a:p>
             <a:fld id="{F0843907-BDDC-4870-919B-4CEDF2BDF9F2}" type="datetime1">
               <a:rPr lang="en-US" smtClean="0"/>
-              <a:t>5/18/2021</a:t>
+              <a:t>5/21/2021</a:t>
             </a:fld>
             <a:endParaRPr lang="en-US"/>
           </a:p>
@@ -7711,7 +7711,7 @@
           <a:p>
             <a:fld id="{EA0D2419-0632-417E-98CE-0F574648345F}" type="datetime1">
               <a:rPr lang="en-US" smtClean="0"/>
-              <a:t>5/18/2021</a:t>
+              <a:t>5/21/2021</a:t>
             </a:fld>
             <a:endParaRPr lang="en-US"/>
           </a:p>
@@ -7881,7 +7881,7 @@
           <a:p>
             <a:fld id="{E7D179AE-CF70-4269-86D1-B49653D65C0C}" type="datetime1">
               <a:rPr lang="en-US" smtClean="0"/>
-              <a:t>5/18/2021</a:t>
+              <a:t>5/21/2021</a:t>
             </a:fld>
             <a:endParaRPr lang="en-US"/>
           </a:p>
@@ -8131,7 +8131,7 @@
           <a:p>
             <a:fld id="{C459C1C7-9E6E-438E-AFCA-133552BA9850}" type="datetime1">
               <a:rPr lang="en-US" smtClean="0"/>
-              <a:t>5/18/2021</a:t>
+              <a:t>5/21/2021</a:t>
             </a:fld>
             <a:endParaRPr lang="en-US"/>
           </a:p>
@@ -8363,7 +8363,7 @@
           <a:p>
             <a:fld id="{462FD1A0-6D34-4C78-AB09-2456564E754B}" type="datetime1">
               <a:rPr lang="en-US" smtClean="0"/>
-              <a:t>5/18/2021</a:t>
+              <a:t>5/21/2021</a:t>
             </a:fld>
             <a:endParaRPr lang="en-US"/>
           </a:p>
@@ -8744,7 +8744,7 @@
           <a:p>
             <a:fld id="{21A0E901-6E8B-406A-BA95-E7F7AD45283A}" type="datetime1">
               <a:rPr lang="en-US" smtClean="0"/>
-              <a:t>5/18/2021</a:t>
+              <a:t>5/21/2021</a:t>
             </a:fld>
             <a:endParaRPr lang="en-US"/>
           </a:p>
@@ -8862,7 +8862,7 @@
           <a:p>
             <a:fld id="{4F2C22FE-C4E7-4D66-840E-4A46267EC925}" type="datetime1">
               <a:rPr lang="en-US" smtClean="0"/>
-              <a:t>5/18/2021</a:t>
+              <a:t>5/21/2021</a:t>
             </a:fld>
             <a:endParaRPr lang="en-US"/>
           </a:p>
@@ -8957,7 +8957,7 @@
           <a:p>
             <a:fld id="{C8F1B07E-F698-4101-844C-4ABDEDCBD545}" type="datetime1">
               <a:rPr lang="en-US" smtClean="0"/>
-              <a:t>5/18/2021</a:t>
+              <a:t>5/21/2021</a:t>
             </a:fld>
             <a:endParaRPr lang="en-US"/>
           </a:p>
@@ -9206,7 +9206,7 @@
           <a:p>
             <a:fld id="{BC923A1A-8211-4A3B-9272-1C4C96EC99B3}" type="datetime1">
               <a:rPr lang="en-US" smtClean="0"/>
-              <a:t>5/18/2021</a:t>
+              <a:t>5/21/2021</a:t>
             </a:fld>
             <a:endParaRPr lang="en-US"/>
           </a:p>
@@ -9486,7 +9486,7 @@
           <a:p>
             <a:fld id="{829C4A57-8EBE-4EC6-8682-3A67093EE16F}" type="datetime1">
               <a:rPr lang="en-US" smtClean="0"/>
-              <a:t>5/18/2021</a:t>
+              <a:t>5/21/2021</a:t>
             </a:fld>
             <a:endParaRPr lang="en-US"/>
           </a:p>
@@ -12563,7 +12563,7 @@
           <a:p>
             <a:fld id="{EBD37732-8130-4524-957A-3BEA1AB1C231}" type="datetime1">
               <a:rPr lang="en-US" smtClean="0"/>
-              <a:t>5/18/2021</a:t>
+              <a:t>5/21/2021</a:t>
             </a:fld>
             <a:endParaRPr lang="en-US"/>
           </a:p>
@@ -15706,11 +15706,7 @@
             </a:r>
             <a:r>
               <a:rPr lang="ru-RU" sz="2400" dirty="0" smtClean="0"/>
-              <a:t> </a:t>
-            </a:r>
-            <a:r>
-              <a:rPr lang="ru-RU" sz="2400" dirty="0" smtClean="0"/>
-              <a:t>та </a:t>
+              <a:t> та </a:t>
             </a:r>
             <a:r>
               <a:rPr lang="ru-RU" sz="2400" dirty="0" err="1" smtClean="0"/>

--- a/Курсова презентація.pptx
+++ b/Курсова презентація.pptx
@@ -5,10 +5,10 @@
     <p:sldMasterId id="2147483660" r:id="rId1"/>
   </p:sldMasterIdLst>
   <p:notesMasterIdLst>
-    <p:notesMasterId r:id="rId15"/>
+    <p:notesMasterId r:id="rId16"/>
   </p:notesMasterIdLst>
   <p:handoutMasterIdLst>
-    <p:handoutMasterId r:id="rId16"/>
+    <p:handoutMasterId r:id="rId17"/>
   </p:handoutMasterIdLst>
   <p:sldIdLst>
     <p:sldId id="256" r:id="rId2"/>
@@ -17,13 +17,14 @@
     <p:sldId id="259" r:id="rId5"/>
     <p:sldId id="260" r:id="rId6"/>
     <p:sldId id="261" r:id="rId7"/>
-    <p:sldId id="262" r:id="rId8"/>
+    <p:sldId id="270" r:id="rId8"/>
     <p:sldId id="263" r:id="rId9"/>
     <p:sldId id="264" r:id="rId10"/>
-    <p:sldId id="265" r:id="rId11"/>
-    <p:sldId id="266" r:id="rId12"/>
-    <p:sldId id="267" r:id="rId13"/>
-    <p:sldId id="268" r:id="rId14"/>
+    <p:sldId id="266" r:id="rId11"/>
+    <p:sldId id="265" r:id="rId12"/>
+    <p:sldId id="269" r:id="rId13"/>
+    <p:sldId id="267" r:id="rId14"/>
+    <p:sldId id="268" r:id="rId15"/>
   </p:sldIdLst>
   <p:sldSz cx="12192000" cy="6858000"/>
   <p:notesSz cx="6858000" cy="9144000"/>
@@ -142,6 +143,3177 @@
 </p:cmAuthorLst>
 </file>
 
+<file path=ppt/diagrams/colors1.xml><?xml version="1.0" encoding="utf-8"?>
+<dgm:colorsDef xmlns:dgm="http://schemas.openxmlformats.org/drawingml/2006/diagram" xmlns:a="http://schemas.openxmlformats.org/drawingml/2006/main" uniqueId="urn:microsoft.com/office/officeart/2005/8/colors/accent1_2">
+  <dgm:title val=""/>
+  <dgm:desc val=""/>
+  <dgm:catLst>
+    <dgm:cat type="accent1" pri="11200"/>
+  </dgm:catLst>
+  <dgm:styleLbl name="node0">
+    <dgm:fillClrLst meth="repeat">
+      <a:schemeClr val="accent1"/>
+    </dgm:fillClrLst>
+    <dgm:linClrLst meth="repeat">
+      <a:schemeClr val="lt1"/>
+    </dgm:linClrLst>
+    <dgm:effectClrLst/>
+    <dgm:txLinClrLst/>
+    <dgm:txFillClrLst/>
+    <dgm:txEffectClrLst/>
+  </dgm:styleLbl>
+  <dgm:styleLbl name="alignNode1">
+    <dgm:fillClrLst meth="repeat">
+      <a:schemeClr val="accent1"/>
+    </dgm:fillClrLst>
+    <dgm:linClrLst meth="repeat">
+      <a:schemeClr val="accent1"/>
+    </dgm:linClrLst>
+    <dgm:effectClrLst/>
+    <dgm:txLinClrLst/>
+    <dgm:txFillClrLst/>
+    <dgm:txEffectClrLst/>
+  </dgm:styleLbl>
+  <dgm:styleLbl name="node1">
+    <dgm:fillClrLst meth="repeat">
+      <a:schemeClr val="accent1"/>
+    </dgm:fillClrLst>
+    <dgm:linClrLst meth="repeat">
+      <a:schemeClr val="lt1"/>
+    </dgm:linClrLst>
+    <dgm:effectClrLst/>
+    <dgm:txLinClrLst/>
+    <dgm:txFillClrLst/>
+    <dgm:txEffectClrLst/>
+  </dgm:styleLbl>
+  <dgm:styleLbl name="lnNode1">
+    <dgm:fillClrLst meth="repeat">
+      <a:schemeClr val="accent1"/>
+    </dgm:fillClrLst>
+    <dgm:linClrLst meth="repeat">
+      <a:schemeClr val="lt1"/>
+    </dgm:linClrLst>
+    <dgm:effectClrLst/>
+    <dgm:txLinClrLst/>
+    <dgm:txFillClrLst/>
+    <dgm:txEffectClrLst/>
+  </dgm:styleLbl>
+  <dgm:styleLbl name="vennNode1">
+    <dgm:fillClrLst meth="repeat">
+      <a:schemeClr val="accent1">
+        <a:alpha val="50000"/>
+      </a:schemeClr>
+    </dgm:fillClrLst>
+    <dgm:linClrLst meth="repeat">
+      <a:schemeClr val="lt1"/>
+    </dgm:linClrLst>
+    <dgm:effectClrLst/>
+    <dgm:txLinClrLst/>
+    <dgm:txFillClrLst/>
+    <dgm:txEffectClrLst/>
+  </dgm:styleLbl>
+  <dgm:styleLbl name="node2">
+    <dgm:fillClrLst meth="repeat">
+      <a:schemeClr val="accent1"/>
+    </dgm:fillClrLst>
+    <dgm:linClrLst meth="repeat">
+      <a:schemeClr val="lt1"/>
+    </dgm:linClrLst>
+    <dgm:effectClrLst/>
+    <dgm:txLinClrLst/>
+    <dgm:txFillClrLst/>
+    <dgm:txEffectClrLst/>
+  </dgm:styleLbl>
+  <dgm:styleLbl name="node3">
+    <dgm:fillClrLst meth="repeat">
+      <a:schemeClr val="accent1"/>
+    </dgm:fillClrLst>
+    <dgm:linClrLst meth="repeat">
+      <a:schemeClr val="lt1"/>
+    </dgm:linClrLst>
+    <dgm:effectClrLst/>
+    <dgm:txLinClrLst/>
+    <dgm:txFillClrLst/>
+    <dgm:txEffectClrLst/>
+  </dgm:styleLbl>
+  <dgm:styleLbl name="node4">
+    <dgm:fillClrLst meth="repeat">
+      <a:schemeClr val="accent1"/>
+    </dgm:fillClrLst>
+    <dgm:linClrLst meth="repeat">
+      <a:schemeClr val="lt1"/>
+    </dgm:linClrLst>
+    <dgm:effectClrLst/>
+    <dgm:txLinClrLst/>
+    <dgm:txFillClrLst/>
+    <dgm:txEffectClrLst/>
+  </dgm:styleLbl>
+  <dgm:styleLbl name="fgImgPlace1">
+    <dgm:fillClrLst meth="repeat">
+      <a:schemeClr val="accent1">
+        <a:tint val="50000"/>
+      </a:schemeClr>
+    </dgm:fillClrLst>
+    <dgm:linClrLst meth="repeat">
+      <a:schemeClr val="lt1"/>
+    </dgm:linClrLst>
+    <dgm:effectClrLst/>
+    <dgm:txLinClrLst/>
+    <dgm:txFillClrLst meth="repeat">
+      <a:schemeClr val="lt1"/>
+    </dgm:txFillClrLst>
+    <dgm:txEffectClrLst/>
+  </dgm:styleLbl>
+  <dgm:styleLbl name="alignImgPlace1">
+    <dgm:fillClrLst meth="repeat">
+      <a:schemeClr val="accent1">
+        <a:tint val="50000"/>
+      </a:schemeClr>
+    </dgm:fillClrLst>
+    <dgm:linClrLst meth="repeat">
+      <a:schemeClr val="lt1"/>
+    </dgm:linClrLst>
+    <dgm:effectClrLst/>
+    <dgm:txLinClrLst/>
+    <dgm:txFillClrLst meth="repeat">
+      <a:schemeClr val="lt1"/>
+    </dgm:txFillClrLst>
+    <dgm:txEffectClrLst/>
+  </dgm:styleLbl>
+  <dgm:styleLbl name="bgImgPlace1">
+    <dgm:fillClrLst meth="repeat">
+      <a:schemeClr val="accent1">
+        <a:tint val="50000"/>
+      </a:schemeClr>
+    </dgm:fillClrLst>
+    <dgm:linClrLst meth="repeat">
+      <a:schemeClr val="lt1"/>
+    </dgm:linClrLst>
+    <dgm:effectClrLst/>
+    <dgm:txLinClrLst/>
+    <dgm:txFillClrLst meth="repeat">
+      <a:schemeClr val="lt1"/>
+    </dgm:txFillClrLst>
+    <dgm:txEffectClrLst/>
+  </dgm:styleLbl>
+  <dgm:styleLbl name="sibTrans2D1">
+    <dgm:fillClrLst meth="repeat">
+      <a:schemeClr val="accent1">
+        <a:tint val="60000"/>
+      </a:schemeClr>
+    </dgm:fillClrLst>
+    <dgm:linClrLst meth="repeat">
+      <a:schemeClr val="accent1">
+        <a:tint val="60000"/>
+      </a:schemeClr>
+    </dgm:linClrLst>
+    <dgm:effectClrLst/>
+    <dgm:txLinClrLst/>
+    <dgm:txFillClrLst/>
+    <dgm:txEffectClrLst/>
+  </dgm:styleLbl>
+  <dgm:styleLbl name="fgSibTrans2D1">
+    <dgm:fillClrLst meth="repeat">
+      <a:schemeClr val="accent1">
+        <a:tint val="60000"/>
+      </a:schemeClr>
+    </dgm:fillClrLst>
+    <dgm:linClrLst meth="repeat">
+      <a:schemeClr val="accent1">
+        <a:tint val="60000"/>
+      </a:schemeClr>
+    </dgm:linClrLst>
+    <dgm:effectClrLst/>
+    <dgm:txLinClrLst/>
+    <dgm:txFillClrLst/>
+    <dgm:txEffectClrLst/>
+  </dgm:styleLbl>
+  <dgm:styleLbl name="bgSibTrans2D1">
+    <dgm:fillClrLst meth="repeat">
+      <a:schemeClr val="accent1">
+        <a:tint val="60000"/>
+      </a:schemeClr>
+    </dgm:fillClrLst>
+    <dgm:linClrLst meth="repeat">
+      <a:schemeClr val="accent1">
+        <a:tint val="60000"/>
+      </a:schemeClr>
+    </dgm:linClrLst>
+    <dgm:effectClrLst/>
+    <dgm:txLinClrLst/>
+    <dgm:txFillClrLst/>
+    <dgm:txEffectClrLst/>
+  </dgm:styleLbl>
+  <dgm:styleLbl name="sibTrans1D1">
+    <dgm:fillClrLst meth="repeat">
+      <a:schemeClr val="accent1"/>
+    </dgm:fillClrLst>
+    <dgm:linClrLst meth="repeat">
+      <a:schemeClr val="accent1"/>
+    </dgm:linClrLst>
+    <dgm:effectClrLst/>
+    <dgm:txLinClrLst/>
+    <dgm:txFillClrLst meth="repeat">
+      <a:schemeClr val="tx1"/>
+    </dgm:txFillClrLst>
+    <dgm:txEffectClrLst/>
+  </dgm:styleLbl>
+  <dgm:styleLbl name="callout">
+    <dgm:fillClrLst meth="repeat">
+      <a:schemeClr val="accent1"/>
+    </dgm:fillClrLst>
+    <dgm:linClrLst meth="repeat">
+      <a:schemeClr val="accent1">
+        <a:tint val="50000"/>
+      </a:schemeClr>
+    </dgm:linClrLst>
+    <dgm:effectClrLst/>
+    <dgm:txLinClrLst/>
+    <dgm:txFillClrLst meth="repeat">
+      <a:schemeClr val="tx1"/>
+    </dgm:txFillClrLst>
+    <dgm:txEffectClrLst/>
+  </dgm:styleLbl>
+  <dgm:styleLbl name="asst0">
+    <dgm:fillClrLst meth="repeat">
+      <a:schemeClr val="accent1"/>
+    </dgm:fillClrLst>
+    <dgm:linClrLst meth="repeat">
+      <a:schemeClr val="lt1"/>
+    </dgm:linClrLst>
+    <dgm:effectClrLst/>
+    <dgm:txLinClrLst/>
+    <dgm:txFillClrLst/>
+    <dgm:txEffectClrLst/>
+  </dgm:styleLbl>
+  <dgm:styleLbl name="asst1">
+    <dgm:fillClrLst meth="repeat">
+      <a:schemeClr val="accent1"/>
+    </dgm:fillClrLst>
+    <dgm:linClrLst meth="repeat">
+      <a:schemeClr val="lt1"/>
+    </dgm:linClrLst>
+    <dgm:effectClrLst/>
+    <dgm:txLinClrLst/>
+    <dgm:txFillClrLst/>
+    <dgm:txEffectClrLst/>
+  </dgm:styleLbl>
+  <dgm:styleLbl name="asst2">
+    <dgm:fillClrLst meth="repeat">
+      <a:schemeClr val="accent1"/>
+    </dgm:fillClrLst>
+    <dgm:linClrLst meth="repeat">
+      <a:schemeClr val="lt1"/>
+    </dgm:linClrLst>
+    <dgm:effectClrLst/>
+    <dgm:txLinClrLst/>
+    <dgm:txFillClrLst/>
+    <dgm:txEffectClrLst/>
+  </dgm:styleLbl>
+  <dgm:styleLbl name="asst3">
+    <dgm:fillClrLst meth="repeat">
+      <a:schemeClr val="accent1"/>
+    </dgm:fillClrLst>
+    <dgm:linClrLst meth="repeat">
+      <a:schemeClr val="lt1"/>
+    </dgm:linClrLst>
+    <dgm:effectClrLst/>
+    <dgm:txLinClrLst/>
+    <dgm:txFillClrLst/>
+    <dgm:txEffectClrLst/>
+  </dgm:styleLbl>
+  <dgm:styleLbl name="asst4">
+    <dgm:fillClrLst meth="repeat">
+      <a:schemeClr val="accent1"/>
+    </dgm:fillClrLst>
+    <dgm:linClrLst meth="repeat">
+      <a:schemeClr val="lt1"/>
+    </dgm:linClrLst>
+    <dgm:effectClrLst/>
+    <dgm:txLinClrLst/>
+    <dgm:txFillClrLst/>
+    <dgm:txEffectClrLst/>
+  </dgm:styleLbl>
+  <dgm:styleLbl name="parChTrans2D1">
+    <dgm:fillClrLst meth="repeat">
+      <a:schemeClr val="accent1">
+        <a:tint val="60000"/>
+      </a:schemeClr>
+    </dgm:fillClrLst>
+    <dgm:linClrLst meth="repeat">
+      <a:schemeClr val="accent1">
+        <a:tint val="60000"/>
+      </a:schemeClr>
+    </dgm:linClrLst>
+    <dgm:effectClrLst/>
+    <dgm:txLinClrLst/>
+    <dgm:txFillClrLst meth="repeat">
+      <a:schemeClr val="lt1"/>
+    </dgm:txFillClrLst>
+    <dgm:txEffectClrLst/>
+  </dgm:styleLbl>
+  <dgm:styleLbl name="parChTrans2D2">
+    <dgm:fillClrLst meth="repeat">
+      <a:schemeClr val="accent1"/>
+    </dgm:fillClrLst>
+    <dgm:linClrLst meth="repeat">
+      <a:schemeClr val="accent1"/>
+    </dgm:linClrLst>
+    <dgm:effectClrLst/>
+    <dgm:txLinClrLst/>
+    <dgm:txFillClrLst meth="repeat">
+      <a:schemeClr val="lt1"/>
+    </dgm:txFillClrLst>
+    <dgm:txEffectClrLst/>
+  </dgm:styleLbl>
+  <dgm:styleLbl name="parChTrans2D3">
+    <dgm:fillClrLst meth="repeat">
+      <a:schemeClr val="accent1"/>
+    </dgm:fillClrLst>
+    <dgm:linClrLst meth="repeat">
+      <a:schemeClr val="accent1"/>
+    </dgm:linClrLst>
+    <dgm:effectClrLst/>
+    <dgm:txLinClrLst/>
+    <dgm:txFillClrLst meth="repeat">
+      <a:schemeClr val="lt1"/>
+    </dgm:txFillClrLst>
+    <dgm:txEffectClrLst/>
+  </dgm:styleLbl>
+  <dgm:styleLbl name="parChTrans2D4">
+    <dgm:fillClrLst meth="repeat">
+      <a:schemeClr val="accent1"/>
+    </dgm:fillClrLst>
+    <dgm:linClrLst meth="repeat">
+      <a:schemeClr val="accent1"/>
+    </dgm:linClrLst>
+    <dgm:effectClrLst/>
+    <dgm:txLinClrLst/>
+    <dgm:txFillClrLst meth="repeat">
+      <a:schemeClr val="lt1"/>
+    </dgm:txFillClrLst>
+    <dgm:txEffectClrLst/>
+  </dgm:styleLbl>
+  <dgm:styleLbl name="parChTrans1D1">
+    <dgm:fillClrLst meth="repeat">
+      <a:schemeClr val="accent1"/>
+    </dgm:fillClrLst>
+    <dgm:linClrLst meth="repeat">
+      <a:schemeClr val="accent1">
+        <a:shade val="60000"/>
+      </a:schemeClr>
+    </dgm:linClrLst>
+    <dgm:effectClrLst/>
+    <dgm:txLinClrLst/>
+    <dgm:txFillClrLst meth="repeat">
+      <a:schemeClr val="tx1"/>
+    </dgm:txFillClrLst>
+    <dgm:txEffectClrLst/>
+  </dgm:styleLbl>
+  <dgm:styleLbl name="parChTrans1D2">
+    <dgm:fillClrLst meth="repeat">
+      <a:schemeClr val="accent1"/>
+    </dgm:fillClrLst>
+    <dgm:linClrLst meth="repeat">
+      <a:schemeClr val="accent1">
+        <a:shade val="60000"/>
+      </a:schemeClr>
+    </dgm:linClrLst>
+    <dgm:effectClrLst/>
+    <dgm:txLinClrLst/>
+    <dgm:txFillClrLst meth="repeat">
+      <a:schemeClr val="tx1"/>
+    </dgm:txFillClrLst>
+    <dgm:txEffectClrLst/>
+  </dgm:styleLbl>
+  <dgm:styleLbl name="parChTrans1D3">
+    <dgm:fillClrLst meth="repeat">
+      <a:schemeClr val="accent1"/>
+    </dgm:fillClrLst>
+    <dgm:linClrLst meth="repeat">
+      <a:schemeClr val="accent1">
+        <a:shade val="80000"/>
+      </a:schemeClr>
+    </dgm:linClrLst>
+    <dgm:effectClrLst/>
+    <dgm:txLinClrLst/>
+    <dgm:txFillClrLst meth="repeat">
+      <a:schemeClr val="tx1"/>
+    </dgm:txFillClrLst>
+    <dgm:txEffectClrLst/>
+  </dgm:styleLbl>
+  <dgm:styleLbl name="parChTrans1D4">
+    <dgm:fillClrLst meth="repeat">
+      <a:schemeClr val="accent1"/>
+    </dgm:fillClrLst>
+    <dgm:linClrLst meth="repeat">
+      <a:schemeClr val="accent1">
+        <a:shade val="80000"/>
+      </a:schemeClr>
+    </dgm:linClrLst>
+    <dgm:effectClrLst/>
+    <dgm:txLinClrLst/>
+    <dgm:txFillClrLst meth="repeat">
+      <a:schemeClr val="tx1"/>
+    </dgm:txFillClrLst>
+    <dgm:txEffectClrLst/>
+  </dgm:styleLbl>
+  <dgm:styleLbl name="fgAcc1">
+    <dgm:fillClrLst meth="repeat">
+      <a:schemeClr val="lt1">
+        <a:alpha val="90000"/>
+      </a:schemeClr>
+    </dgm:fillClrLst>
+    <dgm:linClrLst meth="repeat">
+      <a:schemeClr val="accent1"/>
+    </dgm:linClrLst>
+    <dgm:effectClrLst/>
+    <dgm:txLinClrLst/>
+    <dgm:txFillClrLst meth="repeat">
+      <a:schemeClr val="dk1"/>
+    </dgm:txFillClrLst>
+    <dgm:txEffectClrLst/>
+  </dgm:styleLbl>
+  <dgm:styleLbl name="conFgAcc1">
+    <dgm:fillClrLst meth="repeat">
+      <a:schemeClr val="lt1">
+        <a:alpha val="90000"/>
+      </a:schemeClr>
+    </dgm:fillClrLst>
+    <dgm:linClrLst meth="repeat">
+      <a:schemeClr val="accent1"/>
+    </dgm:linClrLst>
+    <dgm:effectClrLst/>
+    <dgm:txLinClrLst/>
+    <dgm:txFillClrLst meth="repeat">
+      <a:schemeClr val="dk1"/>
+    </dgm:txFillClrLst>
+    <dgm:txEffectClrLst/>
+  </dgm:styleLbl>
+  <dgm:styleLbl name="alignAcc1">
+    <dgm:fillClrLst meth="repeat">
+      <a:schemeClr val="lt1">
+        <a:alpha val="90000"/>
+      </a:schemeClr>
+    </dgm:fillClrLst>
+    <dgm:linClrLst meth="repeat">
+      <a:schemeClr val="accent1"/>
+    </dgm:linClrLst>
+    <dgm:effectClrLst/>
+    <dgm:txLinClrLst/>
+    <dgm:txFillClrLst meth="repeat">
+      <a:schemeClr val="dk1"/>
+    </dgm:txFillClrLst>
+    <dgm:txEffectClrLst/>
+  </dgm:styleLbl>
+  <dgm:styleLbl name="trAlignAcc1">
+    <dgm:fillClrLst meth="repeat">
+      <a:schemeClr val="lt1">
+        <a:alpha val="40000"/>
+      </a:schemeClr>
+    </dgm:fillClrLst>
+    <dgm:linClrLst meth="repeat">
+      <a:schemeClr val="accent1"/>
+    </dgm:linClrLst>
+    <dgm:effectClrLst/>
+    <dgm:txLinClrLst/>
+    <dgm:txFillClrLst meth="repeat">
+      <a:schemeClr val="dk1"/>
+    </dgm:txFillClrLst>
+    <dgm:txEffectClrLst/>
+  </dgm:styleLbl>
+  <dgm:styleLbl name="bgAcc1">
+    <dgm:fillClrLst meth="repeat">
+      <a:schemeClr val="lt1">
+        <a:alpha val="90000"/>
+      </a:schemeClr>
+    </dgm:fillClrLst>
+    <dgm:linClrLst meth="repeat">
+      <a:schemeClr val="accent1"/>
+    </dgm:linClrLst>
+    <dgm:effectClrLst/>
+    <dgm:txLinClrLst/>
+    <dgm:txFillClrLst meth="repeat">
+      <a:schemeClr val="dk1"/>
+    </dgm:txFillClrLst>
+    <dgm:txEffectClrLst/>
+  </dgm:styleLbl>
+  <dgm:styleLbl name="solidFgAcc1">
+    <dgm:fillClrLst meth="repeat">
+      <a:schemeClr val="lt1"/>
+    </dgm:fillClrLst>
+    <dgm:linClrLst meth="repeat">
+      <a:schemeClr val="accent1"/>
+    </dgm:linClrLst>
+    <dgm:effectClrLst/>
+    <dgm:txLinClrLst/>
+    <dgm:txFillClrLst meth="repeat">
+      <a:schemeClr val="dk1"/>
+    </dgm:txFillClrLst>
+    <dgm:txEffectClrLst/>
+  </dgm:styleLbl>
+  <dgm:styleLbl name="solidAlignAcc1">
+    <dgm:fillClrLst meth="repeat">
+      <a:schemeClr val="lt1"/>
+    </dgm:fillClrLst>
+    <dgm:linClrLst meth="repeat">
+      <a:schemeClr val="accent1"/>
+    </dgm:linClrLst>
+    <dgm:effectClrLst/>
+    <dgm:txLinClrLst/>
+    <dgm:txFillClrLst meth="repeat">
+      <a:schemeClr val="dk1"/>
+    </dgm:txFillClrLst>
+    <dgm:txEffectClrLst/>
+  </dgm:styleLbl>
+  <dgm:styleLbl name="solidBgAcc1">
+    <dgm:fillClrLst meth="repeat">
+      <a:schemeClr val="lt1"/>
+    </dgm:fillClrLst>
+    <dgm:linClrLst meth="repeat">
+      <a:schemeClr val="accent1"/>
+    </dgm:linClrLst>
+    <dgm:effectClrLst/>
+    <dgm:txLinClrLst/>
+    <dgm:txFillClrLst meth="repeat">
+      <a:schemeClr val="dk1"/>
+    </dgm:txFillClrLst>
+    <dgm:txEffectClrLst/>
+  </dgm:styleLbl>
+  <dgm:styleLbl name="fgAccFollowNode1">
+    <dgm:fillClrLst meth="repeat">
+      <a:schemeClr val="accent1">
+        <a:alpha val="90000"/>
+        <a:tint val="40000"/>
+      </a:schemeClr>
+    </dgm:fillClrLst>
+    <dgm:linClrLst meth="repeat">
+      <a:schemeClr val="accent1">
+        <a:alpha val="90000"/>
+        <a:tint val="40000"/>
+      </a:schemeClr>
+    </dgm:linClrLst>
+    <dgm:effectClrLst/>
+    <dgm:txLinClrLst/>
+    <dgm:txFillClrLst meth="repeat">
+      <a:schemeClr val="dk1"/>
+    </dgm:txFillClrLst>
+    <dgm:txEffectClrLst/>
+  </dgm:styleLbl>
+  <dgm:styleLbl name="alignAccFollowNode1">
+    <dgm:fillClrLst meth="repeat">
+      <a:schemeClr val="accent1">
+        <a:alpha val="90000"/>
+        <a:tint val="40000"/>
+      </a:schemeClr>
+    </dgm:fillClrLst>
+    <dgm:linClrLst meth="repeat">
+      <a:schemeClr val="accent1">
+        <a:alpha val="90000"/>
+        <a:tint val="40000"/>
+      </a:schemeClr>
+    </dgm:linClrLst>
+    <dgm:effectClrLst/>
+    <dgm:txLinClrLst/>
+    <dgm:txFillClrLst meth="repeat">
+      <a:schemeClr val="dk1"/>
+    </dgm:txFillClrLst>
+    <dgm:txEffectClrLst/>
+  </dgm:styleLbl>
+  <dgm:styleLbl name="bgAccFollowNode1">
+    <dgm:fillClrLst meth="repeat">
+      <a:schemeClr val="accent1">
+        <a:alpha val="90000"/>
+        <a:tint val="40000"/>
+      </a:schemeClr>
+    </dgm:fillClrLst>
+    <dgm:linClrLst meth="repeat">
+      <a:schemeClr val="accent1">
+        <a:alpha val="90000"/>
+        <a:tint val="40000"/>
+      </a:schemeClr>
+    </dgm:linClrLst>
+    <dgm:effectClrLst/>
+    <dgm:txLinClrLst/>
+    <dgm:txFillClrLst meth="repeat">
+      <a:schemeClr val="dk1"/>
+    </dgm:txFillClrLst>
+    <dgm:txEffectClrLst/>
+  </dgm:styleLbl>
+  <dgm:styleLbl name="fgAcc0">
+    <dgm:fillClrLst meth="repeat">
+      <a:schemeClr val="lt1">
+        <a:alpha val="90000"/>
+      </a:schemeClr>
+    </dgm:fillClrLst>
+    <dgm:linClrLst meth="repeat">
+      <a:schemeClr val="accent1"/>
+    </dgm:linClrLst>
+    <dgm:effectClrLst/>
+    <dgm:txLinClrLst/>
+    <dgm:txFillClrLst meth="repeat">
+      <a:schemeClr val="dk1"/>
+    </dgm:txFillClrLst>
+    <dgm:txEffectClrLst/>
+  </dgm:styleLbl>
+  <dgm:styleLbl name="fgAcc2">
+    <dgm:fillClrLst meth="repeat">
+      <a:schemeClr val="lt1">
+        <a:alpha val="90000"/>
+      </a:schemeClr>
+    </dgm:fillClrLst>
+    <dgm:linClrLst meth="repeat">
+      <a:schemeClr val="accent1"/>
+    </dgm:linClrLst>
+    <dgm:effectClrLst/>
+    <dgm:txLinClrLst/>
+    <dgm:txFillClrLst meth="repeat">
+      <a:schemeClr val="dk1"/>
+    </dgm:txFillClrLst>
+    <dgm:txEffectClrLst/>
+  </dgm:styleLbl>
+  <dgm:styleLbl name="fgAcc3">
+    <dgm:fillClrLst meth="repeat">
+      <a:schemeClr val="lt1">
+        <a:alpha val="90000"/>
+      </a:schemeClr>
+    </dgm:fillClrLst>
+    <dgm:linClrLst meth="repeat">
+      <a:schemeClr val="accent1"/>
+    </dgm:linClrLst>
+    <dgm:effectClrLst/>
+    <dgm:txLinClrLst/>
+    <dgm:txFillClrLst meth="repeat">
+      <a:schemeClr val="dk1"/>
+    </dgm:txFillClrLst>
+    <dgm:txEffectClrLst/>
+  </dgm:styleLbl>
+  <dgm:styleLbl name="fgAcc4">
+    <dgm:fillClrLst meth="repeat">
+      <a:schemeClr val="lt1">
+        <a:alpha val="90000"/>
+      </a:schemeClr>
+    </dgm:fillClrLst>
+    <dgm:linClrLst meth="repeat">
+      <a:schemeClr val="accent1"/>
+    </dgm:linClrLst>
+    <dgm:effectClrLst/>
+    <dgm:txLinClrLst/>
+    <dgm:txFillClrLst meth="repeat">
+      <a:schemeClr val="dk1"/>
+    </dgm:txFillClrLst>
+    <dgm:txEffectClrLst/>
+  </dgm:styleLbl>
+  <dgm:styleLbl name="bgShp">
+    <dgm:fillClrLst meth="repeat">
+      <a:schemeClr val="accent1">
+        <a:tint val="40000"/>
+      </a:schemeClr>
+    </dgm:fillClrLst>
+    <dgm:linClrLst meth="repeat">
+      <a:schemeClr val="accent1"/>
+    </dgm:linClrLst>
+    <dgm:effectClrLst/>
+    <dgm:txLinClrLst/>
+    <dgm:txFillClrLst meth="repeat">
+      <a:schemeClr val="dk1"/>
+    </dgm:txFillClrLst>
+    <dgm:txEffectClrLst/>
+  </dgm:styleLbl>
+  <dgm:styleLbl name="dkBgShp">
+    <dgm:fillClrLst meth="repeat">
+      <a:schemeClr val="accent1">
+        <a:shade val="80000"/>
+      </a:schemeClr>
+    </dgm:fillClrLst>
+    <dgm:linClrLst meth="repeat">
+      <a:schemeClr val="accent1"/>
+    </dgm:linClrLst>
+    <dgm:effectClrLst/>
+    <dgm:txLinClrLst/>
+    <dgm:txFillClrLst meth="repeat">
+      <a:schemeClr val="lt1"/>
+    </dgm:txFillClrLst>
+    <dgm:txEffectClrLst/>
+  </dgm:styleLbl>
+  <dgm:styleLbl name="trBgShp">
+    <dgm:fillClrLst meth="repeat">
+      <a:schemeClr val="accent1">
+        <a:tint val="50000"/>
+        <a:alpha val="40000"/>
+      </a:schemeClr>
+    </dgm:fillClrLst>
+    <dgm:linClrLst meth="repeat">
+      <a:schemeClr val="accent1"/>
+    </dgm:linClrLst>
+    <dgm:effectClrLst/>
+    <dgm:txLinClrLst/>
+    <dgm:txFillClrLst meth="repeat">
+      <a:schemeClr val="lt1"/>
+    </dgm:txFillClrLst>
+    <dgm:txEffectClrLst/>
+  </dgm:styleLbl>
+  <dgm:styleLbl name="fgShp">
+    <dgm:fillClrLst meth="repeat">
+      <a:schemeClr val="accent1">
+        <a:tint val="60000"/>
+      </a:schemeClr>
+    </dgm:fillClrLst>
+    <dgm:linClrLst meth="repeat">
+      <a:schemeClr val="lt1"/>
+    </dgm:linClrLst>
+    <dgm:effectClrLst/>
+    <dgm:txLinClrLst/>
+    <dgm:txFillClrLst meth="repeat">
+      <a:schemeClr val="dk1"/>
+    </dgm:txFillClrLst>
+    <dgm:txEffectClrLst/>
+  </dgm:styleLbl>
+  <dgm:styleLbl name="revTx">
+    <dgm:fillClrLst meth="repeat">
+      <a:schemeClr val="lt1">
+        <a:alpha val="0"/>
+      </a:schemeClr>
+    </dgm:fillClrLst>
+    <dgm:linClrLst meth="repeat">
+      <a:schemeClr val="dk1">
+        <a:alpha val="0"/>
+      </a:schemeClr>
+    </dgm:linClrLst>
+    <dgm:effectClrLst/>
+    <dgm:txLinClrLst/>
+    <dgm:txFillClrLst meth="repeat">
+      <a:schemeClr val="tx1"/>
+    </dgm:txFillClrLst>
+    <dgm:txEffectClrLst/>
+  </dgm:styleLbl>
+</dgm:colorsDef>
+</file>
+
+<file path=ppt/diagrams/data1.xml><?xml version="1.0" encoding="utf-8"?>
+<dgm:dataModel xmlns:dgm="http://schemas.openxmlformats.org/drawingml/2006/diagram" xmlns:a="http://schemas.openxmlformats.org/drawingml/2006/main">
+  <dgm:ptLst>
+    <dgm:pt modelId="{BBFBB245-3D3E-43F2-9C9E-DB83DEF11C03}" type="doc">
+      <dgm:prSet loTypeId="urn:microsoft.com/office/officeart/2005/8/layout/process1" loCatId="process" qsTypeId="urn:microsoft.com/office/officeart/2005/8/quickstyle/simple1" qsCatId="simple" csTypeId="urn:microsoft.com/office/officeart/2005/8/colors/accent1_2" csCatId="accent1" phldr="1"/>
+      <dgm:spPr/>
+    </dgm:pt>
+    <dgm:pt modelId="{EC1316E2-A7B4-4993-A4F4-7A94A0A7C95E}">
+      <dgm:prSet phldrT="[Текст]"/>
+      <dgm:spPr>
+        <a:noFill/>
+      </dgm:spPr>
+      <dgm:t>
+        <a:bodyPr/>
+        <a:lstStyle/>
+        <a:p>
+          <a:r>
+            <a:rPr lang="ru-RU" dirty="0" err="1" smtClean="0">
+              <a:solidFill>
+                <a:schemeClr val="tx1"/>
+              </a:solidFill>
+            </a:rPr>
+            <a:t>обрання</a:t>
+          </a:r>
+          <a:r>
+            <a:rPr lang="ru-RU" dirty="0" smtClean="0">
+              <a:solidFill>
+                <a:schemeClr val="tx1"/>
+              </a:solidFill>
+            </a:rPr>
+            <a:t> фракталу</a:t>
+          </a:r>
+          <a:endParaRPr lang="ru-RU" dirty="0">
+            <a:solidFill>
+              <a:schemeClr val="tx1"/>
+            </a:solidFill>
+          </a:endParaRPr>
+        </a:p>
+      </dgm:t>
+    </dgm:pt>
+    <dgm:pt modelId="{61D85259-EE0E-49AF-AD0E-825B9BC0C348}" type="parTrans" cxnId="{975438EA-7D86-444F-A2F1-C04D4AF86AE2}">
+      <dgm:prSet/>
+      <dgm:spPr/>
+      <dgm:t>
+        <a:bodyPr/>
+        <a:lstStyle/>
+        <a:p>
+          <a:endParaRPr lang="ru-RU">
+            <a:solidFill>
+              <a:schemeClr val="tx1"/>
+            </a:solidFill>
+          </a:endParaRPr>
+        </a:p>
+      </dgm:t>
+    </dgm:pt>
+    <dgm:pt modelId="{D5D8F746-9AE8-4516-AB79-A32BA7DFFCDE}" type="sibTrans" cxnId="{975438EA-7D86-444F-A2F1-C04D4AF86AE2}">
+      <dgm:prSet/>
+      <dgm:spPr>
+        <a:solidFill>
+          <a:schemeClr val="tx2"/>
+        </a:solidFill>
+      </dgm:spPr>
+      <dgm:t>
+        <a:bodyPr/>
+        <a:lstStyle/>
+        <a:p>
+          <a:endParaRPr lang="ru-RU">
+            <a:solidFill>
+              <a:schemeClr val="tx1"/>
+            </a:solidFill>
+          </a:endParaRPr>
+        </a:p>
+      </dgm:t>
+    </dgm:pt>
+    <dgm:pt modelId="{2A8E393C-F492-402C-B022-FC1844A03498}">
+      <dgm:prSet phldrT="[Текст]"/>
+      <dgm:spPr>
+        <a:noFill/>
+      </dgm:spPr>
+      <dgm:t>
+        <a:bodyPr/>
+        <a:lstStyle/>
+        <a:p>
+          <a:r>
+            <a:rPr lang="ru-RU" dirty="0" err="1" smtClean="0">
+              <a:solidFill>
+                <a:schemeClr val="tx1"/>
+              </a:solidFill>
+            </a:rPr>
+            <a:t>введення</a:t>
+          </a:r>
+          <a:r>
+            <a:rPr lang="ru-RU" dirty="0" smtClean="0">
+              <a:solidFill>
+                <a:schemeClr val="tx1"/>
+              </a:solidFill>
+            </a:rPr>
+            <a:t> </a:t>
+          </a:r>
+          <a:r>
+            <a:rPr lang="en-US" dirty="0" smtClean="0">
+              <a:solidFill>
+                <a:schemeClr val="tx1"/>
+              </a:solidFill>
+            </a:rPr>
+            <a:t>/</a:t>
+          </a:r>
+          <a:r>
+            <a:rPr lang="uk-UA" dirty="0" smtClean="0">
+              <a:solidFill>
+                <a:schemeClr val="tx1"/>
+              </a:solidFill>
+            </a:rPr>
+            <a:t> зміна даних</a:t>
+          </a:r>
+          <a:endParaRPr lang="ru-RU" dirty="0">
+            <a:solidFill>
+              <a:schemeClr val="tx1"/>
+            </a:solidFill>
+          </a:endParaRPr>
+        </a:p>
+      </dgm:t>
+    </dgm:pt>
+    <dgm:pt modelId="{6EBBB4F3-3A58-4B55-B41C-70F3CFA5A297}" type="parTrans" cxnId="{D26E1046-65F5-4A86-84CE-7D2F14F35E95}">
+      <dgm:prSet/>
+      <dgm:spPr/>
+      <dgm:t>
+        <a:bodyPr/>
+        <a:lstStyle/>
+        <a:p>
+          <a:endParaRPr lang="ru-RU">
+            <a:solidFill>
+              <a:schemeClr val="tx1"/>
+            </a:solidFill>
+          </a:endParaRPr>
+        </a:p>
+      </dgm:t>
+    </dgm:pt>
+    <dgm:pt modelId="{8D075D66-C8EA-4F5F-A76F-24B53F7095EC}" type="sibTrans" cxnId="{D26E1046-65F5-4A86-84CE-7D2F14F35E95}">
+      <dgm:prSet/>
+      <dgm:spPr>
+        <a:solidFill>
+          <a:schemeClr val="tx2"/>
+        </a:solidFill>
+      </dgm:spPr>
+      <dgm:t>
+        <a:bodyPr/>
+        <a:lstStyle/>
+        <a:p>
+          <a:endParaRPr lang="ru-RU">
+            <a:solidFill>
+              <a:schemeClr val="tx1"/>
+            </a:solidFill>
+          </a:endParaRPr>
+        </a:p>
+      </dgm:t>
+    </dgm:pt>
+    <dgm:pt modelId="{149A1D20-FC1D-4A10-8895-80DEF6E8DE3D}">
+      <dgm:prSet phldrT="[Текст]"/>
+      <dgm:spPr>
+        <a:noFill/>
+      </dgm:spPr>
+      <dgm:t>
+        <a:bodyPr/>
+        <a:lstStyle/>
+        <a:p>
+          <a:r>
+            <a:rPr lang="ru-RU" dirty="0" err="1" smtClean="0">
+              <a:solidFill>
+                <a:schemeClr val="tx1"/>
+              </a:solidFill>
+            </a:rPr>
+            <a:t>задання</a:t>
+          </a:r>
+          <a:r>
+            <a:rPr lang="en-US" dirty="0" smtClean="0">
+              <a:solidFill>
+                <a:schemeClr val="tx1"/>
+              </a:solidFill>
+            </a:rPr>
+            <a:t> / </a:t>
+          </a:r>
+          <a:r>
+            <a:rPr lang="uk-UA" dirty="0" smtClean="0">
+              <a:solidFill>
+                <a:schemeClr val="tx1"/>
+              </a:solidFill>
+            </a:rPr>
+            <a:t>генерація градієнту</a:t>
+          </a:r>
+          <a:endParaRPr lang="ru-RU" dirty="0">
+            <a:solidFill>
+              <a:schemeClr val="tx1"/>
+            </a:solidFill>
+          </a:endParaRPr>
+        </a:p>
+      </dgm:t>
+    </dgm:pt>
+    <dgm:pt modelId="{1B863037-6500-44F1-8213-2974A5917BA7}" type="parTrans" cxnId="{F0FB02F6-BFDC-4228-9BDF-93582E698B3F}">
+      <dgm:prSet/>
+      <dgm:spPr/>
+      <dgm:t>
+        <a:bodyPr/>
+        <a:lstStyle/>
+        <a:p>
+          <a:endParaRPr lang="ru-RU">
+            <a:solidFill>
+              <a:schemeClr val="tx1"/>
+            </a:solidFill>
+          </a:endParaRPr>
+        </a:p>
+      </dgm:t>
+    </dgm:pt>
+    <dgm:pt modelId="{B28A7960-66DA-46C4-A582-0D111288CC10}" type="sibTrans" cxnId="{F0FB02F6-BFDC-4228-9BDF-93582E698B3F}">
+      <dgm:prSet/>
+      <dgm:spPr>
+        <a:solidFill>
+          <a:schemeClr val="tx2"/>
+        </a:solidFill>
+      </dgm:spPr>
+      <dgm:t>
+        <a:bodyPr/>
+        <a:lstStyle/>
+        <a:p>
+          <a:endParaRPr lang="ru-RU">
+            <a:solidFill>
+              <a:schemeClr val="tx1"/>
+            </a:solidFill>
+          </a:endParaRPr>
+        </a:p>
+      </dgm:t>
+    </dgm:pt>
+    <dgm:pt modelId="{5218F29E-FF57-476F-A83E-8524C70A288D}">
+      <dgm:prSet phldrT="[Текст]"/>
+      <dgm:spPr>
+        <a:noFill/>
+      </dgm:spPr>
+      <dgm:t>
+        <a:bodyPr/>
+        <a:lstStyle/>
+        <a:p>
+          <a:r>
+            <a:rPr lang="ru-RU" dirty="0" err="1" smtClean="0">
+              <a:solidFill>
+                <a:schemeClr val="tx1"/>
+              </a:solidFill>
+            </a:rPr>
+            <a:t>побудова</a:t>
+          </a:r>
+          <a:r>
+            <a:rPr lang="ru-RU" dirty="0" smtClean="0">
+              <a:solidFill>
+                <a:schemeClr val="tx1"/>
+              </a:solidFill>
+            </a:rPr>
+            <a:t> фракталу</a:t>
+          </a:r>
+          <a:endParaRPr lang="ru-RU" dirty="0">
+            <a:solidFill>
+              <a:schemeClr val="tx1"/>
+            </a:solidFill>
+          </a:endParaRPr>
+        </a:p>
+      </dgm:t>
+    </dgm:pt>
+    <dgm:pt modelId="{C958EA77-4971-47A5-8F8E-275323F2017F}" type="parTrans" cxnId="{2A6E6689-BC80-4E8E-9B58-14731DE51A73}">
+      <dgm:prSet/>
+      <dgm:spPr/>
+      <dgm:t>
+        <a:bodyPr/>
+        <a:lstStyle/>
+        <a:p>
+          <a:endParaRPr lang="ru-RU">
+            <a:solidFill>
+              <a:schemeClr val="tx1"/>
+            </a:solidFill>
+          </a:endParaRPr>
+        </a:p>
+      </dgm:t>
+    </dgm:pt>
+    <dgm:pt modelId="{7F5CA681-746D-40F7-AA66-1708B724F168}" type="sibTrans" cxnId="{2A6E6689-BC80-4E8E-9B58-14731DE51A73}">
+      <dgm:prSet/>
+      <dgm:spPr>
+        <a:solidFill>
+          <a:schemeClr val="tx2"/>
+        </a:solidFill>
+      </dgm:spPr>
+      <dgm:t>
+        <a:bodyPr/>
+        <a:lstStyle/>
+        <a:p>
+          <a:endParaRPr lang="ru-RU">
+            <a:solidFill>
+              <a:schemeClr val="tx1"/>
+            </a:solidFill>
+          </a:endParaRPr>
+        </a:p>
+      </dgm:t>
+    </dgm:pt>
+    <dgm:pt modelId="{9A3BB55D-E1D0-4856-970B-861DF9937A2D}">
+      <dgm:prSet phldrT="[Текст]"/>
+      <dgm:spPr>
+        <a:noFill/>
+      </dgm:spPr>
+      <dgm:t>
+        <a:bodyPr/>
+        <a:lstStyle/>
+        <a:p>
+          <a:r>
+            <a:rPr lang="ru-RU" dirty="0" err="1" smtClean="0">
+              <a:solidFill>
+                <a:schemeClr val="tx1"/>
+              </a:solidFill>
+            </a:rPr>
+            <a:t>збереження</a:t>
+          </a:r>
+          <a:endParaRPr lang="ru-RU" dirty="0">
+            <a:solidFill>
+              <a:schemeClr val="tx1"/>
+            </a:solidFill>
+          </a:endParaRPr>
+        </a:p>
+      </dgm:t>
+    </dgm:pt>
+    <dgm:pt modelId="{E65C6173-DABB-4DF5-AA7D-D55EA51074C8}" type="parTrans" cxnId="{587AFA32-9885-4221-9F2B-518C7E2E0D30}">
+      <dgm:prSet/>
+      <dgm:spPr/>
+      <dgm:t>
+        <a:bodyPr/>
+        <a:lstStyle/>
+        <a:p>
+          <a:endParaRPr lang="ru-RU">
+            <a:solidFill>
+              <a:schemeClr val="tx1"/>
+            </a:solidFill>
+          </a:endParaRPr>
+        </a:p>
+      </dgm:t>
+    </dgm:pt>
+    <dgm:pt modelId="{76F5AE30-A5F7-4B00-A598-98C301AEB747}" type="sibTrans" cxnId="{587AFA32-9885-4221-9F2B-518C7E2E0D30}">
+      <dgm:prSet/>
+      <dgm:spPr/>
+      <dgm:t>
+        <a:bodyPr/>
+        <a:lstStyle/>
+        <a:p>
+          <a:endParaRPr lang="ru-RU">
+            <a:solidFill>
+              <a:schemeClr val="tx1"/>
+            </a:solidFill>
+          </a:endParaRPr>
+        </a:p>
+      </dgm:t>
+    </dgm:pt>
+    <dgm:pt modelId="{0FBF69D3-5BC6-4266-92A2-1B75EDC0309C}" type="pres">
+      <dgm:prSet presAssocID="{BBFBB245-3D3E-43F2-9C9E-DB83DEF11C03}" presName="Name0" presStyleCnt="0">
+        <dgm:presLayoutVars>
+          <dgm:dir/>
+          <dgm:resizeHandles val="exact"/>
+        </dgm:presLayoutVars>
+      </dgm:prSet>
+      <dgm:spPr/>
+    </dgm:pt>
+    <dgm:pt modelId="{55FDB3FA-FD7A-4FCC-8318-AC3CB67EEA43}" type="pres">
+      <dgm:prSet presAssocID="{EC1316E2-A7B4-4993-A4F4-7A94A0A7C95E}" presName="node" presStyleLbl="node1" presStyleIdx="0" presStyleCnt="5" custScaleX="165386">
+        <dgm:presLayoutVars>
+          <dgm:bulletEnabled val="1"/>
+        </dgm:presLayoutVars>
+      </dgm:prSet>
+      <dgm:spPr/>
+      <dgm:t>
+        <a:bodyPr/>
+        <a:lstStyle/>
+        <a:p>
+          <a:endParaRPr lang="ru-RU"/>
+        </a:p>
+      </dgm:t>
+    </dgm:pt>
+    <dgm:pt modelId="{DB7DE445-F31A-43C0-8268-AE9485DA3D49}" type="pres">
+      <dgm:prSet presAssocID="{D5D8F746-9AE8-4516-AB79-A32BA7DFFCDE}" presName="sibTrans" presStyleLbl="sibTrans2D1" presStyleIdx="0" presStyleCnt="4"/>
+      <dgm:spPr/>
+    </dgm:pt>
+    <dgm:pt modelId="{74416D1C-92CE-4460-BC26-DD9022219D7A}" type="pres">
+      <dgm:prSet presAssocID="{D5D8F746-9AE8-4516-AB79-A32BA7DFFCDE}" presName="connectorText" presStyleLbl="sibTrans2D1" presStyleIdx="0" presStyleCnt="4"/>
+      <dgm:spPr/>
+    </dgm:pt>
+    <dgm:pt modelId="{03D126FB-4628-4191-B59E-1BDA227467BF}" type="pres">
+      <dgm:prSet presAssocID="{2A8E393C-F492-402C-B022-FC1844A03498}" presName="node" presStyleLbl="node1" presStyleIdx="1" presStyleCnt="5" custScaleX="163229">
+        <dgm:presLayoutVars>
+          <dgm:bulletEnabled val="1"/>
+        </dgm:presLayoutVars>
+      </dgm:prSet>
+      <dgm:spPr/>
+      <dgm:t>
+        <a:bodyPr/>
+        <a:lstStyle/>
+        <a:p>
+          <a:endParaRPr lang="ru-RU"/>
+        </a:p>
+      </dgm:t>
+    </dgm:pt>
+    <dgm:pt modelId="{92C6D1A0-B81B-42F6-926F-A99A6AB8551E}" type="pres">
+      <dgm:prSet presAssocID="{8D075D66-C8EA-4F5F-A76F-24B53F7095EC}" presName="sibTrans" presStyleLbl="sibTrans2D1" presStyleIdx="1" presStyleCnt="4"/>
+      <dgm:spPr/>
+    </dgm:pt>
+    <dgm:pt modelId="{83809356-5682-493E-9E0F-37380DA73B37}" type="pres">
+      <dgm:prSet presAssocID="{8D075D66-C8EA-4F5F-A76F-24B53F7095EC}" presName="connectorText" presStyleLbl="sibTrans2D1" presStyleIdx="1" presStyleCnt="4"/>
+      <dgm:spPr/>
+    </dgm:pt>
+    <dgm:pt modelId="{E030E24D-B462-4CCE-B8FA-1BA5EFE3B135}" type="pres">
+      <dgm:prSet presAssocID="{149A1D20-FC1D-4A10-8895-80DEF6E8DE3D}" presName="node" presStyleLbl="node1" presStyleIdx="2" presStyleCnt="5" custScaleX="153135">
+        <dgm:presLayoutVars>
+          <dgm:bulletEnabled val="1"/>
+        </dgm:presLayoutVars>
+      </dgm:prSet>
+      <dgm:spPr/>
+      <dgm:t>
+        <a:bodyPr/>
+        <a:lstStyle/>
+        <a:p>
+          <a:endParaRPr lang="ru-RU"/>
+        </a:p>
+      </dgm:t>
+    </dgm:pt>
+    <dgm:pt modelId="{926170B6-45A2-4A72-8877-3002EFE89EDF}" type="pres">
+      <dgm:prSet presAssocID="{B28A7960-66DA-46C4-A582-0D111288CC10}" presName="sibTrans" presStyleLbl="sibTrans2D1" presStyleIdx="2" presStyleCnt="4"/>
+      <dgm:spPr/>
+    </dgm:pt>
+    <dgm:pt modelId="{5AD84ED2-D43A-475A-A8A9-5983C6B6969A}" type="pres">
+      <dgm:prSet presAssocID="{B28A7960-66DA-46C4-A582-0D111288CC10}" presName="connectorText" presStyleLbl="sibTrans2D1" presStyleIdx="2" presStyleCnt="4"/>
+      <dgm:spPr/>
+    </dgm:pt>
+    <dgm:pt modelId="{CF6047D4-71EB-4780-9933-A62144D3A60C}" type="pres">
+      <dgm:prSet presAssocID="{5218F29E-FF57-476F-A83E-8524C70A288D}" presName="node" presStyleLbl="node1" presStyleIdx="3" presStyleCnt="5">
+        <dgm:presLayoutVars>
+          <dgm:bulletEnabled val="1"/>
+        </dgm:presLayoutVars>
+      </dgm:prSet>
+      <dgm:spPr/>
+      <dgm:t>
+        <a:bodyPr/>
+        <a:lstStyle/>
+        <a:p>
+          <a:endParaRPr lang="ru-RU"/>
+        </a:p>
+      </dgm:t>
+    </dgm:pt>
+    <dgm:pt modelId="{ADD842C3-8EB6-461E-9527-46C5B01372D4}" type="pres">
+      <dgm:prSet presAssocID="{7F5CA681-746D-40F7-AA66-1708B724F168}" presName="sibTrans" presStyleLbl="sibTrans2D1" presStyleIdx="3" presStyleCnt="4"/>
+      <dgm:spPr/>
+    </dgm:pt>
+    <dgm:pt modelId="{09EF3B8B-EE34-409D-8258-FF05D75EA8C4}" type="pres">
+      <dgm:prSet presAssocID="{7F5CA681-746D-40F7-AA66-1708B724F168}" presName="connectorText" presStyleLbl="sibTrans2D1" presStyleIdx="3" presStyleCnt="4"/>
+      <dgm:spPr/>
+    </dgm:pt>
+    <dgm:pt modelId="{9ECA4567-4F1C-4EDD-A33B-7FFB637CF955}" type="pres">
+      <dgm:prSet presAssocID="{9A3BB55D-E1D0-4856-970B-861DF9937A2D}" presName="node" presStyleLbl="node1" presStyleIdx="4" presStyleCnt="5">
+        <dgm:presLayoutVars>
+          <dgm:bulletEnabled val="1"/>
+        </dgm:presLayoutVars>
+      </dgm:prSet>
+      <dgm:spPr/>
+    </dgm:pt>
+  </dgm:ptLst>
+  <dgm:cxnLst>
+    <dgm:cxn modelId="{D26E1046-65F5-4A86-84CE-7D2F14F35E95}" srcId="{BBFBB245-3D3E-43F2-9C9E-DB83DEF11C03}" destId="{2A8E393C-F492-402C-B022-FC1844A03498}" srcOrd="1" destOrd="0" parTransId="{6EBBB4F3-3A58-4B55-B41C-70F3CFA5A297}" sibTransId="{8D075D66-C8EA-4F5F-A76F-24B53F7095EC}"/>
+    <dgm:cxn modelId="{3084CD8B-17F3-4795-AA40-484A88B72C7D}" type="presOf" srcId="{7F5CA681-746D-40F7-AA66-1708B724F168}" destId="{09EF3B8B-EE34-409D-8258-FF05D75EA8C4}" srcOrd="1" destOrd="0" presId="urn:microsoft.com/office/officeart/2005/8/layout/process1"/>
+    <dgm:cxn modelId="{2E377759-9C09-4984-B170-13485924EAC8}" type="presOf" srcId="{D5D8F746-9AE8-4516-AB79-A32BA7DFFCDE}" destId="{74416D1C-92CE-4460-BC26-DD9022219D7A}" srcOrd="1" destOrd="0" presId="urn:microsoft.com/office/officeart/2005/8/layout/process1"/>
+    <dgm:cxn modelId="{EBB64B3C-CC46-45FC-9C5E-C3A34C35CB95}" type="presOf" srcId="{2A8E393C-F492-402C-B022-FC1844A03498}" destId="{03D126FB-4628-4191-B59E-1BDA227467BF}" srcOrd="0" destOrd="0" presId="urn:microsoft.com/office/officeart/2005/8/layout/process1"/>
+    <dgm:cxn modelId="{0E15F9BD-C6E1-473A-9C58-FABBBA55983F}" type="presOf" srcId="{D5D8F746-9AE8-4516-AB79-A32BA7DFFCDE}" destId="{DB7DE445-F31A-43C0-8268-AE9485DA3D49}" srcOrd="0" destOrd="0" presId="urn:microsoft.com/office/officeart/2005/8/layout/process1"/>
+    <dgm:cxn modelId="{063BD29A-D751-49BA-9B97-36816B1127AA}" type="presOf" srcId="{5218F29E-FF57-476F-A83E-8524C70A288D}" destId="{CF6047D4-71EB-4780-9933-A62144D3A60C}" srcOrd="0" destOrd="0" presId="urn:microsoft.com/office/officeart/2005/8/layout/process1"/>
+    <dgm:cxn modelId="{955CD86D-5690-49EB-A5CC-C5CF954E4169}" type="presOf" srcId="{8D075D66-C8EA-4F5F-A76F-24B53F7095EC}" destId="{83809356-5682-493E-9E0F-37380DA73B37}" srcOrd="1" destOrd="0" presId="urn:microsoft.com/office/officeart/2005/8/layout/process1"/>
+    <dgm:cxn modelId="{F0FB02F6-BFDC-4228-9BDF-93582E698B3F}" srcId="{BBFBB245-3D3E-43F2-9C9E-DB83DEF11C03}" destId="{149A1D20-FC1D-4A10-8895-80DEF6E8DE3D}" srcOrd="2" destOrd="0" parTransId="{1B863037-6500-44F1-8213-2974A5917BA7}" sibTransId="{B28A7960-66DA-46C4-A582-0D111288CC10}"/>
+    <dgm:cxn modelId="{F1AF6D02-1B13-4FCA-A1B7-BB85205D67C8}" type="presOf" srcId="{B28A7960-66DA-46C4-A582-0D111288CC10}" destId="{5AD84ED2-D43A-475A-A8A9-5983C6B6969A}" srcOrd="1" destOrd="0" presId="urn:microsoft.com/office/officeart/2005/8/layout/process1"/>
+    <dgm:cxn modelId="{F77CE8C8-E023-40F2-BA3E-2272650EAB6E}" type="presOf" srcId="{EC1316E2-A7B4-4993-A4F4-7A94A0A7C95E}" destId="{55FDB3FA-FD7A-4FCC-8318-AC3CB67EEA43}" srcOrd="0" destOrd="0" presId="urn:microsoft.com/office/officeart/2005/8/layout/process1"/>
+    <dgm:cxn modelId="{9806726A-DCFA-4AC4-A63B-86BB159A6A04}" type="presOf" srcId="{9A3BB55D-E1D0-4856-970B-861DF9937A2D}" destId="{9ECA4567-4F1C-4EDD-A33B-7FFB637CF955}" srcOrd="0" destOrd="0" presId="urn:microsoft.com/office/officeart/2005/8/layout/process1"/>
+    <dgm:cxn modelId="{9A9EBD36-04C8-40C1-85E6-4BA69424E426}" type="presOf" srcId="{149A1D20-FC1D-4A10-8895-80DEF6E8DE3D}" destId="{E030E24D-B462-4CCE-B8FA-1BA5EFE3B135}" srcOrd="0" destOrd="0" presId="urn:microsoft.com/office/officeart/2005/8/layout/process1"/>
+    <dgm:cxn modelId="{587AFA32-9885-4221-9F2B-518C7E2E0D30}" srcId="{BBFBB245-3D3E-43F2-9C9E-DB83DEF11C03}" destId="{9A3BB55D-E1D0-4856-970B-861DF9937A2D}" srcOrd="4" destOrd="0" parTransId="{E65C6173-DABB-4DF5-AA7D-D55EA51074C8}" sibTransId="{76F5AE30-A5F7-4B00-A598-98C301AEB747}"/>
+    <dgm:cxn modelId="{975438EA-7D86-444F-A2F1-C04D4AF86AE2}" srcId="{BBFBB245-3D3E-43F2-9C9E-DB83DEF11C03}" destId="{EC1316E2-A7B4-4993-A4F4-7A94A0A7C95E}" srcOrd="0" destOrd="0" parTransId="{61D85259-EE0E-49AF-AD0E-825B9BC0C348}" sibTransId="{D5D8F746-9AE8-4516-AB79-A32BA7DFFCDE}"/>
+    <dgm:cxn modelId="{8D919B42-5A77-4A6E-94D1-136B809ABF99}" type="presOf" srcId="{B28A7960-66DA-46C4-A582-0D111288CC10}" destId="{926170B6-45A2-4A72-8877-3002EFE89EDF}" srcOrd="0" destOrd="0" presId="urn:microsoft.com/office/officeart/2005/8/layout/process1"/>
+    <dgm:cxn modelId="{A7288F72-73F0-4BC5-A26E-164C927DA426}" type="presOf" srcId="{7F5CA681-746D-40F7-AA66-1708B724F168}" destId="{ADD842C3-8EB6-461E-9527-46C5B01372D4}" srcOrd="0" destOrd="0" presId="urn:microsoft.com/office/officeart/2005/8/layout/process1"/>
+    <dgm:cxn modelId="{E2D997F4-B2C6-4E5C-A33C-56F821B0A03C}" type="presOf" srcId="{BBFBB245-3D3E-43F2-9C9E-DB83DEF11C03}" destId="{0FBF69D3-5BC6-4266-92A2-1B75EDC0309C}" srcOrd="0" destOrd="0" presId="urn:microsoft.com/office/officeart/2005/8/layout/process1"/>
+    <dgm:cxn modelId="{E9D6759F-1561-49E7-90C1-D538B6A8CB92}" type="presOf" srcId="{8D075D66-C8EA-4F5F-A76F-24B53F7095EC}" destId="{92C6D1A0-B81B-42F6-926F-A99A6AB8551E}" srcOrd="0" destOrd="0" presId="urn:microsoft.com/office/officeart/2005/8/layout/process1"/>
+    <dgm:cxn modelId="{2A6E6689-BC80-4E8E-9B58-14731DE51A73}" srcId="{BBFBB245-3D3E-43F2-9C9E-DB83DEF11C03}" destId="{5218F29E-FF57-476F-A83E-8524C70A288D}" srcOrd="3" destOrd="0" parTransId="{C958EA77-4971-47A5-8F8E-275323F2017F}" sibTransId="{7F5CA681-746D-40F7-AA66-1708B724F168}"/>
+    <dgm:cxn modelId="{9F6C2548-ADF8-4F4A-91D6-DD1016BB4683}" type="presParOf" srcId="{0FBF69D3-5BC6-4266-92A2-1B75EDC0309C}" destId="{55FDB3FA-FD7A-4FCC-8318-AC3CB67EEA43}" srcOrd="0" destOrd="0" presId="urn:microsoft.com/office/officeart/2005/8/layout/process1"/>
+    <dgm:cxn modelId="{DC76C8F4-6E37-472D-A240-1630C68584E8}" type="presParOf" srcId="{0FBF69D3-5BC6-4266-92A2-1B75EDC0309C}" destId="{DB7DE445-F31A-43C0-8268-AE9485DA3D49}" srcOrd="1" destOrd="0" presId="urn:microsoft.com/office/officeart/2005/8/layout/process1"/>
+    <dgm:cxn modelId="{1937E20F-09B4-4A26-8D23-F995FBE62997}" type="presParOf" srcId="{DB7DE445-F31A-43C0-8268-AE9485DA3D49}" destId="{74416D1C-92CE-4460-BC26-DD9022219D7A}" srcOrd="0" destOrd="0" presId="urn:microsoft.com/office/officeart/2005/8/layout/process1"/>
+    <dgm:cxn modelId="{95DA232F-E1C7-441D-B62B-66FD0BF8A502}" type="presParOf" srcId="{0FBF69D3-5BC6-4266-92A2-1B75EDC0309C}" destId="{03D126FB-4628-4191-B59E-1BDA227467BF}" srcOrd="2" destOrd="0" presId="urn:microsoft.com/office/officeart/2005/8/layout/process1"/>
+    <dgm:cxn modelId="{89EBFCB3-9F9E-4128-9D80-9E02CC7C7141}" type="presParOf" srcId="{0FBF69D3-5BC6-4266-92A2-1B75EDC0309C}" destId="{92C6D1A0-B81B-42F6-926F-A99A6AB8551E}" srcOrd="3" destOrd="0" presId="urn:microsoft.com/office/officeart/2005/8/layout/process1"/>
+    <dgm:cxn modelId="{BBBB3B70-3E1A-408D-9557-4A87E7E6438D}" type="presParOf" srcId="{92C6D1A0-B81B-42F6-926F-A99A6AB8551E}" destId="{83809356-5682-493E-9E0F-37380DA73B37}" srcOrd="0" destOrd="0" presId="urn:microsoft.com/office/officeart/2005/8/layout/process1"/>
+    <dgm:cxn modelId="{37918E0C-AC2B-4332-B594-1FEA8828BE63}" type="presParOf" srcId="{0FBF69D3-5BC6-4266-92A2-1B75EDC0309C}" destId="{E030E24D-B462-4CCE-B8FA-1BA5EFE3B135}" srcOrd="4" destOrd="0" presId="urn:microsoft.com/office/officeart/2005/8/layout/process1"/>
+    <dgm:cxn modelId="{6BE45A61-CCCE-4A25-8104-4619ED4B825B}" type="presParOf" srcId="{0FBF69D3-5BC6-4266-92A2-1B75EDC0309C}" destId="{926170B6-45A2-4A72-8877-3002EFE89EDF}" srcOrd="5" destOrd="0" presId="urn:microsoft.com/office/officeart/2005/8/layout/process1"/>
+    <dgm:cxn modelId="{A63CD787-0072-460A-B781-CE3800108E77}" type="presParOf" srcId="{926170B6-45A2-4A72-8877-3002EFE89EDF}" destId="{5AD84ED2-D43A-475A-A8A9-5983C6B6969A}" srcOrd="0" destOrd="0" presId="urn:microsoft.com/office/officeart/2005/8/layout/process1"/>
+    <dgm:cxn modelId="{B16F531E-3234-4AB0-B5C7-AE2C8D221721}" type="presParOf" srcId="{0FBF69D3-5BC6-4266-92A2-1B75EDC0309C}" destId="{CF6047D4-71EB-4780-9933-A62144D3A60C}" srcOrd="6" destOrd="0" presId="urn:microsoft.com/office/officeart/2005/8/layout/process1"/>
+    <dgm:cxn modelId="{82E7303B-4B2D-4468-89E3-06C351BBB353}" type="presParOf" srcId="{0FBF69D3-5BC6-4266-92A2-1B75EDC0309C}" destId="{ADD842C3-8EB6-461E-9527-46C5B01372D4}" srcOrd="7" destOrd="0" presId="urn:microsoft.com/office/officeart/2005/8/layout/process1"/>
+    <dgm:cxn modelId="{9E38F86B-2991-48E9-A9A4-09C5A6451469}" type="presParOf" srcId="{ADD842C3-8EB6-461E-9527-46C5B01372D4}" destId="{09EF3B8B-EE34-409D-8258-FF05D75EA8C4}" srcOrd="0" destOrd="0" presId="urn:microsoft.com/office/officeart/2005/8/layout/process1"/>
+    <dgm:cxn modelId="{B0D9CEE1-9967-4DEC-807F-A1C293375799}" type="presParOf" srcId="{0FBF69D3-5BC6-4266-92A2-1B75EDC0309C}" destId="{9ECA4567-4F1C-4EDD-A33B-7FFB637CF955}" srcOrd="8" destOrd="0" presId="urn:microsoft.com/office/officeart/2005/8/layout/process1"/>
+  </dgm:cxnLst>
+  <dgm:bg/>
+  <dgm:whole/>
+  <dgm:extLst>
+    <a:ext uri="http://schemas.microsoft.com/office/drawing/2008/diagram">
+      <dsp:dataModelExt xmlns:dsp="http://schemas.microsoft.com/office/drawing/2008/diagram" relId="rId6" minVer="http://schemas.openxmlformats.org/drawingml/2006/diagram"/>
+    </a:ext>
+  </dgm:extLst>
+</dgm:dataModel>
+</file>
+
+<file path=ppt/diagrams/drawing1.xml><?xml version="1.0" encoding="utf-8"?>
+<dsp:drawing xmlns:dgm="http://schemas.openxmlformats.org/drawingml/2006/diagram" xmlns:dsp="http://schemas.microsoft.com/office/drawing/2008/diagram" xmlns:a="http://schemas.openxmlformats.org/drawingml/2006/main">
+  <dsp:spTree>
+    <dsp:nvGrpSpPr>
+      <dsp:cNvPr id="0" name=""/>
+      <dsp:cNvGrpSpPr/>
+    </dsp:nvGrpSpPr>
+    <dsp:grpSpPr/>
+    <dsp:sp modelId="{55FDB3FA-FD7A-4FCC-8318-AC3CB67EEA43}">
+      <dsp:nvSpPr>
+        <dsp:cNvPr id="0" name=""/>
+        <dsp:cNvSpPr/>
+      </dsp:nvSpPr>
+      <dsp:spPr>
+        <a:xfrm>
+          <a:off x="1099" y="2512146"/>
+          <a:ext cx="1995792" cy="757988"/>
+        </a:xfrm>
+        <a:prstGeom prst="roundRect">
+          <a:avLst>
+            <a:gd name="adj" fmla="val 10000"/>
+          </a:avLst>
+        </a:prstGeom>
+        <a:noFill/>
+        <a:ln w="15875" cap="flat" cmpd="sng" algn="ctr">
+          <a:solidFill>
+            <a:schemeClr val="lt1">
+              <a:hueOff val="0"/>
+              <a:satOff val="0"/>
+              <a:lumOff val="0"/>
+              <a:alphaOff val="0"/>
+            </a:schemeClr>
+          </a:solidFill>
+          <a:prstDash val="solid"/>
+        </a:ln>
+        <a:effectLst/>
+      </dsp:spPr>
+      <dsp:style>
+        <a:lnRef idx="2">
+          <a:scrgbClr r="0" g="0" b="0"/>
+        </a:lnRef>
+        <a:fillRef idx="1">
+          <a:scrgbClr r="0" g="0" b="0"/>
+        </a:fillRef>
+        <a:effectRef idx="0">
+          <a:scrgbClr r="0" g="0" b="0"/>
+        </a:effectRef>
+        <a:fontRef idx="minor">
+          <a:schemeClr val="lt1"/>
+        </a:fontRef>
+      </dsp:style>
+      <dsp:txBody>
+        <a:bodyPr spcFirstLastPara="0" vert="horz" wrap="square" lIns="53340" tIns="53340" rIns="53340" bIns="53340" numCol="1" spcCol="1270" anchor="ctr" anchorCtr="0">
+          <a:noAutofit/>
+        </a:bodyPr>
+        <a:lstStyle/>
+        <a:p>
+          <a:pPr lvl="0" algn="ctr" defTabSz="622300">
+            <a:lnSpc>
+              <a:spcPct val="90000"/>
+            </a:lnSpc>
+            <a:spcBef>
+              <a:spcPct val="0"/>
+            </a:spcBef>
+            <a:spcAft>
+              <a:spcPct val="35000"/>
+            </a:spcAft>
+          </a:pPr>
+          <a:r>
+            <a:rPr lang="ru-RU" sz="1400" kern="1200" dirty="0" err="1" smtClean="0">
+              <a:solidFill>
+                <a:schemeClr val="tx1"/>
+              </a:solidFill>
+            </a:rPr>
+            <a:t>обрання</a:t>
+          </a:r>
+          <a:r>
+            <a:rPr lang="ru-RU" sz="1400" kern="1200" dirty="0" smtClean="0">
+              <a:solidFill>
+                <a:schemeClr val="tx1"/>
+              </a:solidFill>
+            </a:rPr>
+            <a:t> фракталу</a:t>
+          </a:r>
+          <a:endParaRPr lang="ru-RU" sz="1400" kern="1200" dirty="0">
+            <a:solidFill>
+              <a:schemeClr val="tx1"/>
+            </a:solidFill>
+          </a:endParaRPr>
+        </a:p>
+      </dsp:txBody>
+      <dsp:txXfrm>
+        <a:off x="23300" y="2534347"/>
+        <a:ext cx="1951390" cy="713586"/>
+      </dsp:txXfrm>
+    </dsp:sp>
+    <dsp:sp modelId="{DB7DE445-F31A-43C0-8268-AE9485DA3D49}">
+      <dsp:nvSpPr>
+        <dsp:cNvPr id="0" name=""/>
+        <dsp:cNvSpPr/>
+      </dsp:nvSpPr>
+      <dsp:spPr>
+        <a:xfrm>
+          <a:off x="2117566" y="2741503"/>
+          <a:ext cx="255830" cy="299273"/>
+        </a:xfrm>
+        <a:prstGeom prst="rightArrow">
+          <a:avLst>
+            <a:gd name="adj1" fmla="val 60000"/>
+            <a:gd name="adj2" fmla="val 50000"/>
+          </a:avLst>
+        </a:prstGeom>
+        <a:solidFill>
+          <a:schemeClr val="tx2"/>
+        </a:solidFill>
+        <a:ln>
+          <a:noFill/>
+        </a:ln>
+        <a:effectLst/>
+      </dsp:spPr>
+      <dsp:style>
+        <a:lnRef idx="0">
+          <a:scrgbClr r="0" g="0" b="0"/>
+        </a:lnRef>
+        <a:fillRef idx="1">
+          <a:scrgbClr r="0" g="0" b="0"/>
+        </a:fillRef>
+        <a:effectRef idx="0">
+          <a:scrgbClr r="0" g="0" b="0"/>
+        </a:effectRef>
+        <a:fontRef idx="minor">
+          <a:schemeClr val="lt1"/>
+        </a:fontRef>
+      </dsp:style>
+      <dsp:txBody>
+        <a:bodyPr spcFirstLastPara="0" vert="horz" wrap="square" lIns="0" tIns="0" rIns="0" bIns="0" numCol="1" spcCol="1270" anchor="ctr" anchorCtr="0">
+          <a:noAutofit/>
+        </a:bodyPr>
+        <a:lstStyle/>
+        <a:p>
+          <a:pPr lvl="0" algn="ctr" defTabSz="533400">
+            <a:lnSpc>
+              <a:spcPct val="90000"/>
+            </a:lnSpc>
+            <a:spcBef>
+              <a:spcPct val="0"/>
+            </a:spcBef>
+            <a:spcAft>
+              <a:spcPct val="35000"/>
+            </a:spcAft>
+          </a:pPr>
+          <a:endParaRPr lang="ru-RU" sz="1200" kern="1200">
+            <a:solidFill>
+              <a:schemeClr val="tx1"/>
+            </a:solidFill>
+          </a:endParaRPr>
+        </a:p>
+      </dsp:txBody>
+      <dsp:txXfrm>
+        <a:off x="2117566" y="2801358"/>
+        <a:ext cx="179081" cy="179563"/>
+      </dsp:txXfrm>
+    </dsp:sp>
+    <dsp:sp modelId="{03D126FB-4628-4191-B59E-1BDA227467BF}">
+      <dsp:nvSpPr>
+        <dsp:cNvPr id="0" name=""/>
+        <dsp:cNvSpPr/>
+      </dsp:nvSpPr>
+      <dsp:spPr>
+        <a:xfrm>
+          <a:off x="2479590" y="2512146"/>
+          <a:ext cx="1969762" cy="757988"/>
+        </a:xfrm>
+        <a:prstGeom prst="roundRect">
+          <a:avLst>
+            <a:gd name="adj" fmla="val 10000"/>
+          </a:avLst>
+        </a:prstGeom>
+        <a:noFill/>
+        <a:ln w="15875" cap="flat" cmpd="sng" algn="ctr">
+          <a:solidFill>
+            <a:schemeClr val="lt1">
+              <a:hueOff val="0"/>
+              <a:satOff val="0"/>
+              <a:lumOff val="0"/>
+              <a:alphaOff val="0"/>
+            </a:schemeClr>
+          </a:solidFill>
+          <a:prstDash val="solid"/>
+        </a:ln>
+        <a:effectLst/>
+      </dsp:spPr>
+      <dsp:style>
+        <a:lnRef idx="2">
+          <a:scrgbClr r="0" g="0" b="0"/>
+        </a:lnRef>
+        <a:fillRef idx="1">
+          <a:scrgbClr r="0" g="0" b="0"/>
+        </a:fillRef>
+        <a:effectRef idx="0">
+          <a:scrgbClr r="0" g="0" b="0"/>
+        </a:effectRef>
+        <a:fontRef idx="minor">
+          <a:schemeClr val="lt1"/>
+        </a:fontRef>
+      </dsp:style>
+      <dsp:txBody>
+        <a:bodyPr spcFirstLastPara="0" vert="horz" wrap="square" lIns="53340" tIns="53340" rIns="53340" bIns="53340" numCol="1" spcCol="1270" anchor="ctr" anchorCtr="0">
+          <a:noAutofit/>
+        </a:bodyPr>
+        <a:lstStyle/>
+        <a:p>
+          <a:pPr lvl="0" algn="ctr" defTabSz="622300">
+            <a:lnSpc>
+              <a:spcPct val="90000"/>
+            </a:lnSpc>
+            <a:spcBef>
+              <a:spcPct val="0"/>
+            </a:spcBef>
+            <a:spcAft>
+              <a:spcPct val="35000"/>
+            </a:spcAft>
+          </a:pPr>
+          <a:r>
+            <a:rPr lang="ru-RU" sz="1400" kern="1200" dirty="0" err="1" smtClean="0">
+              <a:solidFill>
+                <a:schemeClr val="tx1"/>
+              </a:solidFill>
+            </a:rPr>
+            <a:t>введення</a:t>
+          </a:r>
+          <a:r>
+            <a:rPr lang="ru-RU" sz="1400" kern="1200" dirty="0" smtClean="0">
+              <a:solidFill>
+                <a:schemeClr val="tx1"/>
+              </a:solidFill>
+            </a:rPr>
+            <a:t> </a:t>
+          </a:r>
+          <a:r>
+            <a:rPr lang="en-US" sz="1400" kern="1200" dirty="0" smtClean="0">
+              <a:solidFill>
+                <a:schemeClr val="tx1"/>
+              </a:solidFill>
+            </a:rPr>
+            <a:t>/</a:t>
+          </a:r>
+          <a:r>
+            <a:rPr lang="uk-UA" sz="1400" kern="1200" dirty="0" smtClean="0">
+              <a:solidFill>
+                <a:schemeClr val="tx1"/>
+              </a:solidFill>
+            </a:rPr>
+            <a:t> зміна даних</a:t>
+          </a:r>
+          <a:endParaRPr lang="ru-RU" sz="1400" kern="1200" dirty="0">
+            <a:solidFill>
+              <a:schemeClr val="tx1"/>
+            </a:solidFill>
+          </a:endParaRPr>
+        </a:p>
+      </dsp:txBody>
+      <dsp:txXfrm>
+        <a:off x="2501791" y="2534347"/>
+        <a:ext cx="1925360" cy="713586"/>
+      </dsp:txXfrm>
+    </dsp:sp>
+    <dsp:sp modelId="{92C6D1A0-B81B-42F6-926F-A99A6AB8551E}">
+      <dsp:nvSpPr>
+        <dsp:cNvPr id="0" name=""/>
+        <dsp:cNvSpPr/>
+      </dsp:nvSpPr>
+      <dsp:spPr>
+        <a:xfrm>
+          <a:off x="4570028" y="2741503"/>
+          <a:ext cx="255830" cy="299273"/>
+        </a:xfrm>
+        <a:prstGeom prst="rightArrow">
+          <a:avLst>
+            <a:gd name="adj1" fmla="val 60000"/>
+            <a:gd name="adj2" fmla="val 50000"/>
+          </a:avLst>
+        </a:prstGeom>
+        <a:solidFill>
+          <a:schemeClr val="tx2"/>
+        </a:solidFill>
+        <a:ln>
+          <a:noFill/>
+        </a:ln>
+        <a:effectLst/>
+      </dsp:spPr>
+      <dsp:style>
+        <a:lnRef idx="0">
+          <a:scrgbClr r="0" g="0" b="0"/>
+        </a:lnRef>
+        <a:fillRef idx="1">
+          <a:scrgbClr r="0" g="0" b="0"/>
+        </a:fillRef>
+        <a:effectRef idx="0">
+          <a:scrgbClr r="0" g="0" b="0"/>
+        </a:effectRef>
+        <a:fontRef idx="minor">
+          <a:schemeClr val="lt1"/>
+        </a:fontRef>
+      </dsp:style>
+      <dsp:txBody>
+        <a:bodyPr spcFirstLastPara="0" vert="horz" wrap="square" lIns="0" tIns="0" rIns="0" bIns="0" numCol="1" spcCol="1270" anchor="ctr" anchorCtr="0">
+          <a:noAutofit/>
+        </a:bodyPr>
+        <a:lstStyle/>
+        <a:p>
+          <a:pPr lvl="0" algn="ctr" defTabSz="533400">
+            <a:lnSpc>
+              <a:spcPct val="90000"/>
+            </a:lnSpc>
+            <a:spcBef>
+              <a:spcPct val="0"/>
+            </a:spcBef>
+            <a:spcAft>
+              <a:spcPct val="35000"/>
+            </a:spcAft>
+          </a:pPr>
+          <a:endParaRPr lang="ru-RU" sz="1200" kern="1200">
+            <a:solidFill>
+              <a:schemeClr val="tx1"/>
+            </a:solidFill>
+          </a:endParaRPr>
+        </a:p>
+      </dsp:txBody>
+      <dsp:txXfrm>
+        <a:off x="4570028" y="2801358"/>
+        <a:ext cx="179081" cy="179563"/>
+      </dsp:txXfrm>
+    </dsp:sp>
+    <dsp:sp modelId="{E030E24D-B462-4CCE-B8FA-1BA5EFE3B135}">
+      <dsp:nvSpPr>
+        <dsp:cNvPr id="0" name=""/>
+        <dsp:cNvSpPr/>
+      </dsp:nvSpPr>
+      <dsp:spPr>
+        <a:xfrm>
+          <a:off x="4932052" y="2512146"/>
+          <a:ext cx="1847953" cy="757988"/>
+        </a:xfrm>
+        <a:prstGeom prst="roundRect">
+          <a:avLst>
+            <a:gd name="adj" fmla="val 10000"/>
+          </a:avLst>
+        </a:prstGeom>
+        <a:noFill/>
+        <a:ln w="15875" cap="flat" cmpd="sng" algn="ctr">
+          <a:solidFill>
+            <a:schemeClr val="lt1">
+              <a:hueOff val="0"/>
+              <a:satOff val="0"/>
+              <a:lumOff val="0"/>
+              <a:alphaOff val="0"/>
+            </a:schemeClr>
+          </a:solidFill>
+          <a:prstDash val="solid"/>
+        </a:ln>
+        <a:effectLst/>
+      </dsp:spPr>
+      <dsp:style>
+        <a:lnRef idx="2">
+          <a:scrgbClr r="0" g="0" b="0"/>
+        </a:lnRef>
+        <a:fillRef idx="1">
+          <a:scrgbClr r="0" g="0" b="0"/>
+        </a:fillRef>
+        <a:effectRef idx="0">
+          <a:scrgbClr r="0" g="0" b="0"/>
+        </a:effectRef>
+        <a:fontRef idx="minor">
+          <a:schemeClr val="lt1"/>
+        </a:fontRef>
+      </dsp:style>
+      <dsp:txBody>
+        <a:bodyPr spcFirstLastPara="0" vert="horz" wrap="square" lIns="53340" tIns="53340" rIns="53340" bIns="53340" numCol="1" spcCol="1270" anchor="ctr" anchorCtr="0">
+          <a:noAutofit/>
+        </a:bodyPr>
+        <a:lstStyle/>
+        <a:p>
+          <a:pPr lvl="0" algn="ctr" defTabSz="622300">
+            <a:lnSpc>
+              <a:spcPct val="90000"/>
+            </a:lnSpc>
+            <a:spcBef>
+              <a:spcPct val="0"/>
+            </a:spcBef>
+            <a:spcAft>
+              <a:spcPct val="35000"/>
+            </a:spcAft>
+          </a:pPr>
+          <a:r>
+            <a:rPr lang="ru-RU" sz="1400" kern="1200" dirty="0" err="1" smtClean="0">
+              <a:solidFill>
+                <a:schemeClr val="tx1"/>
+              </a:solidFill>
+            </a:rPr>
+            <a:t>задання</a:t>
+          </a:r>
+          <a:r>
+            <a:rPr lang="en-US" sz="1400" kern="1200" dirty="0" smtClean="0">
+              <a:solidFill>
+                <a:schemeClr val="tx1"/>
+              </a:solidFill>
+            </a:rPr>
+            <a:t> / </a:t>
+          </a:r>
+          <a:r>
+            <a:rPr lang="uk-UA" sz="1400" kern="1200" dirty="0" smtClean="0">
+              <a:solidFill>
+                <a:schemeClr val="tx1"/>
+              </a:solidFill>
+            </a:rPr>
+            <a:t>генерація градієнту</a:t>
+          </a:r>
+          <a:endParaRPr lang="ru-RU" sz="1400" kern="1200" dirty="0">
+            <a:solidFill>
+              <a:schemeClr val="tx1"/>
+            </a:solidFill>
+          </a:endParaRPr>
+        </a:p>
+      </dsp:txBody>
+      <dsp:txXfrm>
+        <a:off x="4954253" y="2534347"/>
+        <a:ext cx="1803551" cy="713586"/>
+      </dsp:txXfrm>
+    </dsp:sp>
+    <dsp:sp modelId="{926170B6-45A2-4A72-8877-3002EFE89EDF}">
+      <dsp:nvSpPr>
+        <dsp:cNvPr id="0" name=""/>
+        <dsp:cNvSpPr/>
+      </dsp:nvSpPr>
+      <dsp:spPr>
+        <a:xfrm>
+          <a:off x="6900681" y="2741503"/>
+          <a:ext cx="255830" cy="299273"/>
+        </a:xfrm>
+        <a:prstGeom prst="rightArrow">
+          <a:avLst>
+            <a:gd name="adj1" fmla="val 60000"/>
+            <a:gd name="adj2" fmla="val 50000"/>
+          </a:avLst>
+        </a:prstGeom>
+        <a:solidFill>
+          <a:schemeClr val="tx2"/>
+        </a:solidFill>
+        <a:ln>
+          <a:noFill/>
+        </a:ln>
+        <a:effectLst/>
+      </dsp:spPr>
+      <dsp:style>
+        <a:lnRef idx="0">
+          <a:scrgbClr r="0" g="0" b="0"/>
+        </a:lnRef>
+        <a:fillRef idx="1">
+          <a:scrgbClr r="0" g="0" b="0"/>
+        </a:fillRef>
+        <a:effectRef idx="0">
+          <a:scrgbClr r="0" g="0" b="0"/>
+        </a:effectRef>
+        <a:fontRef idx="minor">
+          <a:schemeClr val="lt1"/>
+        </a:fontRef>
+      </dsp:style>
+      <dsp:txBody>
+        <a:bodyPr spcFirstLastPara="0" vert="horz" wrap="square" lIns="0" tIns="0" rIns="0" bIns="0" numCol="1" spcCol="1270" anchor="ctr" anchorCtr="0">
+          <a:noAutofit/>
+        </a:bodyPr>
+        <a:lstStyle/>
+        <a:p>
+          <a:pPr lvl="0" algn="ctr" defTabSz="533400">
+            <a:lnSpc>
+              <a:spcPct val="90000"/>
+            </a:lnSpc>
+            <a:spcBef>
+              <a:spcPct val="0"/>
+            </a:spcBef>
+            <a:spcAft>
+              <a:spcPct val="35000"/>
+            </a:spcAft>
+          </a:pPr>
+          <a:endParaRPr lang="ru-RU" sz="1200" kern="1200">
+            <a:solidFill>
+              <a:schemeClr val="tx1"/>
+            </a:solidFill>
+          </a:endParaRPr>
+        </a:p>
+      </dsp:txBody>
+      <dsp:txXfrm>
+        <a:off x="6900681" y="2801358"/>
+        <a:ext cx="179081" cy="179563"/>
+      </dsp:txXfrm>
+    </dsp:sp>
+    <dsp:sp modelId="{CF6047D4-71EB-4780-9933-A62144D3A60C}">
+      <dsp:nvSpPr>
+        <dsp:cNvPr id="0" name=""/>
+        <dsp:cNvSpPr/>
+      </dsp:nvSpPr>
+      <dsp:spPr>
+        <a:xfrm>
+          <a:off x="7262705" y="2512146"/>
+          <a:ext cx="1206748" cy="757988"/>
+        </a:xfrm>
+        <a:prstGeom prst="roundRect">
+          <a:avLst>
+            <a:gd name="adj" fmla="val 10000"/>
+          </a:avLst>
+        </a:prstGeom>
+        <a:noFill/>
+        <a:ln w="15875" cap="flat" cmpd="sng" algn="ctr">
+          <a:solidFill>
+            <a:schemeClr val="lt1">
+              <a:hueOff val="0"/>
+              <a:satOff val="0"/>
+              <a:lumOff val="0"/>
+              <a:alphaOff val="0"/>
+            </a:schemeClr>
+          </a:solidFill>
+          <a:prstDash val="solid"/>
+        </a:ln>
+        <a:effectLst/>
+      </dsp:spPr>
+      <dsp:style>
+        <a:lnRef idx="2">
+          <a:scrgbClr r="0" g="0" b="0"/>
+        </a:lnRef>
+        <a:fillRef idx="1">
+          <a:scrgbClr r="0" g="0" b="0"/>
+        </a:fillRef>
+        <a:effectRef idx="0">
+          <a:scrgbClr r="0" g="0" b="0"/>
+        </a:effectRef>
+        <a:fontRef idx="minor">
+          <a:schemeClr val="lt1"/>
+        </a:fontRef>
+      </dsp:style>
+      <dsp:txBody>
+        <a:bodyPr spcFirstLastPara="0" vert="horz" wrap="square" lIns="53340" tIns="53340" rIns="53340" bIns="53340" numCol="1" spcCol="1270" anchor="ctr" anchorCtr="0">
+          <a:noAutofit/>
+        </a:bodyPr>
+        <a:lstStyle/>
+        <a:p>
+          <a:pPr lvl="0" algn="ctr" defTabSz="622300">
+            <a:lnSpc>
+              <a:spcPct val="90000"/>
+            </a:lnSpc>
+            <a:spcBef>
+              <a:spcPct val="0"/>
+            </a:spcBef>
+            <a:spcAft>
+              <a:spcPct val="35000"/>
+            </a:spcAft>
+          </a:pPr>
+          <a:r>
+            <a:rPr lang="ru-RU" sz="1400" kern="1200" dirty="0" err="1" smtClean="0">
+              <a:solidFill>
+                <a:schemeClr val="tx1"/>
+              </a:solidFill>
+            </a:rPr>
+            <a:t>побудова</a:t>
+          </a:r>
+          <a:r>
+            <a:rPr lang="ru-RU" sz="1400" kern="1200" dirty="0" smtClean="0">
+              <a:solidFill>
+                <a:schemeClr val="tx1"/>
+              </a:solidFill>
+            </a:rPr>
+            <a:t> фракталу</a:t>
+          </a:r>
+          <a:endParaRPr lang="ru-RU" sz="1400" kern="1200" dirty="0">
+            <a:solidFill>
+              <a:schemeClr val="tx1"/>
+            </a:solidFill>
+          </a:endParaRPr>
+        </a:p>
+      </dsp:txBody>
+      <dsp:txXfrm>
+        <a:off x="7284906" y="2534347"/>
+        <a:ext cx="1162346" cy="713586"/>
+      </dsp:txXfrm>
+    </dsp:sp>
+    <dsp:sp modelId="{ADD842C3-8EB6-461E-9527-46C5B01372D4}">
+      <dsp:nvSpPr>
+        <dsp:cNvPr id="0" name=""/>
+        <dsp:cNvSpPr/>
+      </dsp:nvSpPr>
+      <dsp:spPr>
+        <a:xfrm>
+          <a:off x="8590128" y="2741503"/>
+          <a:ext cx="255830" cy="299273"/>
+        </a:xfrm>
+        <a:prstGeom prst="rightArrow">
+          <a:avLst>
+            <a:gd name="adj1" fmla="val 60000"/>
+            <a:gd name="adj2" fmla="val 50000"/>
+          </a:avLst>
+        </a:prstGeom>
+        <a:solidFill>
+          <a:schemeClr val="tx2"/>
+        </a:solidFill>
+        <a:ln>
+          <a:noFill/>
+        </a:ln>
+        <a:effectLst/>
+      </dsp:spPr>
+      <dsp:style>
+        <a:lnRef idx="0">
+          <a:scrgbClr r="0" g="0" b="0"/>
+        </a:lnRef>
+        <a:fillRef idx="1">
+          <a:scrgbClr r="0" g="0" b="0"/>
+        </a:fillRef>
+        <a:effectRef idx="0">
+          <a:scrgbClr r="0" g="0" b="0"/>
+        </a:effectRef>
+        <a:fontRef idx="minor">
+          <a:schemeClr val="lt1"/>
+        </a:fontRef>
+      </dsp:style>
+      <dsp:txBody>
+        <a:bodyPr spcFirstLastPara="0" vert="horz" wrap="square" lIns="0" tIns="0" rIns="0" bIns="0" numCol="1" spcCol="1270" anchor="ctr" anchorCtr="0">
+          <a:noAutofit/>
+        </a:bodyPr>
+        <a:lstStyle/>
+        <a:p>
+          <a:pPr lvl="0" algn="ctr" defTabSz="533400">
+            <a:lnSpc>
+              <a:spcPct val="90000"/>
+            </a:lnSpc>
+            <a:spcBef>
+              <a:spcPct val="0"/>
+            </a:spcBef>
+            <a:spcAft>
+              <a:spcPct val="35000"/>
+            </a:spcAft>
+          </a:pPr>
+          <a:endParaRPr lang="ru-RU" sz="1200" kern="1200">
+            <a:solidFill>
+              <a:schemeClr val="tx1"/>
+            </a:solidFill>
+          </a:endParaRPr>
+        </a:p>
+      </dsp:txBody>
+      <dsp:txXfrm>
+        <a:off x="8590128" y="2801358"/>
+        <a:ext cx="179081" cy="179563"/>
+      </dsp:txXfrm>
+    </dsp:sp>
+    <dsp:sp modelId="{9ECA4567-4F1C-4EDD-A33B-7FFB637CF955}">
+      <dsp:nvSpPr>
+        <dsp:cNvPr id="0" name=""/>
+        <dsp:cNvSpPr/>
+      </dsp:nvSpPr>
+      <dsp:spPr>
+        <a:xfrm>
+          <a:off x="8952152" y="2512146"/>
+          <a:ext cx="1206748" cy="757988"/>
+        </a:xfrm>
+        <a:prstGeom prst="roundRect">
+          <a:avLst>
+            <a:gd name="adj" fmla="val 10000"/>
+          </a:avLst>
+        </a:prstGeom>
+        <a:noFill/>
+        <a:ln w="15875" cap="flat" cmpd="sng" algn="ctr">
+          <a:solidFill>
+            <a:schemeClr val="lt1">
+              <a:hueOff val="0"/>
+              <a:satOff val="0"/>
+              <a:lumOff val="0"/>
+              <a:alphaOff val="0"/>
+            </a:schemeClr>
+          </a:solidFill>
+          <a:prstDash val="solid"/>
+        </a:ln>
+        <a:effectLst/>
+      </dsp:spPr>
+      <dsp:style>
+        <a:lnRef idx="2">
+          <a:scrgbClr r="0" g="0" b="0"/>
+        </a:lnRef>
+        <a:fillRef idx="1">
+          <a:scrgbClr r="0" g="0" b="0"/>
+        </a:fillRef>
+        <a:effectRef idx="0">
+          <a:scrgbClr r="0" g="0" b="0"/>
+        </a:effectRef>
+        <a:fontRef idx="minor">
+          <a:schemeClr val="lt1"/>
+        </a:fontRef>
+      </dsp:style>
+      <dsp:txBody>
+        <a:bodyPr spcFirstLastPara="0" vert="horz" wrap="square" lIns="53340" tIns="53340" rIns="53340" bIns="53340" numCol="1" spcCol="1270" anchor="ctr" anchorCtr="0">
+          <a:noAutofit/>
+        </a:bodyPr>
+        <a:lstStyle/>
+        <a:p>
+          <a:pPr lvl="0" algn="ctr" defTabSz="622300">
+            <a:lnSpc>
+              <a:spcPct val="90000"/>
+            </a:lnSpc>
+            <a:spcBef>
+              <a:spcPct val="0"/>
+            </a:spcBef>
+            <a:spcAft>
+              <a:spcPct val="35000"/>
+            </a:spcAft>
+          </a:pPr>
+          <a:r>
+            <a:rPr lang="ru-RU" sz="1400" kern="1200" dirty="0" err="1" smtClean="0">
+              <a:solidFill>
+                <a:schemeClr val="tx1"/>
+              </a:solidFill>
+            </a:rPr>
+            <a:t>збереження</a:t>
+          </a:r>
+          <a:endParaRPr lang="ru-RU" sz="1400" kern="1200" dirty="0">
+            <a:solidFill>
+              <a:schemeClr val="tx1"/>
+            </a:solidFill>
+          </a:endParaRPr>
+        </a:p>
+      </dsp:txBody>
+      <dsp:txXfrm>
+        <a:off x="8974353" y="2534347"/>
+        <a:ext cx="1162346" cy="713586"/>
+      </dsp:txXfrm>
+    </dsp:sp>
+  </dsp:spTree>
+</dsp:drawing>
+</file>
+
+<file path=ppt/diagrams/layout1.xml><?xml version="1.0" encoding="utf-8"?>
+<dgm:layoutDef xmlns:dgm="http://schemas.openxmlformats.org/drawingml/2006/diagram" xmlns:a="http://schemas.openxmlformats.org/drawingml/2006/main" uniqueId="urn:microsoft.com/office/officeart/2005/8/layout/process1">
+  <dgm:title val=""/>
+  <dgm:desc val=""/>
+  <dgm:catLst>
+    <dgm:cat type="process" pri="1000"/>
+    <dgm:cat type="convert" pri="15000"/>
+  </dgm:catLst>
+  <dgm:sampData useDef="1">
+    <dgm:dataModel>
+      <dgm:ptLst/>
+      <dgm:bg/>
+      <dgm:whole/>
+    </dgm:dataModel>
+  </dgm:sampData>
+  <dgm:styleData>
+    <dgm:dataModel>
+      <dgm:ptLst>
+        <dgm:pt modelId="0" type="doc"/>
+        <dgm:pt modelId="1"/>
+        <dgm:pt modelId="2"/>
+      </dgm:ptLst>
+      <dgm:cxnLst>
+        <dgm:cxn modelId="3" srcId="0" destId="1" srcOrd="0" destOrd="0"/>
+        <dgm:cxn modelId="4" srcId="0" destId="2" srcOrd="1" destOrd="0"/>
+      </dgm:cxnLst>
+      <dgm:bg/>
+      <dgm:whole/>
+    </dgm:dataModel>
+  </dgm:styleData>
+  <dgm:clrData>
+    <dgm:dataModel>
+      <dgm:ptLst>
+        <dgm:pt modelId="0" type="doc"/>
+        <dgm:pt modelId="1"/>
+        <dgm:pt modelId="2"/>
+        <dgm:pt modelId="3"/>
+        <dgm:pt modelId="4"/>
+      </dgm:ptLst>
+      <dgm:cxnLst>
+        <dgm:cxn modelId="5" srcId="0" destId="1" srcOrd="0" destOrd="0"/>
+        <dgm:cxn modelId="6" srcId="0" destId="2" srcOrd="1" destOrd="0"/>
+        <dgm:cxn modelId="7" srcId="0" destId="3" srcOrd="2" destOrd="0"/>
+        <dgm:cxn modelId="8" srcId="0" destId="4" srcOrd="3" destOrd="0"/>
+      </dgm:cxnLst>
+      <dgm:bg/>
+      <dgm:whole/>
+    </dgm:dataModel>
+  </dgm:clrData>
+  <dgm:layoutNode name="Name0">
+    <dgm:varLst>
+      <dgm:dir/>
+      <dgm:resizeHandles val="exact"/>
+    </dgm:varLst>
+    <dgm:choose name="Name1">
+      <dgm:if name="Name2" func="var" arg="dir" op="equ" val="norm">
+        <dgm:alg type="lin"/>
+      </dgm:if>
+      <dgm:else name="Name3">
+        <dgm:alg type="lin">
+          <dgm:param type="linDir" val="fromR"/>
+        </dgm:alg>
+      </dgm:else>
+    </dgm:choose>
+    <dgm:shape xmlns:r="http://schemas.openxmlformats.org/officeDocument/2006/relationships" r:blip="">
+      <dgm:adjLst/>
+    </dgm:shape>
+    <dgm:presOf/>
+    <dgm:constrLst>
+      <dgm:constr type="w" for="ch" ptType="node" refType="w"/>
+      <dgm:constr type="h" for="ch" ptType="node" op="equ"/>
+      <dgm:constr type="primFontSz" for="ch" ptType="node" op="equ" val="65"/>
+      <dgm:constr type="w" for="ch" ptType="sibTrans" refType="w" refFor="ch" refPtType="node" op="equ" fact="0.4"/>
+      <dgm:constr type="h" for="ch" ptType="sibTrans" op="equ"/>
+      <dgm:constr type="primFontSz" for="des" forName="connectorText" op="equ" val="55"/>
+      <dgm:constr type="primFontSz" for="des" forName="connectorText" refType="primFontSz" refFor="ch" refPtType="node" op="lte" fact="0.8"/>
+    </dgm:constrLst>
+    <dgm:ruleLst/>
+    <dgm:forEach name="nodesForEach" axis="ch" ptType="node">
+      <dgm:layoutNode name="node">
+        <dgm:varLst>
+          <dgm:bulletEnabled val="1"/>
+        </dgm:varLst>
+        <dgm:alg type="tx"/>
+        <dgm:shape xmlns:r="http://schemas.openxmlformats.org/officeDocument/2006/relationships" type="roundRect" r:blip="">
+          <dgm:adjLst>
+            <dgm:adj idx="1" val="0.1"/>
+          </dgm:adjLst>
+        </dgm:shape>
+        <dgm:presOf axis="desOrSelf" ptType="node"/>
+        <dgm:constrLst>
+          <dgm:constr type="h" refType="w" fact="0.6"/>
+          <dgm:constr type="tMarg" refType="primFontSz" fact="0.3"/>
+          <dgm:constr type="bMarg" refType="primFontSz" fact="0.3"/>
+          <dgm:constr type="lMarg" refType="primFontSz" fact="0.3"/>
+          <dgm:constr type="rMarg" refType="primFontSz" fact="0.3"/>
+        </dgm:constrLst>
+        <dgm:ruleLst>
+          <dgm:rule type="primFontSz" val="18" fact="NaN" max="NaN"/>
+          <dgm:rule type="h" val="NaN" fact="1.5" max="NaN"/>
+          <dgm:rule type="primFontSz" val="5" fact="NaN" max="NaN"/>
+          <dgm:rule type="h" val="INF" fact="NaN" max="NaN"/>
+        </dgm:ruleLst>
+      </dgm:layoutNode>
+      <dgm:forEach name="sibTransForEach" axis="followSib" ptType="sibTrans" cnt="1">
+        <dgm:layoutNode name="sibTrans">
+          <dgm:alg type="conn">
+            <dgm:param type="begPts" val="auto"/>
+            <dgm:param type="endPts" val="auto"/>
+          </dgm:alg>
+          <dgm:shape xmlns:r="http://schemas.openxmlformats.org/officeDocument/2006/relationships" type="conn" r:blip="">
+            <dgm:adjLst/>
+          </dgm:shape>
+          <dgm:presOf axis="self"/>
+          <dgm:constrLst>
+            <dgm:constr type="h" refType="w" fact="0.62"/>
+            <dgm:constr type="connDist"/>
+            <dgm:constr type="begPad" refType="connDist" fact="0.25"/>
+            <dgm:constr type="endPad" refType="connDist" fact="0.22"/>
+          </dgm:constrLst>
+          <dgm:ruleLst/>
+          <dgm:layoutNode name="connectorText">
+            <dgm:alg type="tx">
+              <dgm:param type="autoTxRot" val="grav"/>
+            </dgm:alg>
+            <dgm:shape xmlns:r="http://schemas.openxmlformats.org/officeDocument/2006/relationships" type="conn" r:blip="" hideGeom="1">
+              <dgm:adjLst/>
+            </dgm:shape>
+            <dgm:presOf axis="self"/>
+            <dgm:constrLst>
+              <dgm:constr type="lMarg"/>
+              <dgm:constr type="rMarg"/>
+              <dgm:constr type="tMarg"/>
+              <dgm:constr type="bMarg"/>
+            </dgm:constrLst>
+            <dgm:ruleLst>
+              <dgm:rule type="primFontSz" val="5" fact="NaN" max="NaN"/>
+            </dgm:ruleLst>
+          </dgm:layoutNode>
+        </dgm:layoutNode>
+      </dgm:forEach>
+    </dgm:forEach>
+  </dgm:layoutNode>
+</dgm:layoutDef>
+</file>
+
+<file path=ppt/diagrams/quickStyle1.xml><?xml version="1.0" encoding="utf-8"?>
+<dgm:styleDef xmlns:dgm="http://schemas.openxmlformats.org/drawingml/2006/diagram" xmlns:a="http://schemas.openxmlformats.org/drawingml/2006/main" uniqueId="urn:microsoft.com/office/officeart/2005/8/quickstyle/simple1">
+  <dgm:title val=""/>
+  <dgm:desc val=""/>
+  <dgm:catLst>
+    <dgm:cat type="simple" pri="10100"/>
+  </dgm:catLst>
+  <dgm:scene3d>
+    <a:camera prst="orthographicFront"/>
+    <a:lightRig rig="threePt" dir="t"/>
+  </dgm:scene3d>
+  <dgm:styleLbl name="node0">
+    <dgm:scene3d>
+      <a:camera prst="orthographicFront"/>
+      <a:lightRig rig="threePt" dir="t"/>
+    </dgm:scene3d>
+    <dgm:sp3d/>
+    <dgm:txPr/>
+    <dgm:style>
+      <a:lnRef idx="2">
+        <a:scrgbClr r="0" g="0" b="0"/>
+      </a:lnRef>
+      <a:fillRef idx="1">
+        <a:scrgbClr r="0" g="0" b="0"/>
+      </a:fillRef>
+      <a:effectRef idx="0">
+        <a:scrgbClr r="0" g="0" b="0"/>
+      </a:effectRef>
+      <a:fontRef idx="minor">
+        <a:schemeClr val="lt1"/>
+      </a:fontRef>
+    </dgm:style>
+  </dgm:styleLbl>
+  <dgm:styleLbl name="lnNode1">
+    <dgm:scene3d>
+      <a:camera prst="orthographicFront"/>
+      <a:lightRig rig="threePt" dir="t"/>
+    </dgm:scene3d>
+    <dgm:sp3d/>
+    <dgm:txPr/>
+    <dgm:style>
+      <a:lnRef idx="2">
+        <a:scrgbClr r="0" g="0" b="0"/>
+      </a:lnRef>
+      <a:fillRef idx="1">
+        <a:scrgbClr r="0" g="0" b="0"/>
+      </a:fillRef>
+      <a:effectRef idx="0">
+        <a:scrgbClr r="0" g="0" b="0"/>
+      </a:effectRef>
+      <a:fontRef idx="minor">
+        <a:schemeClr val="lt1"/>
+      </a:fontRef>
+    </dgm:style>
+  </dgm:styleLbl>
+  <dgm:styleLbl name="vennNode1">
+    <dgm:scene3d>
+      <a:camera prst="orthographicFront"/>
+      <a:lightRig rig="threePt" dir="t"/>
+    </dgm:scene3d>
+    <dgm:sp3d/>
+    <dgm:txPr/>
+    <dgm:style>
+      <a:lnRef idx="2">
+        <a:scrgbClr r="0" g="0" b="0"/>
+      </a:lnRef>
+      <a:fillRef idx="1">
+        <a:scrgbClr r="0" g="0" b="0"/>
+      </a:fillRef>
+      <a:effectRef idx="0">
+        <a:scrgbClr r="0" g="0" b="0"/>
+      </a:effectRef>
+      <a:fontRef idx="minor">
+        <a:schemeClr val="tx1"/>
+      </a:fontRef>
+    </dgm:style>
+  </dgm:styleLbl>
+  <dgm:styleLbl name="alignNode1">
+    <dgm:scene3d>
+      <a:camera prst="orthographicFront"/>
+      <a:lightRig rig="threePt" dir="t"/>
+    </dgm:scene3d>
+    <dgm:sp3d/>
+    <dgm:txPr/>
+    <dgm:style>
+      <a:lnRef idx="2">
+        <a:scrgbClr r="0" g="0" b="0"/>
+      </a:lnRef>
+      <a:fillRef idx="1">
+        <a:scrgbClr r="0" g="0" b="0"/>
+      </a:fillRef>
+      <a:effectRef idx="0">
+        <a:scrgbClr r="0" g="0" b="0"/>
+      </a:effectRef>
+      <a:fontRef idx="minor">
+        <a:schemeClr val="lt1"/>
+      </a:fontRef>
+    </dgm:style>
+  </dgm:styleLbl>
+  <dgm:styleLbl name="node1">
+    <dgm:scene3d>
+      <a:camera prst="orthographicFront"/>
+      <a:lightRig rig="threePt" dir="t"/>
+    </dgm:scene3d>
+    <dgm:sp3d/>
+    <dgm:txPr/>
+    <dgm:style>
+      <a:lnRef idx="2">
+        <a:scrgbClr r="0" g="0" b="0"/>
+      </a:lnRef>
+      <a:fillRef idx="1">
+        <a:scrgbClr r="0" g="0" b="0"/>
+      </a:fillRef>
+      <a:effectRef idx="0">
+        <a:scrgbClr r="0" g="0" b="0"/>
+      </a:effectRef>
+      <a:fontRef idx="minor">
+        <a:schemeClr val="lt1"/>
+      </a:fontRef>
+    </dgm:style>
+  </dgm:styleLbl>
+  <dgm:styleLbl name="node2">
+    <dgm:scene3d>
+      <a:camera prst="orthographicFront"/>
+      <a:lightRig rig="threePt" dir="t"/>
+    </dgm:scene3d>
+    <dgm:sp3d/>
+    <dgm:txPr/>
+    <dgm:style>
+      <a:lnRef idx="2">
+        <a:scrgbClr r="0" g="0" b="0"/>
+      </a:lnRef>
+      <a:fillRef idx="1">
+        <a:scrgbClr r="0" g="0" b="0"/>
+      </a:fillRef>
+      <a:effectRef idx="0">
+        <a:scrgbClr r="0" g="0" b="0"/>
+      </a:effectRef>
+      <a:fontRef idx="minor">
+        <a:schemeClr val="lt1"/>
+      </a:fontRef>
+    </dgm:style>
+  </dgm:styleLbl>
+  <dgm:styleLbl name="node3">
+    <dgm:scene3d>
+      <a:camera prst="orthographicFront"/>
+      <a:lightRig rig="threePt" dir="t"/>
+    </dgm:scene3d>
+    <dgm:sp3d/>
+    <dgm:txPr/>
+    <dgm:style>
+      <a:lnRef idx="2">
+        <a:scrgbClr r="0" g="0" b="0"/>
+      </a:lnRef>
+      <a:fillRef idx="1">
+        <a:scrgbClr r="0" g="0" b="0"/>
+      </a:fillRef>
+      <a:effectRef idx="0">
+        <a:scrgbClr r="0" g="0" b="0"/>
+      </a:effectRef>
+      <a:fontRef idx="minor">
+        <a:schemeClr val="lt1"/>
+      </a:fontRef>
+    </dgm:style>
+  </dgm:styleLbl>
+  <dgm:styleLbl name="node4">
+    <dgm:scene3d>
+      <a:camera prst="orthographicFront"/>
+      <a:lightRig rig="threePt" dir="t"/>
+    </dgm:scene3d>
+    <dgm:sp3d/>
+    <dgm:txPr/>
+    <dgm:style>
+      <a:lnRef idx="2">
+        <a:scrgbClr r="0" g="0" b="0"/>
+      </a:lnRef>
+      <a:fillRef idx="1">
+        <a:scrgbClr r="0" g="0" b="0"/>
+      </a:fillRef>
+      <a:effectRef idx="0">
+        <a:scrgbClr r="0" g="0" b="0"/>
+      </a:effectRef>
+      <a:fontRef idx="minor">
+        <a:schemeClr val="lt1"/>
+      </a:fontRef>
+    </dgm:style>
+  </dgm:styleLbl>
+  <dgm:styleLbl name="fgImgPlace1">
+    <dgm:scene3d>
+      <a:camera prst="orthographicFront"/>
+      <a:lightRig rig="threePt" dir="t"/>
+    </dgm:scene3d>
+    <dgm:sp3d/>
+    <dgm:txPr/>
+    <dgm:style>
+      <a:lnRef idx="2">
+        <a:scrgbClr r="0" g="0" b="0"/>
+      </a:lnRef>
+      <a:fillRef idx="1">
+        <a:scrgbClr r="0" g="0" b="0"/>
+      </a:fillRef>
+      <a:effectRef idx="0">
+        <a:scrgbClr r="0" g="0" b="0"/>
+      </a:effectRef>
+      <a:fontRef idx="minor"/>
+    </dgm:style>
+  </dgm:styleLbl>
+  <dgm:styleLbl name="alignImgPlace1">
+    <dgm:scene3d>
+      <a:camera prst="orthographicFront"/>
+      <a:lightRig rig="threePt" dir="t"/>
+    </dgm:scene3d>
+    <dgm:sp3d/>
+    <dgm:txPr/>
+    <dgm:style>
+      <a:lnRef idx="2">
+        <a:scrgbClr r="0" g="0" b="0"/>
+      </a:lnRef>
+      <a:fillRef idx="1">
+        <a:scrgbClr r="0" g="0" b="0"/>
+      </a:fillRef>
+      <a:effectRef idx="0">
+        <a:scrgbClr r="0" g="0" b="0"/>
+      </a:effectRef>
+      <a:fontRef idx="minor"/>
+    </dgm:style>
+  </dgm:styleLbl>
+  <dgm:styleLbl name="bgImgPlace1">
+    <dgm:scene3d>
+      <a:camera prst="orthographicFront"/>
+      <a:lightRig rig="threePt" dir="t"/>
+    </dgm:scene3d>
+    <dgm:sp3d/>
+    <dgm:txPr/>
+    <dgm:style>
+      <a:lnRef idx="2">
+        <a:scrgbClr r="0" g="0" b="0"/>
+      </a:lnRef>
+      <a:fillRef idx="1">
+        <a:scrgbClr r="0" g="0" b="0"/>
+      </a:fillRef>
+      <a:effectRef idx="0">
+        <a:scrgbClr r="0" g="0" b="0"/>
+      </a:effectRef>
+      <a:fontRef idx="minor"/>
+    </dgm:style>
+  </dgm:styleLbl>
+  <dgm:styleLbl name="sibTrans2D1">
+    <dgm:scene3d>
+      <a:camera prst="orthographicFront"/>
+      <a:lightRig rig="threePt" dir="t"/>
+    </dgm:scene3d>
+    <dgm:sp3d/>
+    <dgm:txPr/>
+    <dgm:style>
+      <a:lnRef idx="0">
+        <a:scrgbClr r="0" g="0" b="0"/>
+      </a:lnRef>
+      <a:fillRef idx="1">
+        <a:scrgbClr r="0" g="0" b="0"/>
+      </a:fillRef>
+      <a:effectRef idx="0">
+        <a:scrgbClr r="0" g="0" b="0"/>
+      </a:effectRef>
+      <a:fontRef idx="minor">
+        <a:schemeClr val="lt1"/>
+      </a:fontRef>
+    </dgm:style>
+  </dgm:styleLbl>
+  <dgm:styleLbl name="fgSibTrans2D1">
+    <dgm:scene3d>
+      <a:camera prst="orthographicFront"/>
+      <a:lightRig rig="threePt" dir="t"/>
+    </dgm:scene3d>
+    <dgm:sp3d/>
+    <dgm:txPr/>
+    <dgm:style>
+      <a:lnRef idx="0">
+        <a:scrgbClr r="0" g="0" b="0"/>
+      </a:lnRef>
+      <a:fillRef idx="1">
+        <a:scrgbClr r="0" g="0" b="0"/>
+      </a:fillRef>
+      <a:effectRef idx="0">
+        <a:scrgbClr r="0" g="0" b="0"/>
+      </a:effectRef>
+      <a:fontRef idx="minor">
+        <a:schemeClr val="lt1"/>
+      </a:fontRef>
+    </dgm:style>
+  </dgm:styleLbl>
+  <dgm:styleLbl name="bgSibTrans2D1">
+    <dgm:scene3d>
+      <a:camera prst="orthographicFront"/>
+      <a:lightRig rig="threePt" dir="t"/>
+    </dgm:scene3d>
+    <dgm:sp3d/>
+    <dgm:txPr/>
+    <dgm:style>
+      <a:lnRef idx="0">
+        <a:scrgbClr r="0" g="0" b="0"/>
+      </a:lnRef>
+      <a:fillRef idx="1">
+        <a:scrgbClr r="0" g="0" b="0"/>
+      </a:fillRef>
+      <a:effectRef idx="0">
+        <a:scrgbClr r="0" g="0" b="0"/>
+      </a:effectRef>
+      <a:fontRef idx="minor">
+        <a:schemeClr val="lt1"/>
+      </a:fontRef>
+    </dgm:style>
+  </dgm:styleLbl>
+  <dgm:styleLbl name="sibTrans1D1">
+    <dgm:scene3d>
+      <a:camera prst="orthographicFront"/>
+      <a:lightRig rig="threePt" dir="t"/>
+    </dgm:scene3d>
+    <dgm:sp3d/>
+    <dgm:txPr/>
+    <dgm:style>
+      <a:lnRef idx="1">
+        <a:scrgbClr r="0" g="0" b="0"/>
+      </a:lnRef>
+      <a:fillRef idx="0">
+        <a:scrgbClr r="0" g="0" b="0"/>
+      </a:fillRef>
+      <a:effectRef idx="0">
+        <a:scrgbClr r="0" g="0" b="0"/>
+      </a:effectRef>
+      <a:fontRef idx="minor"/>
+    </dgm:style>
+  </dgm:styleLbl>
+  <dgm:styleLbl name="callout">
+    <dgm:scene3d>
+      <a:camera prst="orthographicFront"/>
+      <a:lightRig rig="threePt" dir="t"/>
+    </dgm:scene3d>
+    <dgm:sp3d/>
+    <dgm:txPr/>
+    <dgm:style>
+      <a:lnRef idx="2">
+        <a:scrgbClr r="0" g="0" b="0"/>
+      </a:lnRef>
+      <a:fillRef idx="1">
+        <a:scrgbClr r="0" g="0" b="0"/>
+      </a:fillRef>
+      <a:effectRef idx="0">
+        <a:scrgbClr r="0" g="0" b="0"/>
+      </a:effectRef>
+      <a:fontRef idx="minor"/>
+    </dgm:style>
+  </dgm:styleLbl>
+  <dgm:styleLbl name="asst0">
+    <dgm:scene3d>
+      <a:camera prst="orthographicFront"/>
+      <a:lightRig rig="threePt" dir="t"/>
+    </dgm:scene3d>
+    <dgm:sp3d/>
+    <dgm:txPr/>
+    <dgm:style>
+      <a:lnRef idx="2">
+        <a:scrgbClr r="0" g="0" b="0"/>
+      </a:lnRef>
+      <a:fillRef idx="1">
+        <a:scrgbClr r="0" g="0" b="0"/>
+      </a:fillRef>
+      <a:effectRef idx="0">
+        <a:scrgbClr r="0" g="0" b="0"/>
+      </a:effectRef>
+      <a:fontRef idx="minor">
+        <a:schemeClr val="lt1"/>
+      </a:fontRef>
+    </dgm:style>
+  </dgm:styleLbl>
+  <dgm:styleLbl name="asst1">
+    <dgm:scene3d>
+      <a:camera prst="orthographicFront"/>
+      <a:lightRig rig="threePt" dir="t"/>
+    </dgm:scene3d>
+    <dgm:sp3d/>
+    <dgm:txPr/>
+    <dgm:style>
+      <a:lnRef idx="2">
+        <a:scrgbClr r="0" g="0" b="0"/>
+      </a:lnRef>
+      <a:fillRef idx="1">
+        <a:scrgbClr r="0" g="0" b="0"/>
+      </a:fillRef>
+      <a:effectRef idx="0">
+        <a:scrgbClr r="0" g="0" b="0"/>
+      </a:effectRef>
+      <a:fontRef idx="minor">
+        <a:schemeClr val="lt1"/>
+      </a:fontRef>
+    </dgm:style>
+  </dgm:styleLbl>
+  <dgm:styleLbl name="asst2">
+    <dgm:scene3d>
+      <a:camera prst="orthographicFront"/>
+      <a:lightRig rig="threePt" dir="t"/>
+    </dgm:scene3d>
+    <dgm:sp3d/>
+    <dgm:txPr/>
+    <dgm:style>
+      <a:lnRef idx="2">
+        <a:scrgbClr r="0" g="0" b="0"/>
+      </a:lnRef>
+      <a:fillRef idx="1">
+        <a:scrgbClr r="0" g="0" b="0"/>
+      </a:fillRef>
+      <a:effectRef idx="0">
+        <a:scrgbClr r="0" g="0" b="0"/>
+      </a:effectRef>
+      <a:fontRef idx="minor">
+        <a:schemeClr val="lt1"/>
+      </a:fontRef>
+    </dgm:style>
+  </dgm:styleLbl>
+  <dgm:styleLbl name="asst3">
+    <dgm:scene3d>
+      <a:camera prst="orthographicFront"/>
+      <a:lightRig rig="threePt" dir="t"/>
+    </dgm:scene3d>
+    <dgm:sp3d/>
+    <dgm:txPr/>
+    <dgm:style>
+      <a:lnRef idx="2">
+        <a:scrgbClr r="0" g="0" b="0"/>
+      </a:lnRef>
+      <a:fillRef idx="1">
+        <a:scrgbClr r="0" g="0" b="0"/>
+      </a:fillRef>
+      <a:effectRef idx="0">
+        <a:scrgbClr r="0" g="0" b="0"/>
+      </a:effectRef>
+      <a:fontRef idx="minor">
+        <a:schemeClr val="lt1"/>
+      </a:fontRef>
+    </dgm:style>
+  </dgm:styleLbl>
+  <dgm:styleLbl name="asst4">
+    <dgm:scene3d>
+      <a:camera prst="orthographicFront"/>
+      <a:lightRig rig="threePt" dir="t"/>
+    </dgm:scene3d>
+    <dgm:sp3d/>
+    <dgm:txPr/>
+    <dgm:style>
+      <a:lnRef idx="2">
+        <a:scrgbClr r="0" g="0" b="0"/>
+      </a:lnRef>
+      <a:fillRef idx="1">
+        <a:scrgbClr r="0" g="0" b="0"/>
+      </a:fillRef>
+      <a:effectRef idx="0">
+        <a:scrgbClr r="0" g="0" b="0"/>
+      </a:effectRef>
+      <a:fontRef idx="minor">
+        <a:schemeClr val="lt1"/>
+      </a:fontRef>
+    </dgm:style>
+  </dgm:styleLbl>
+  <dgm:styleLbl name="parChTrans2D1">
+    <dgm:scene3d>
+      <a:camera prst="orthographicFront"/>
+      <a:lightRig rig="threePt" dir="t"/>
+    </dgm:scene3d>
+    <dgm:sp3d/>
+    <dgm:txPr/>
+    <dgm:style>
+      <a:lnRef idx="2">
+        <a:scrgbClr r="0" g="0" b="0"/>
+      </a:lnRef>
+      <a:fillRef idx="1">
+        <a:scrgbClr r="0" g="0" b="0"/>
+      </a:fillRef>
+      <a:effectRef idx="0">
+        <a:scrgbClr r="0" g="0" b="0"/>
+      </a:effectRef>
+      <a:fontRef idx="minor">
+        <a:schemeClr val="lt1"/>
+      </a:fontRef>
+    </dgm:style>
+  </dgm:styleLbl>
+  <dgm:styleLbl name="parChTrans2D2">
+    <dgm:scene3d>
+      <a:camera prst="orthographicFront"/>
+      <a:lightRig rig="threePt" dir="t"/>
+    </dgm:scene3d>
+    <dgm:sp3d/>
+    <dgm:txPr/>
+    <dgm:style>
+      <a:lnRef idx="2">
+        <a:scrgbClr r="0" g="0" b="0"/>
+      </a:lnRef>
+      <a:fillRef idx="1">
+        <a:scrgbClr r="0" g="0" b="0"/>
+      </a:fillRef>
+      <a:effectRef idx="0">
+        <a:scrgbClr r="0" g="0" b="0"/>
+      </a:effectRef>
+      <a:fontRef idx="minor">
+        <a:schemeClr val="lt1"/>
+      </a:fontRef>
+    </dgm:style>
+  </dgm:styleLbl>
+  <dgm:styleLbl name="parChTrans2D3">
+    <dgm:scene3d>
+      <a:camera prst="orthographicFront"/>
+      <a:lightRig rig="threePt" dir="t"/>
+    </dgm:scene3d>
+    <dgm:sp3d/>
+    <dgm:txPr/>
+    <dgm:style>
+      <a:lnRef idx="2">
+        <a:scrgbClr r="0" g="0" b="0"/>
+      </a:lnRef>
+      <a:fillRef idx="1">
+        <a:scrgbClr r="0" g="0" b="0"/>
+      </a:fillRef>
+      <a:effectRef idx="0">
+        <a:scrgbClr r="0" g="0" b="0"/>
+      </a:effectRef>
+      <a:fontRef idx="minor">
+        <a:schemeClr val="lt1"/>
+      </a:fontRef>
+    </dgm:style>
+  </dgm:styleLbl>
+  <dgm:styleLbl name="parChTrans2D4">
+    <dgm:scene3d>
+      <a:camera prst="orthographicFront"/>
+      <a:lightRig rig="threePt" dir="t"/>
+    </dgm:scene3d>
+    <dgm:sp3d/>
+    <dgm:txPr/>
+    <dgm:style>
+      <a:lnRef idx="2">
+        <a:scrgbClr r="0" g="0" b="0"/>
+      </a:lnRef>
+      <a:fillRef idx="1">
+        <a:scrgbClr r="0" g="0" b="0"/>
+      </a:fillRef>
+      <a:effectRef idx="0">
+        <a:scrgbClr r="0" g="0" b="0"/>
+      </a:effectRef>
+      <a:fontRef idx="minor">
+        <a:schemeClr val="lt1"/>
+      </a:fontRef>
+    </dgm:style>
+  </dgm:styleLbl>
+  <dgm:styleLbl name="parChTrans1D1">
+    <dgm:scene3d>
+      <a:camera prst="orthographicFront"/>
+      <a:lightRig rig="threePt" dir="t"/>
+    </dgm:scene3d>
+    <dgm:sp3d/>
+    <dgm:txPr/>
+    <dgm:style>
+      <a:lnRef idx="2">
+        <a:scrgbClr r="0" g="0" b="0"/>
+      </a:lnRef>
+      <a:fillRef idx="0">
+        <a:scrgbClr r="0" g="0" b="0"/>
+      </a:fillRef>
+      <a:effectRef idx="0">
+        <a:scrgbClr r="0" g="0" b="0"/>
+      </a:effectRef>
+      <a:fontRef idx="minor"/>
+    </dgm:style>
+  </dgm:styleLbl>
+  <dgm:styleLbl name="parChTrans1D2">
+    <dgm:scene3d>
+      <a:camera prst="orthographicFront"/>
+      <a:lightRig rig="threePt" dir="t"/>
+    </dgm:scene3d>
+    <dgm:sp3d/>
+    <dgm:txPr/>
+    <dgm:style>
+      <a:lnRef idx="2">
+        <a:scrgbClr r="0" g="0" b="0"/>
+      </a:lnRef>
+      <a:fillRef idx="0">
+        <a:scrgbClr r="0" g="0" b="0"/>
+      </a:fillRef>
+      <a:effectRef idx="0">
+        <a:scrgbClr r="0" g="0" b="0"/>
+      </a:effectRef>
+      <a:fontRef idx="minor"/>
+    </dgm:style>
+  </dgm:styleLbl>
+  <dgm:styleLbl name="parChTrans1D3">
+    <dgm:scene3d>
+      <a:camera prst="orthographicFront"/>
+      <a:lightRig rig="threePt" dir="t"/>
+    </dgm:scene3d>
+    <dgm:sp3d/>
+    <dgm:txPr/>
+    <dgm:style>
+      <a:lnRef idx="2">
+        <a:scrgbClr r="0" g="0" b="0"/>
+      </a:lnRef>
+      <a:fillRef idx="0">
+        <a:scrgbClr r="0" g="0" b="0"/>
+      </a:fillRef>
+      <a:effectRef idx="0">
+        <a:scrgbClr r="0" g="0" b="0"/>
+      </a:effectRef>
+      <a:fontRef idx="minor"/>
+    </dgm:style>
+  </dgm:styleLbl>
+  <dgm:styleLbl name="parChTrans1D4">
+    <dgm:scene3d>
+      <a:camera prst="orthographicFront"/>
+      <a:lightRig rig="threePt" dir="t"/>
+    </dgm:scene3d>
+    <dgm:sp3d/>
+    <dgm:txPr/>
+    <dgm:style>
+      <a:lnRef idx="2">
+        <a:scrgbClr r="0" g="0" b="0"/>
+      </a:lnRef>
+      <a:fillRef idx="0">
+        <a:scrgbClr r="0" g="0" b="0"/>
+      </a:fillRef>
+      <a:effectRef idx="0">
+        <a:scrgbClr r="0" g="0" b="0"/>
+      </a:effectRef>
+      <a:fontRef idx="minor"/>
+    </dgm:style>
+  </dgm:styleLbl>
+  <dgm:styleLbl name="fgAcc1">
+    <dgm:scene3d>
+      <a:camera prst="orthographicFront"/>
+      <a:lightRig rig="threePt" dir="t"/>
+    </dgm:scene3d>
+    <dgm:sp3d/>
+    <dgm:txPr/>
+    <dgm:style>
+      <a:lnRef idx="2">
+        <a:scrgbClr r="0" g="0" b="0"/>
+      </a:lnRef>
+      <a:fillRef idx="1">
+        <a:scrgbClr r="0" g="0" b="0"/>
+      </a:fillRef>
+      <a:effectRef idx="0">
+        <a:scrgbClr r="0" g="0" b="0"/>
+      </a:effectRef>
+      <a:fontRef idx="minor"/>
+    </dgm:style>
+  </dgm:styleLbl>
+  <dgm:styleLbl name="conFgAcc1">
+    <dgm:scene3d>
+      <a:camera prst="orthographicFront"/>
+      <a:lightRig rig="threePt" dir="t"/>
+    </dgm:scene3d>
+    <dgm:sp3d/>
+    <dgm:txPr/>
+    <dgm:style>
+      <a:lnRef idx="2">
+        <a:scrgbClr r="0" g="0" b="0"/>
+      </a:lnRef>
+      <a:fillRef idx="1">
+        <a:scrgbClr r="0" g="0" b="0"/>
+      </a:fillRef>
+      <a:effectRef idx="0">
+        <a:scrgbClr r="0" g="0" b="0"/>
+      </a:effectRef>
+      <a:fontRef idx="minor"/>
+    </dgm:style>
+  </dgm:styleLbl>
+  <dgm:styleLbl name="alignAcc1">
+    <dgm:scene3d>
+      <a:camera prst="orthographicFront"/>
+      <a:lightRig rig="threePt" dir="t"/>
+    </dgm:scene3d>
+    <dgm:sp3d/>
+    <dgm:txPr/>
+    <dgm:style>
+      <a:lnRef idx="2">
+        <a:scrgbClr r="0" g="0" b="0"/>
+      </a:lnRef>
+      <a:fillRef idx="1">
+        <a:scrgbClr r="0" g="0" b="0"/>
+      </a:fillRef>
+      <a:effectRef idx="0">
+        <a:scrgbClr r="0" g="0" b="0"/>
+      </a:effectRef>
+      <a:fontRef idx="minor"/>
+    </dgm:style>
+  </dgm:styleLbl>
+  <dgm:styleLbl name="trAlignAcc1">
+    <dgm:scene3d>
+      <a:camera prst="orthographicFront"/>
+      <a:lightRig rig="threePt" dir="t"/>
+    </dgm:scene3d>
+    <dgm:sp3d/>
+    <dgm:txPr/>
+    <dgm:style>
+      <a:lnRef idx="1">
+        <a:scrgbClr r="0" g="0" b="0"/>
+      </a:lnRef>
+      <a:fillRef idx="1">
+        <a:scrgbClr r="0" g="0" b="0"/>
+      </a:fillRef>
+      <a:effectRef idx="0">
+        <a:scrgbClr r="0" g="0" b="0"/>
+      </a:effectRef>
+      <a:fontRef idx="minor"/>
+    </dgm:style>
+  </dgm:styleLbl>
+  <dgm:styleLbl name="bgAcc1">
+    <dgm:scene3d>
+      <a:camera prst="orthographicFront"/>
+      <a:lightRig rig="threePt" dir="t"/>
+    </dgm:scene3d>
+    <dgm:sp3d/>
+    <dgm:txPr/>
+    <dgm:style>
+      <a:lnRef idx="2">
+        <a:scrgbClr r="0" g="0" b="0"/>
+      </a:lnRef>
+      <a:fillRef idx="1">
+        <a:scrgbClr r="0" g="0" b="0"/>
+      </a:fillRef>
+      <a:effectRef idx="0">
+        <a:scrgbClr r="0" g="0" b="0"/>
+      </a:effectRef>
+      <a:fontRef idx="minor"/>
+    </dgm:style>
+  </dgm:styleLbl>
+  <dgm:styleLbl name="solidFgAcc1">
+    <dgm:scene3d>
+      <a:camera prst="orthographicFront"/>
+      <a:lightRig rig="threePt" dir="t"/>
+    </dgm:scene3d>
+    <dgm:sp3d/>
+    <dgm:txPr/>
+    <dgm:style>
+      <a:lnRef idx="2">
+        <a:scrgbClr r="0" g="0" b="0"/>
+      </a:lnRef>
+      <a:fillRef idx="1">
+        <a:scrgbClr r="0" g="0" b="0"/>
+      </a:fillRef>
+      <a:effectRef idx="0">
+        <a:scrgbClr r="0" g="0" b="0"/>
+      </a:effectRef>
+      <a:fontRef idx="minor"/>
+    </dgm:style>
+  </dgm:styleLbl>
+  <dgm:styleLbl name="solidAlignAcc1">
+    <dgm:scene3d>
+      <a:camera prst="orthographicFront"/>
+      <a:lightRig rig="threePt" dir="t"/>
+    </dgm:scene3d>
+    <dgm:sp3d/>
+    <dgm:txPr/>
+    <dgm:style>
+      <a:lnRef idx="2">
+        <a:scrgbClr r="0" g="0" b="0"/>
+      </a:lnRef>
+      <a:fillRef idx="1">
+        <a:scrgbClr r="0" g="0" b="0"/>
+      </a:fillRef>
+      <a:effectRef idx="0">
+        <a:scrgbClr r="0" g="0" b="0"/>
+      </a:effectRef>
+      <a:fontRef idx="minor"/>
+    </dgm:style>
+  </dgm:styleLbl>
+  <dgm:styleLbl name="solidBgAcc1">
+    <dgm:scene3d>
+      <a:camera prst="orthographicFront"/>
+      <a:lightRig rig="threePt" dir="t"/>
+    </dgm:scene3d>
+    <dgm:sp3d/>
+    <dgm:txPr/>
+    <dgm:style>
+      <a:lnRef idx="2">
+        <a:scrgbClr r="0" g="0" b="0"/>
+      </a:lnRef>
+      <a:fillRef idx="1">
+        <a:scrgbClr r="0" g="0" b="0"/>
+      </a:fillRef>
+      <a:effectRef idx="0">
+        <a:scrgbClr r="0" g="0" b="0"/>
+      </a:effectRef>
+      <a:fontRef idx="minor"/>
+    </dgm:style>
+  </dgm:styleLbl>
+  <dgm:styleLbl name="fgAccFollowNode1">
+    <dgm:scene3d>
+      <a:camera prst="orthographicFront"/>
+      <a:lightRig rig="threePt" dir="t"/>
+    </dgm:scene3d>
+    <dgm:sp3d/>
+    <dgm:txPr/>
+    <dgm:style>
+      <a:lnRef idx="2">
+        <a:scrgbClr r="0" g="0" b="0"/>
+      </a:lnRef>
+      <a:fillRef idx="1">
+        <a:scrgbClr r="0" g="0" b="0"/>
+      </a:fillRef>
+      <a:effectRef idx="0">
+        <a:scrgbClr r="0" g="0" b="0"/>
+      </a:effectRef>
+      <a:fontRef idx="minor"/>
+    </dgm:style>
+  </dgm:styleLbl>
+  <dgm:styleLbl name="alignAccFollowNode1">
+    <dgm:scene3d>
+      <a:camera prst="orthographicFront"/>
+      <a:lightRig rig="threePt" dir="t"/>
+    </dgm:scene3d>
+    <dgm:sp3d/>
+    <dgm:txPr/>
+    <dgm:style>
+      <a:lnRef idx="2">
+        <a:scrgbClr r="0" g="0" b="0"/>
+      </a:lnRef>
+      <a:fillRef idx="1">
+        <a:scrgbClr r="0" g="0" b="0"/>
+      </a:fillRef>
+      <a:effectRef idx="0">
+        <a:scrgbClr r="0" g="0" b="0"/>
+      </a:effectRef>
+      <a:fontRef idx="minor"/>
+    </dgm:style>
+  </dgm:styleLbl>
+  <dgm:styleLbl name="bgAccFollowNode1">
+    <dgm:scene3d>
+      <a:camera prst="orthographicFront"/>
+      <a:lightRig rig="threePt" dir="t"/>
+    </dgm:scene3d>
+    <dgm:sp3d/>
+    <dgm:txPr/>
+    <dgm:style>
+      <a:lnRef idx="2">
+        <a:scrgbClr r="0" g="0" b="0"/>
+      </a:lnRef>
+      <a:fillRef idx="1">
+        <a:scrgbClr r="0" g="0" b="0"/>
+      </a:fillRef>
+      <a:effectRef idx="0">
+        <a:scrgbClr r="0" g="0" b="0"/>
+      </a:effectRef>
+      <a:fontRef idx="minor"/>
+    </dgm:style>
+  </dgm:styleLbl>
+  <dgm:styleLbl name="fgAcc0">
+    <dgm:scene3d>
+      <a:camera prst="orthographicFront"/>
+      <a:lightRig rig="threePt" dir="t"/>
+    </dgm:scene3d>
+    <dgm:sp3d/>
+    <dgm:txPr/>
+    <dgm:style>
+      <a:lnRef idx="2">
+        <a:scrgbClr r="0" g="0" b="0"/>
+      </a:lnRef>
+      <a:fillRef idx="1">
+        <a:scrgbClr r="0" g="0" b="0"/>
+      </a:fillRef>
+      <a:effectRef idx="0">
+        <a:scrgbClr r="0" g="0" b="0"/>
+      </a:effectRef>
+      <a:fontRef idx="minor"/>
+    </dgm:style>
+  </dgm:styleLbl>
+  <dgm:styleLbl name="fgAcc2">
+    <dgm:scene3d>
+      <a:camera prst="orthographicFront"/>
+      <a:lightRig rig="threePt" dir="t"/>
+    </dgm:scene3d>
+    <dgm:sp3d/>
+    <dgm:txPr/>
+    <dgm:style>
+      <a:lnRef idx="2">
+        <a:scrgbClr r="0" g="0" b="0"/>
+      </a:lnRef>
+      <a:fillRef idx="1">
+        <a:scrgbClr r="0" g="0" b="0"/>
+      </a:fillRef>
+      <a:effectRef idx="0">
+        <a:scrgbClr r="0" g="0" b="0"/>
+      </a:effectRef>
+      <a:fontRef idx="minor"/>
+    </dgm:style>
+  </dgm:styleLbl>
+  <dgm:styleLbl name="fgAcc3">
+    <dgm:scene3d>
+      <a:camera prst="orthographicFront"/>
+      <a:lightRig rig="threePt" dir="t"/>
+    </dgm:scene3d>
+    <dgm:sp3d/>
+    <dgm:txPr/>
+    <dgm:style>
+      <a:lnRef idx="2">
+        <a:scrgbClr r="0" g="0" b="0"/>
+      </a:lnRef>
+      <a:fillRef idx="1">
+        <a:scrgbClr r="0" g="0" b="0"/>
+      </a:fillRef>
+      <a:effectRef idx="0">
+        <a:scrgbClr r="0" g="0" b="0"/>
+      </a:effectRef>
+      <a:fontRef idx="minor"/>
+    </dgm:style>
+  </dgm:styleLbl>
+  <dgm:styleLbl name="fgAcc4">
+    <dgm:scene3d>
+      <a:camera prst="orthographicFront"/>
+      <a:lightRig rig="threePt" dir="t"/>
+    </dgm:scene3d>
+    <dgm:sp3d/>
+    <dgm:txPr/>
+    <dgm:style>
+      <a:lnRef idx="2">
+        <a:scrgbClr r="0" g="0" b="0"/>
+      </a:lnRef>
+      <a:fillRef idx="1">
+        <a:scrgbClr r="0" g="0" b="0"/>
+      </a:fillRef>
+      <a:effectRef idx="0">
+        <a:scrgbClr r="0" g="0" b="0"/>
+      </a:effectRef>
+      <a:fontRef idx="minor"/>
+    </dgm:style>
+  </dgm:styleLbl>
+  <dgm:styleLbl name="bgShp">
+    <dgm:scene3d>
+      <a:camera prst="orthographicFront"/>
+      <a:lightRig rig="threePt" dir="t"/>
+    </dgm:scene3d>
+    <dgm:sp3d/>
+    <dgm:txPr/>
+    <dgm:style>
+      <a:lnRef idx="0">
+        <a:scrgbClr r="0" g="0" b="0"/>
+      </a:lnRef>
+      <a:fillRef idx="1">
+        <a:scrgbClr r="0" g="0" b="0"/>
+      </a:fillRef>
+      <a:effectRef idx="0">
+        <a:scrgbClr r="0" g="0" b="0"/>
+      </a:effectRef>
+      <a:fontRef idx="minor"/>
+    </dgm:style>
+  </dgm:styleLbl>
+  <dgm:styleLbl name="dkBgShp">
+    <dgm:scene3d>
+      <a:camera prst="orthographicFront"/>
+      <a:lightRig rig="threePt" dir="t"/>
+    </dgm:scene3d>
+    <dgm:sp3d/>
+    <dgm:txPr/>
+    <dgm:style>
+      <a:lnRef idx="0">
+        <a:scrgbClr r="0" g="0" b="0"/>
+      </a:lnRef>
+      <a:fillRef idx="1">
+        <a:scrgbClr r="0" g="0" b="0"/>
+      </a:fillRef>
+      <a:effectRef idx="0">
+        <a:scrgbClr r="0" g="0" b="0"/>
+      </a:effectRef>
+      <a:fontRef idx="minor"/>
+    </dgm:style>
+  </dgm:styleLbl>
+  <dgm:styleLbl name="trBgShp">
+    <dgm:scene3d>
+      <a:camera prst="orthographicFront"/>
+      <a:lightRig rig="threePt" dir="t"/>
+    </dgm:scene3d>
+    <dgm:sp3d/>
+    <dgm:txPr/>
+    <dgm:style>
+      <a:lnRef idx="0">
+        <a:scrgbClr r="0" g="0" b="0"/>
+      </a:lnRef>
+      <a:fillRef idx="1">
+        <a:scrgbClr r="0" g="0" b="0"/>
+      </a:fillRef>
+      <a:effectRef idx="0">
+        <a:scrgbClr r="0" g="0" b="0"/>
+      </a:effectRef>
+      <a:fontRef idx="minor"/>
+    </dgm:style>
+  </dgm:styleLbl>
+  <dgm:styleLbl name="fgShp">
+    <dgm:scene3d>
+      <a:camera prst="orthographicFront"/>
+      <a:lightRig rig="threePt" dir="t"/>
+    </dgm:scene3d>
+    <dgm:sp3d/>
+    <dgm:txPr/>
+    <dgm:style>
+      <a:lnRef idx="2">
+        <a:scrgbClr r="0" g="0" b="0"/>
+      </a:lnRef>
+      <a:fillRef idx="1">
+        <a:scrgbClr r="0" g="0" b="0"/>
+      </a:fillRef>
+      <a:effectRef idx="0">
+        <a:scrgbClr r="0" g="0" b="0"/>
+      </a:effectRef>
+      <a:fontRef idx="minor"/>
+    </dgm:style>
+  </dgm:styleLbl>
+  <dgm:styleLbl name="revTx">
+    <dgm:scene3d>
+      <a:camera prst="orthographicFront"/>
+      <a:lightRig rig="threePt" dir="t"/>
+    </dgm:scene3d>
+    <dgm:sp3d/>
+    <dgm:txPr/>
+    <dgm:style>
+      <a:lnRef idx="0">
+        <a:scrgbClr r="0" g="0" b="0"/>
+      </a:lnRef>
+      <a:fillRef idx="0">
+        <a:scrgbClr r="0" g="0" b="0"/>
+      </a:fillRef>
+      <a:effectRef idx="0">
+        <a:scrgbClr r="0" g="0" b="0"/>
+      </a:effectRef>
+      <a:fontRef idx="minor"/>
+    </dgm:style>
+  </dgm:styleLbl>
+</dgm:styleDef>
+</file>
+
 <file path=ppt/handoutMasters/handoutMaster1.xml><?xml version="1.0" encoding="utf-8"?>
 <p:handoutMaster xmlns:a="http://schemas.openxmlformats.org/drawingml/2006/main" xmlns:r="http://schemas.openxmlformats.org/officeDocument/2006/relationships" xmlns:p="http://schemas.openxmlformats.org/presentationml/2006/main">
   <p:cSld>
@@ -224,7 +3396,7 @@
           <a:p>
             <a:fld id="{ED6EBBDA-3F67-4B33-BC84-E737A685820F}" type="datetimeFigureOut">
               <a:rPr lang="en-US" smtClean="0"/>
-              <a:t>5/21/2021</a:t>
+              <a:t>5/27/2021</a:t>
             </a:fld>
             <a:endParaRPr lang="en-US"/>
           </a:p>
@@ -390,7 +3562,7 @@
           <a:p>
             <a:fld id="{66EE2838-3D29-4231-B1E6-EBF223D88E01}" type="datetimeFigureOut">
               <a:rPr lang="en-US" smtClean="0"/>
-              <a:t>5/21/2021</a:t>
+              <a:t>5/27/2021</a:t>
             </a:fld>
             <a:endParaRPr lang="en-US"/>
           </a:p>
@@ -709,7 +3881,7 @@
           <a:noFill/>
           <a:extLst>
             <a:ext uri="{909E8E84-426E-40dd-AFC4-6F175D3DCCD1}">
-              <a14:hiddenFill xmlns:a14="http://schemas.microsoft.com/office/drawing/2010/main" xmlns="">
+              <a14:hiddenFill xmlns="" xmlns:a14="http://schemas.microsoft.com/office/drawing/2010/main">
                 <a:solidFill>
                   <a:srgbClr val="FFFFFF"/>
                 </a:solidFill>
@@ -769,7 +3941,7 @@
             </a:ln>
             <a:extLst>
               <a:ext uri="{91240B29-F687-4f45-9708-019B960494DF}">
-                <a14:hiddenLine xmlns:a14="http://schemas.microsoft.com/office/drawing/2010/main" xmlns="" w="9525">
+                <a14:hiddenLine xmlns="" xmlns:a14="http://schemas.microsoft.com/office/drawing/2010/main" w="9525">
                   <a:solidFill>
                     <a:srgbClr val="000000"/>
                   </a:solidFill>
@@ -859,7 +4031,7 @@
             </a:ln>
             <a:extLst>
               <a:ext uri="{91240B29-F687-4f45-9708-019B960494DF}">
-                <a14:hiddenLine xmlns:a14="http://schemas.microsoft.com/office/drawing/2010/main" xmlns="" w="9525">
+                <a14:hiddenLine xmlns="" xmlns:a14="http://schemas.microsoft.com/office/drawing/2010/main" w="9525">
                   <a:solidFill>
                     <a:srgbClr val="000000"/>
                   </a:solidFill>
@@ -949,7 +4121,7 @@
             </a:ln>
             <a:extLst>
               <a:ext uri="{91240B29-F687-4f45-9708-019B960494DF}">
-                <a14:hiddenLine xmlns:a14="http://schemas.microsoft.com/office/drawing/2010/main" xmlns="" w="9525">
+                <a14:hiddenLine xmlns="" xmlns:a14="http://schemas.microsoft.com/office/drawing/2010/main" w="9525">
                   <a:solidFill>
                     <a:srgbClr val="000000"/>
                   </a:solidFill>
@@ -983,7 +4155,7 @@
             </a:ln>
             <a:extLst>
               <a:ext uri="{91240B29-F687-4f45-9708-019B960494DF}">
-                <a14:hiddenLine xmlns:a14="http://schemas.microsoft.com/office/drawing/2010/main" xmlns="" w="9525">
+                <a14:hiddenLine xmlns="" xmlns:a14="http://schemas.microsoft.com/office/drawing/2010/main" w="9525">
                   <a:solidFill>
                     <a:srgbClr val="000000"/>
                   </a:solidFill>
@@ -1073,7 +4245,7 @@
             </a:ln>
             <a:extLst>
               <a:ext uri="{91240B29-F687-4f45-9708-019B960494DF}">
-                <a14:hiddenLine xmlns:a14="http://schemas.microsoft.com/office/drawing/2010/main" xmlns="" w="9525">
+                <a14:hiddenLine xmlns="" xmlns:a14="http://schemas.microsoft.com/office/drawing/2010/main" w="9525">
                   <a:solidFill>
                     <a:srgbClr val="000000"/>
                   </a:solidFill>
@@ -1135,7 +4307,7 @@
             </a:ln>
             <a:extLst>
               <a:ext uri="{91240B29-F687-4f45-9708-019B960494DF}">
-                <a14:hiddenLine xmlns:a14="http://schemas.microsoft.com/office/drawing/2010/main" xmlns="" w="9525">
+                <a14:hiddenLine xmlns="" xmlns:a14="http://schemas.microsoft.com/office/drawing/2010/main" w="9525">
                   <a:solidFill>
                     <a:srgbClr val="000000"/>
                   </a:solidFill>
@@ -1197,7 +4369,7 @@
             </a:ln>
             <a:extLst>
               <a:ext uri="{91240B29-F687-4f45-9708-019B960494DF}">
-                <a14:hiddenLine xmlns:a14="http://schemas.microsoft.com/office/drawing/2010/main" xmlns="" w="9525">
+                <a14:hiddenLine xmlns="" xmlns:a14="http://schemas.microsoft.com/office/drawing/2010/main" w="9525">
                   <a:solidFill>
                     <a:srgbClr val="000000"/>
                   </a:solidFill>
@@ -1287,7 +4459,7 @@
             </a:ln>
             <a:extLst>
               <a:ext uri="{91240B29-F687-4f45-9708-019B960494DF}">
-                <a14:hiddenLine xmlns:a14="http://schemas.microsoft.com/office/drawing/2010/main" xmlns="" w="9525">
+                <a14:hiddenLine xmlns="" xmlns:a14="http://schemas.microsoft.com/office/drawing/2010/main" w="9525">
                   <a:solidFill>
                     <a:srgbClr val="000000"/>
                   </a:solidFill>
@@ -1349,7 +4521,7 @@
             </a:ln>
             <a:extLst>
               <a:ext uri="{91240B29-F687-4f45-9708-019B960494DF}">
-                <a14:hiddenLine xmlns:a14="http://schemas.microsoft.com/office/drawing/2010/main" xmlns="" w="9525">
+                <a14:hiddenLine xmlns="" xmlns:a14="http://schemas.microsoft.com/office/drawing/2010/main" w="9525">
                   <a:solidFill>
                     <a:srgbClr val="000000"/>
                   </a:solidFill>
@@ -1411,7 +4583,7 @@
             </a:ln>
             <a:extLst>
               <a:ext uri="{91240B29-F687-4f45-9708-019B960494DF}">
-                <a14:hiddenLine xmlns:a14="http://schemas.microsoft.com/office/drawing/2010/main" xmlns="" w="9525">
+                <a14:hiddenLine xmlns="" xmlns:a14="http://schemas.microsoft.com/office/drawing/2010/main" w="9525">
                   <a:solidFill>
                     <a:srgbClr val="000000"/>
                   </a:solidFill>
@@ -1501,7 +4673,7 @@
             </a:ln>
             <a:extLst>
               <a:ext uri="{91240B29-F687-4f45-9708-019B960494DF}">
-                <a14:hiddenLine xmlns:a14="http://schemas.microsoft.com/office/drawing/2010/main" xmlns="" w="9525">
+                <a14:hiddenLine xmlns="" xmlns:a14="http://schemas.microsoft.com/office/drawing/2010/main" w="9525">
                   <a:solidFill>
                     <a:srgbClr val="000000"/>
                   </a:solidFill>
@@ -1591,7 +4763,7 @@
             </a:ln>
             <a:extLst>
               <a:ext uri="{91240B29-F687-4f45-9708-019B960494DF}">
-                <a14:hiddenLine xmlns:a14="http://schemas.microsoft.com/office/drawing/2010/main" xmlns="" w="9525">
+                <a14:hiddenLine xmlns="" xmlns:a14="http://schemas.microsoft.com/office/drawing/2010/main" w="9525">
                   <a:solidFill>
                     <a:srgbClr val="000000"/>
                   </a:solidFill>
@@ -1653,7 +4825,7 @@
             </a:ln>
             <a:extLst>
               <a:ext uri="{91240B29-F687-4f45-9708-019B960494DF}">
-                <a14:hiddenLine xmlns:a14="http://schemas.microsoft.com/office/drawing/2010/main" xmlns="" w="9525">
+                <a14:hiddenLine xmlns="" xmlns:a14="http://schemas.microsoft.com/office/drawing/2010/main" w="9525">
                   <a:solidFill>
                     <a:srgbClr val="000000"/>
                   </a:solidFill>
@@ -1763,7 +4935,7 @@
             </a:ln>
             <a:extLst>
               <a:ext uri="{91240B29-F687-4f45-9708-019B960494DF}">
-                <a14:hiddenLine xmlns:a14="http://schemas.microsoft.com/office/drawing/2010/main" xmlns="" w="9525">
+                <a14:hiddenLine xmlns="" xmlns:a14="http://schemas.microsoft.com/office/drawing/2010/main" w="9525">
                   <a:solidFill>
                     <a:srgbClr val="000000"/>
                   </a:solidFill>
@@ -1825,7 +4997,7 @@
             </a:ln>
             <a:extLst>
               <a:ext uri="{91240B29-F687-4f45-9708-019B960494DF}">
-                <a14:hiddenLine xmlns:a14="http://schemas.microsoft.com/office/drawing/2010/main" xmlns="" w="9525">
+                <a14:hiddenLine xmlns="" xmlns:a14="http://schemas.microsoft.com/office/drawing/2010/main" w="9525">
                   <a:solidFill>
                     <a:srgbClr val="000000"/>
                   </a:solidFill>
@@ -1915,7 +5087,7 @@
             </a:ln>
             <a:extLst>
               <a:ext uri="{91240B29-F687-4f45-9708-019B960494DF}">
-                <a14:hiddenLine xmlns:a14="http://schemas.microsoft.com/office/drawing/2010/main" xmlns="" w="9525">
+                <a14:hiddenLine xmlns="" xmlns:a14="http://schemas.microsoft.com/office/drawing/2010/main" w="9525">
                   <a:solidFill>
                     <a:srgbClr val="000000"/>
                   </a:solidFill>
@@ -2005,7 +5177,7 @@
             </a:ln>
             <a:extLst>
               <a:ext uri="{91240B29-F687-4f45-9708-019B960494DF}">
-                <a14:hiddenLine xmlns:a14="http://schemas.microsoft.com/office/drawing/2010/main" xmlns="" w="9525">
+                <a14:hiddenLine xmlns="" xmlns:a14="http://schemas.microsoft.com/office/drawing/2010/main" w="9525">
                   <a:solidFill>
                     <a:srgbClr val="000000"/>
                   </a:solidFill>
@@ -2067,7 +5239,7 @@
             </a:ln>
             <a:extLst>
               <a:ext uri="{91240B29-F687-4f45-9708-019B960494DF}">
-                <a14:hiddenLine xmlns:a14="http://schemas.microsoft.com/office/drawing/2010/main" xmlns="" w="9525">
+                <a14:hiddenLine xmlns="" xmlns:a14="http://schemas.microsoft.com/office/drawing/2010/main" w="9525">
                   <a:solidFill>
                     <a:srgbClr val="000000"/>
                   </a:solidFill>
@@ -2157,7 +5329,7 @@
             </a:ln>
             <a:extLst>
               <a:ext uri="{91240B29-F687-4f45-9708-019B960494DF}">
-                <a14:hiddenLine xmlns:a14="http://schemas.microsoft.com/office/drawing/2010/main" xmlns="" w="9525">
+                <a14:hiddenLine xmlns="" xmlns:a14="http://schemas.microsoft.com/office/drawing/2010/main" w="9525">
                   <a:solidFill>
                     <a:srgbClr val="000000"/>
                   </a:solidFill>
@@ -2247,7 +5419,7 @@
             </a:ln>
             <a:extLst>
               <a:ext uri="{91240B29-F687-4f45-9708-019B960494DF}">
-                <a14:hiddenLine xmlns:a14="http://schemas.microsoft.com/office/drawing/2010/main" xmlns="" w="9525">
+                <a14:hiddenLine xmlns="" xmlns:a14="http://schemas.microsoft.com/office/drawing/2010/main" w="9525">
                   <a:solidFill>
                     <a:srgbClr val="000000"/>
                   </a:solidFill>
@@ -2303,7 +5475,7 @@
             </a:ln>
             <a:extLst>
               <a:ext uri="{91240B29-F687-4f45-9708-019B960494DF}">
-                <a14:hiddenLine xmlns:a14="http://schemas.microsoft.com/office/drawing/2010/main" xmlns="" w="9525">
+                <a14:hiddenLine xmlns="" xmlns:a14="http://schemas.microsoft.com/office/drawing/2010/main" w="9525">
                   <a:solidFill>
                     <a:srgbClr val="000000"/>
                   </a:solidFill>
@@ -2393,7 +5565,7 @@
             </a:ln>
             <a:extLst>
               <a:ext uri="{91240B29-F687-4f45-9708-019B960494DF}">
-                <a14:hiddenLine xmlns:a14="http://schemas.microsoft.com/office/drawing/2010/main" xmlns="" w="9525">
+                <a14:hiddenLine xmlns="" xmlns:a14="http://schemas.microsoft.com/office/drawing/2010/main" w="9525">
                   <a:solidFill>
                     <a:srgbClr val="000000"/>
                   </a:solidFill>
@@ -2449,7 +5621,7 @@
             </a:ln>
             <a:extLst>
               <a:ext uri="{91240B29-F687-4f45-9708-019B960494DF}">
-                <a14:hiddenLine xmlns:a14="http://schemas.microsoft.com/office/drawing/2010/main" xmlns="" w="9525">
+                <a14:hiddenLine xmlns="" xmlns:a14="http://schemas.microsoft.com/office/drawing/2010/main" w="9525">
                   <a:solidFill>
                     <a:srgbClr val="000000"/>
                   </a:solidFill>
@@ -2539,7 +5711,7 @@
             </a:ln>
             <a:extLst>
               <a:ext uri="{91240B29-F687-4f45-9708-019B960494DF}">
-                <a14:hiddenLine xmlns:a14="http://schemas.microsoft.com/office/drawing/2010/main" xmlns="" w="9525">
+                <a14:hiddenLine xmlns="" xmlns:a14="http://schemas.microsoft.com/office/drawing/2010/main" w="9525">
                   <a:solidFill>
                     <a:srgbClr val="000000"/>
                   </a:solidFill>
@@ -2607,7 +5779,7 @@
             </a:ln>
             <a:extLst>
               <a:ext uri="{91240B29-F687-4f45-9708-019B960494DF}">
-                <a14:hiddenLine xmlns:a14="http://schemas.microsoft.com/office/drawing/2010/main" xmlns="" w="9525">
+                <a14:hiddenLine xmlns="" xmlns:a14="http://schemas.microsoft.com/office/drawing/2010/main" w="9525">
                   <a:solidFill>
                     <a:srgbClr val="000000"/>
                   </a:solidFill>
@@ -2697,7 +5869,7 @@
             </a:ln>
             <a:extLst>
               <a:ext uri="{91240B29-F687-4f45-9708-019B960494DF}">
-                <a14:hiddenLine xmlns:a14="http://schemas.microsoft.com/office/drawing/2010/main" xmlns="" w="9525">
+                <a14:hiddenLine xmlns="" xmlns:a14="http://schemas.microsoft.com/office/drawing/2010/main" w="9525">
                   <a:solidFill>
                     <a:srgbClr val="000000"/>
                   </a:solidFill>
@@ -2765,7 +5937,7 @@
             </a:ln>
             <a:extLst>
               <a:ext uri="{91240B29-F687-4f45-9708-019B960494DF}">
-                <a14:hiddenLine xmlns:a14="http://schemas.microsoft.com/office/drawing/2010/main" xmlns="" w="9525">
+                <a14:hiddenLine xmlns="" xmlns:a14="http://schemas.microsoft.com/office/drawing/2010/main" w="9525">
                   <a:solidFill>
                     <a:srgbClr val="000000"/>
                   </a:solidFill>
@@ -2855,7 +6027,7 @@
             </a:ln>
             <a:extLst>
               <a:ext uri="{91240B29-F687-4f45-9708-019B960494DF}">
-                <a14:hiddenLine xmlns:a14="http://schemas.microsoft.com/office/drawing/2010/main" xmlns="" w="9525">
+                <a14:hiddenLine xmlns="" xmlns:a14="http://schemas.microsoft.com/office/drawing/2010/main" w="9525">
                   <a:solidFill>
                     <a:srgbClr val="000000"/>
                   </a:solidFill>
@@ -2889,7 +6061,7 @@
             </a:ln>
             <a:extLst>
               <a:ext uri="{91240B29-F687-4f45-9708-019B960494DF}">
-                <a14:hiddenLine xmlns:a14="http://schemas.microsoft.com/office/drawing/2010/main" xmlns="" w="9525">
+                <a14:hiddenLine xmlns="" xmlns:a14="http://schemas.microsoft.com/office/drawing/2010/main" w="9525">
                   <a:solidFill>
                     <a:srgbClr val="000000"/>
                   </a:solidFill>
@@ -2979,7 +6151,7 @@
             </a:ln>
             <a:extLst>
               <a:ext uri="{91240B29-F687-4f45-9708-019B960494DF}">
-                <a14:hiddenLine xmlns:a14="http://schemas.microsoft.com/office/drawing/2010/main" xmlns="" w="9525">
+                <a14:hiddenLine xmlns="" xmlns:a14="http://schemas.microsoft.com/office/drawing/2010/main" w="9525">
                   <a:solidFill>
                     <a:srgbClr val="000000"/>
                   </a:solidFill>
@@ -3041,7 +6213,7 @@
             </a:ln>
             <a:extLst>
               <a:ext uri="{91240B29-F687-4f45-9708-019B960494DF}">
-                <a14:hiddenLine xmlns:a14="http://schemas.microsoft.com/office/drawing/2010/main" xmlns="" w="9525">
+                <a14:hiddenLine xmlns="" xmlns:a14="http://schemas.microsoft.com/office/drawing/2010/main" w="9525">
                   <a:solidFill>
                     <a:srgbClr val="000000"/>
                   </a:solidFill>
@@ -3103,7 +6275,7 @@
             </a:ln>
             <a:extLst>
               <a:ext uri="{91240B29-F687-4f45-9708-019B960494DF}">
-                <a14:hiddenLine xmlns:a14="http://schemas.microsoft.com/office/drawing/2010/main" xmlns="" w="9525">
+                <a14:hiddenLine xmlns="" xmlns:a14="http://schemas.microsoft.com/office/drawing/2010/main" w="9525">
                   <a:solidFill>
                     <a:srgbClr val="000000"/>
                   </a:solidFill>
@@ -3193,7 +6365,7 @@
             </a:ln>
             <a:extLst>
               <a:ext uri="{91240B29-F687-4f45-9708-019B960494DF}">
-                <a14:hiddenLine xmlns:a14="http://schemas.microsoft.com/office/drawing/2010/main" xmlns="" w="9525">
+                <a14:hiddenLine xmlns="" xmlns:a14="http://schemas.microsoft.com/office/drawing/2010/main" w="9525">
                   <a:solidFill>
                     <a:srgbClr val="000000"/>
                   </a:solidFill>
@@ -3261,7 +6433,7 @@
             </a:ln>
             <a:extLst>
               <a:ext uri="{91240B29-F687-4f45-9708-019B960494DF}">
-                <a14:hiddenLine xmlns:a14="http://schemas.microsoft.com/office/drawing/2010/main" xmlns="" w="9525">
+                <a14:hiddenLine xmlns="" xmlns:a14="http://schemas.microsoft.com/office/drawing/2010/main" w="9525">
                   <a:solidFill>
                     <a:srgbClr val="000000"/>
                   </a:solidFill>
@@ -3323,7 +6495,7 @@
             </a:ln>
             <a:extLst>
               <a:ext uri="{91240B29-F687-4f45-9708-019B960494DF}">
-                <a14:hiddenLine xmlns:a14="http://schemas.microsoft.com/office/drawing/2010/main" xmlns="" w="9525">
+                <a14:hiddenLine xmlns="" xmlns:a14="http://schemas.microsoft.com/office/drawing/2010/main" w="9525">
                   <a:solidFill>
                     <a:srgbClr val="000000"/>
                   </a:solidFill>
@@ -3413,7 +6585,7 @@
             </a:ln>
             <a:extLst>
               <a:ext uri="{91240B29-F687-4f45-9708-019B960494DF}">
-                <a14:hiddenLine xmlns:a14="http://schemas.microsoft.com/office/drawing/2010/main" xmlns="" w="9525">
+                <a14:hiddenLine xmlns="" xmlns:a14="http://schemas.microsoft.com/office/drawing/2010/main" w="9525">
                   <a:solidFill>
                     <a:srgbClr val="000000"/>
                   </a:solidFill>
@@ -3475,7 +6647,7 @@
             </a:ln>
             <a:extLst>
               <a:ext uri="{91240B29-F687-4f45-9708-019B960494DF}">
-                <a14:hiddenLine xmlns:a14="http://schemas.microsoft.com/office/drawing/2010/main" xmlns="" w="9525">
+                <a14:hiddenLine xmlns="" xmlns:a14="http://schemas.microsoft.com/office/drawing/2010/main" w="9525">
                   <a:solidFill>
                     <a:srgbClr val="000000"/>
                   </a:solidFill>
@@ -3565,7 +6737,7 @@
             </a:ln>
             <a:extLst>
               <a:ext uri="{91240B29-F687-4f45-9708-019B960494DF}">
-                <a14:hiddenLine xmlns:a14="http://schemas.microsoft.com/office/drawing/2010/main" xmlns="" w="9525">
+                <a14:hiddenLine xmlns="" xmlns:a14="http://schemas.microsoft.com/office/drawing/2010/main" w="9525">
                   <a:solidFill>
                     <a:srgbClr val="000000"/>
                   </a:solidFill>
@@ -3627,7 +6799,7 @@
             </a:ln>
             <a:extLst>
               <a:ext uri="{91240B29-F687-4f45-9708-019B960494DF}">
-                <a14:hiddenLine xmlns:a14="http://schemas.microsoft.com/office/drawing/2010/main" xmlns="" w="9525">
+                <a14:hiddenLine xmlns="" xmlns:a14="http://schemas.microsoft.com/office/drawing/2010/main" w="9525">
                   <a:solidFill>
                     <a:srgbClr val="000000"/>
                   </a:solidFill>
@@ -3717,7 +6889,7 @@
             </a:ln>
             <a:extLst>
               <a:ext uri="{91240B29-F687-4f45-9708-019B960494DF}">
-                <a14:hiddenLine xmlns:a14="http://schemas.microsoft.com/office/drawing/2010/main" xmlns="" w="9525">
+                <a14:hiddenLine xmlns="" xmlns:a14="http://schemas.microsoft.com/office/drawing/2010/main" w="9525">
                   <a:solidFill>
                     <a:srgbClr val="000000"/>
                   </a:solidFill>
@@ -3751,7 +6923,7 @@
             </a:ln>
             <a:extLst>
               <a:ext uri="{91240B29-F687-4f45-9708-019B960494DF}">
-                <a14:hiddenLine xmlns:a14="http://schemas.microsoft.com/office/drawing/2010/main" xmlns="" w="9525">
+                <a14:hiddenLine xmlns="" xmlns:a14="http://schemas.microsoft.com/office/drawing/2010/main" w="9525">
                   <a:solidFill>
                     <a:srgbClr val="000000"/>
                   </a:solidFill>
@@ -3816,7 +6988,7 @@
             </a:ln>
             <a:extLst>
               <a:ext uri="{91240B29-F687-4f45-9708-019B960494DF}">
-                <a14:hiddenLine xmlns:a14="http://schemas.microsoft.com/office/drawing/2010/main" xmlns="" w="9525">
+                <a14:hiddenLine xmlns="" xmlns:a14="http://schemas.microsoft.com/office/drawing/2010/main" w="9525">
                   <a:solidFill>
                     <a:srgbClr val="000000"/>
                   </a:solidFill>
@@ -3906,7 +7078,7 @@
             </a:ln>
             <a:extLst>
               <a:ext uri="{91240B29-F687-4f45-9708-019B960494DF}">
-                <a14:hiddenLine xmlns:a14="http://schemas.microsoft.com/office/drawing/2010/main" xmlns="" w="9525">
+                <a14:hiddenLine xmlns="" xmlns:a14="http://schemas.microsoft.com/office/drawing/2010/main" w="9525">
                   <a:solidFill>
                     <a:srgbClr val="000000"/>
                   </a:solidFill>
@@ -3968,7 +7140,7 @@
             </a:ln>
             <a:extLst>
               <a:ext uri="{91240B29-F687-4f45-9708-019B960494DF}">
-                <a14:hiddenLine xmlns:a14="http://schemas.microsoft.com/office/drawing/2010/main" xmlns="" w="9525">
+                <a14:hiddenLine xmlns="" xmlns:a14="http://schemas.microsoft.com/office/drawing/2010/main" w="9525">
                   <a:solidFill>
                     <a:srgbClr val="000000"/>
                   </a:solidFill>
@@ -4058,7 +7230,7 @@
             </a:ln>
             <a:extLst>
               <a:ext uri="{91240B29-F687-4f45-9708-019B960494DF}">
-                <a14:hiddenLine xmlns:a14="http://schemas.microsoft.com/office/drawing/2010/main" xmlns="" w="9525">
+                <a14:hiddenLine xmlns="" xmlns:a14="http://schemas.microsoft.com/office/drawing/2010/main" w="9525">
                   <a:solidFill>
                     <a:srgbClr val="000000"/>
                   </a:solidFill>
@@ -4148,7 +7320,7 @@
             </a:ln>
             <a:extLst>
               <a:ext uri="{91240B29-F687-4f45-9708-019B960494DF}">
-                <a14:hiddenLine xmlns:a14="http://schemas.microsoft.com/office/drawing/2010/main" xmlns="" w="9525">
+                <a14:hiddenLine xmlns="" xmlns:a14="http://schemas.microsoft.com/office/drawing/2010/main" w="9525">
                   <a:solidFill>
                     <a:srgbClr val="000000"/>
                   </a:solidFill>
@@ -4213,7 +7385,7 @@
             </a:ln>
             <a:extLst>
               <a:ext uri="{91240B29-F687-4f45-9708-019B960494DF}">
-                <a14:hiddenLine xmlns:a14="http://schemas.microsoft.com/office/drawing/2010/main" xmlns="" w="9525">
+                <a14:hiddenLine xmlns="" xmlns:a14="http://schemas.microsoft.com/office/drawing/2010/main" w="9525">
                   <a:solidFill>
                     <a:srgbClr val="000000"/>
                   </a:solidFill>
@@ -4275,7 +7447,7 @@
             </a:ln>
             <a:extLst>
               <a:ext uri="{91240B29-F687-4f45-9708-019B960494DF}">
-                <a14:hiddenLine xmlns:a14="http://schemas.microsoft.com/office/drawing/2010/main" xmlns="" w="9525">
+                <a14:hiddenLine xmlns="" xmlns:a14="http://schemas.microsoft.com/office/drawing/2010/main" w="9525">
                   <a:solidFill>
                     <a:srgbClr val="000000"/>
                   </a:solidFill>
@@ -4365,7 +7537,7 @@
             </a:ln>
             <a:extLst>
               <a:ext uri="{91240B29-F687-4f45-9708-019B960494DF}">
-                <a14:hiddenLine xmlns:a14="http://schemas.microsoft.com/office/drawing/2010/main" xmlns="" w="9525">
+                <a14:hiddenLine xmlns="" xmlns:a14="http://schemas.microsoft.com/office/drawing/2010/main" w="9525">
                   <a:solidFill>
                     <a:srgbClr val="000000"/>
                   </a:solidFill>
@@ -4455,7 +7627,7 @@
             </a:ln>
             <a:extLst>
               <a:ext uri="{91240B29-F687-4f45-9708-019B960494DF}">
-                <a14:hiddenLine xmlns:a14="http://schemas.microsoft.com/office/drawing/2010/main" xmlns="" w="9525">
+                <a14:hiddenLine xmlns="" xmlns:a14="http://schemas.microsoft.com/office/drawing/2010/main" w="9525">
                   <a:solidFill>
                     <a:srgbClr val="000000"/>
                   </a:solidFill>
@@ -4517,7 +7689,7 @@
             </a:ln>
             <a:extLst>
               <a:ext uri="{91240B29-F687-4f45-9708-019B960494DF}">
-                <a14:hiddenLine xmlns:a14="http://schemas.microsoft.com/office/drawing/2010/main" xmlns="" w="9525">
+                <a14:hiddenLine xmlns="" xmlns:a14="http://schemas.microsoft.com/office/drawing/2010/main" w="9525">
                   <a:solidFill>
                     <a:srgbClr val="000000"/>
                   </a:solidFill>
@@ -4637,7 +7809,7 @@
             </a:ln>
             <a:extLst>
               <a:ext uri="{91240B29-F687-4f45-9708-019B960494DF}">
-                <a14:hiddenLine xmlns:a14="http://schemas.microsoft.com/office/drawing/2010/main" xmlns="" w="9525">
+                <a14:hiddenLine xmlns="" xmlns:a14="http://schemas.microsoft.com/office/drawing/2010/main" w="9525">
                   <a:solidFill>
                     <a:srgbClr val="000000"/>
                   </a:solidFill>
@@ -4705,7 +7877,7 @@
             </a:ln>
             <a:extLst>
               <a:ext uri="{91240B29-F687-4f45-9708-019B960494DF}">
-                <a14:hiddenLine xmlns:a14="http://schemas.microsoft.com/office/drawing/2010/main" xmlns="" w="9525">
+                <a14:hiddenLine xmlns="" xmlns:a14="http://schemas.microsoft.com/office/drawing/2010/main" w="9525">
                   <a:solidFill>
                     <a:srgbClr val="000000"/>
                   </a:solidFill>
@@ -4795,7 +7967,7 @@
             </a:ln>
             <a:extLst>
               <a:ext uri="{91240B29-F687-4f45-9708-019B960494DF}">
-                <a14:hiddenLine xmlns:a14="http://schemas.microsoft.com/office/drawing/2010/main" xmlns="" w="9525">
+                <a14:hiddenLine xmlns="" xmlns:a14="http://schemas.microsoft.com/office/drawing/2010/main" w="9525">
                   <a:solidFill>
                     <a:srgbClr val="000000"/>
                   </a:solidFill>
@@ -4935,7 +8107,7 @@
           <a:p>
             <a:fld id="{B9E4ED68-686B-4FB8-BC5A-407EEE930C22}" type="datetime1">
               <a:rPr lang="en-US" smtClean="0"/>
-              <a:t>5/21/2021</a:t>
+              <a:t>5/27/2021</a:t>
             </a:fld>
             <a:endParaRPr lang="en-US"/>
           </a:p>
@@ -5202,7 +8374,7 @@
           <a:p>
             <a:fld id="{0E3D39BB-A163-42C7-AE13-7219CAF6B43B}" type="datetime1">
               <a:rPr lang="en-US" smtClean="0"/>
-              <a:t>5/21/2021</a:t>
+              <a:t>5/27/2021</a:t>
             </a:fld>
             <a:endParaRPr lang="en-US"/>
           </a:p>
@@ -5398,7 +8570,7 @@
           <a:p>
             <a:fld id="{68E472B8-B00B-4D3F-BB0B-94A2E87C4BCB}" type="datetime1">
               <a:rPr lang="en-US" smtClean="0"/>
-              <a:t>5/21/2021</a:t>
+              <a:t>5/27/2021</a:t>
             </a:fld>
             <a:endParaRPr lang="en-US"/>
           </a:p>
@@ -5661,7 +8833,7 @@
           <a:p>
             <a:fld id="{3A7144F6-5194-4828-B211-D1C55A004E4D}" type="datetime1">
               <a:rPr lang="en-US" smtClean="0"/>
-              <a:t>5/21/2021</a:t>
+              <a:t>5/27/2021</a:t>
             </a:fld>
             <a:endParaRPr lang="en-US"/>
           </a:p>
@@ -6095,7 +9267,7 @@
           <a:p>
             <a:fld id="{483AA8D4-C80C-4E5D-A47E-1FF4EB9B1681}" type="datetime1">
               <a:rPr lang="en-US" smtClean="0"/>
-              <a:t>5/21/2021</a:t>
+              <a:t>5/27/2021</a:t>
             </a:fld>
             <a:endParaRPr lang="en-US"/>
           </a:p>
@@ -6641,7 +9813,7 @@
           <a:p>
             <a:fld id="{D6430E94-C2DF-4898-8435-14F721A1C32D}" type="datetime1">
               <a:rPr lang="en-US" smtClean="0"/>
-              <a:t>5/21/2021</a:t>
+              <a:t>5/27/2021</a:t>
             </a:fld>
             <a:endParaRPr lang="en-US"/>
           </a:p>
@@ -7361,7 +10533,7 @@
           <a:p>
             <a:fld id="{2CC4EE79-D41A-46C8-8E61-AF4F2AAA0517}" type="datetime1">
               <a:rPr lang="en-US" smtClean="0"/>
-              <a:t>5/21/2021</a:t>
+              <a:t>5/27/2021</a:t>
             </a:fld>
             <a:endParaRPr lang="en-US"/>
           </a:p>
@@ -7531,7 +10703,7 @@
           <a:p>
             <a:fld id="{F0843907-BDDC-4870-919B-4CEDF2BDF9F2}" type="datetime1">
               <a:rPr lang="en-US" smtClean="0"/>
-              <a:t>5/21/2021</a:t>
+              <a:t>5/27/2021</a:t>
             </a:fld>
             <a:endParaRPr lang="en-US"/>
           </a:p>
@@ -7711,7 +10883,7 @@
           <a:p>
             <a:fld id="{EA0D2419-0632-417E-98CE-0F574648345F}" type="datetime1">
               <a:rPr lang="en-US" smtClean="0"/>
-              <a:t>5/21/2021</a:t>
+              <a:t>5/27/2021</a:t>
             </a:fld>
             <a:endParaRPr lang="en-US"/>
           </a:p>
@@ -7881,7 +11053,7 @@
           <a:p>
             <a:fld id="{E7D179AE-CF70-4269-86D1-B49653D65C0C}" type="datetime1">
               <a:rPr lang="en-US" smtClean="0"/>
-              <a:t>5/21/2021</a:t>
+              <a:t>5/27/2021</a:t>
             </a:fld>
             <a:endParaRPr lang="en-US"/>
           </a:p>
@@ -8131,7 +11303,7 @@
           <a:p>
             <a:fld id="{C459C1C7-9E6E-438E-AFCA-133552BA9850}" type="datetime1">
               <a:rPr lang="en-US" smtClean="0"/>
-              <a:t>5/21/2021</a:t>
+              <a:t>5/27/2021</a:t>
             </a:fld>
             <a:endParaRPr lang="en-US"/>
           </a:p>
@@ -8363,7 +11535,7 @@
           <a:p>
             <a:fld id="{462FD1A0-6D34-4C78-AB09-2456564E754B}" type="datetime1">
               <a:rPr lang="en-US" smtClean="0"/>
-              <a:t>5/21/2021</a:t>
+              <a:t>5/27/2021</a:t>
             </a:fld>
             <a:endParaRPr lang="en-US"/>
           </a:p>
@@ -8744,7 +11916,7 @@
           <a:p>
             <a:fld id="{21A0E901-6E8B-406A-BA95-E7F7AD45283A}" type="datetime1">
               <a:rPr lang="en-US" smtClean="0"/>
-              <a:t>5/21/2021</a:t>
+              <a:t>5/27/2021</a:t>
             </a:fld>
             <a:endParaRPr lang="en-US"/>
           </a:p>
@@ -8862,7 +12034,7 @@
           <a:p>
             <a:fld id="{4F2C22FE-C4E7-4D66-840E-4A46267EC925}" type="datetime1">
               <a:rPr lang="en-US" smtClean="0"/>
-              <a:t>5/21/2021</a:t>
+              <a:t>5/27/2021</a:t>
             </a:fld>
             <a:endParaRPr lang="en-US"/>
           </a:p>
@@ -8957,7 +12129,7 @@
           <a:p>
             <a:fld id="{C8F1B07E-F698-4101-844C-4ABDEDCBD545}" type="datetime1">
               <a:rPr lang="en-US" smtClean="0"/>
-              <a:t>5/21/2021</a:t>
+              <a:t>5/27/2021</a:t>
             </a:fld>
             <a:endParaRPr lang="en-US"/>
           </a:p>
@@ -9206,7 +12378,7 @@
           <a:p>
             <a:fld id="{BC923A1A-8211-4A3B-9272-1C4C96EC99B3}" type="datetime1">
               <a:rPr lang="en-US" smtClean="0"/>
-              <a:t>5/21/2021</a:t>
+              <a:t>5/27/2021</a:t>
             </a:fld>
             <a:endParaRPr lang="en-US"/>
           </a:p>
@@ -9486,7 +12658,7 @@
           <a:p>
             <a:fld id="{829C4A57-8EBE-4EC6-8682-3A67093EE16F}" type="datetime1">
               <a:rPr lang="en-US" smtClean="0"/>
-              <a:t>5/21/2021</a:t>
+              <a:t>5/27/2021</a:t>
             </a:fld>
             <a:endParaRPr lang="en-US"/>
           </a:p>
@@ -9602,7 +12774,7 @@
           <a:noFill/>
           <a:extLst>
             <a:ext uri="{909E8E84-426E-40dd-AFC4-6F175D3DCCD1}">
-              <a14:hiddenFill xmlns:a14="http://schemas.microsoft.com/office/drawing/2010/main" xmlns="">
+              <a14:hiddenFill xmlns="" xmlns:a14="http://schemas.microsoft.com/office/drawing/2010/main">
                 <a:solidFill>
                   <a:srgbClr val="FFFFFF"/>
                 </a:solidFill>
@@ -9676,7 +12848,7 @@
               </a:ln>
               <a:extLst>
                 <a:ext uri="{91240B29-F687-4f45-9708-019B960494DF}">
-                  <a14:hiddenLine xmlns:a14="http://schemas.microsoft.com/office/drawing/2010/main" xmlns="" w="9525">
+                  <a14:hiddenLine xmlns="" xmlns:a14="http://schemas.microsoft.com/office/drawing/2010/main" w="9525">
                     <a:solidFill>
                       <a:srgbClr val="000000"/>
                     </a:solidFill>
@@ -9766,7 +12938,7 @@
               </a:ln>
               <a:extLst>
                 <a:ext uri="{91240B29-F687-4f45-9708-019B960494DF}">
-                  <a14:hiddenLine xmlns:a14="http://schemas.microsoft.com/office/drawing/2010/main" xmlns="" w="9525">
+                  <a14:hiddenLine xmlns="" xmlns:a14="http://schemas.microsoft.com/office/drawing/2010/main" w="9525">
                     <a:solidFill>
                       <a:srgbClr val="000000"/>
                     </a:solidFill>
@@ -9856,7 +13028,7 @@
               </a:ln>
               <a:extLst>
                 <a:ext uri="{91240B29-F687-4f45-9708-019B960494DF}">
-                  <a14:hiddenLine xmlns:a14="http://schemas.microsoft.com/office/drawing/2010/main" xmlns="" w="9525">
+                  <a14:hiddenLine xmlns="" xmlns:a14="http://schemas.microsoft.com/office/drawing/2010/main" w="9525">
                     <a:solidFill>
                       <a:srgbClr val="000000"/>
                     </a:solidFill>
@@ -9918,7 +13090,7 @@
               </a:ln>
               <a:extLst>
                 <a:ext uri="{91240B29-F687-4f45-9708-019B960494DF}">
-                  <a14:hiddenLine xmlns:a14="http://schemas.microsoft.com/office/drawing/2010/main" xmlns="" w="9525">
+                  <a14:hiddenLine xmlns="" xmlns:a14="http://schemas.microsoft.com/office/drawing/2010/main" w="9525">
                     <a:solidFill>
                       <a:srgbClr val="000000"/>
                     </a:solidFill>
@@ -10008,7 +13180,7 @@
               </a:ln>
               <a:extLst>
                 <a:ext uri="{91240B29-F687-4f45-9708-019B960494DF}">
-                  <a14:hiddenLine xmlns:a14="http://schemas.microsoft.com/office/drawing/2010/main" xmlns="" w="9525">
+                  <a14:hiddenLine xmlns="" xmlns:a14="http://schemas.microsoft.com/office/drawing/2010/main" w="9525">
                     <a:solidFill>
                       <a:srgbClr val="000000"/>
                     </a:solidFill>
@@ -10070,7 +13242,7 @@
               </a:ln>
               <a:extLst>
                 <a:ext uri="{91240B29-F687-4f45-9708-019B960494DF}">
-                  <a14:hiddenLine xmlns:a14="http://schemas.microsoft.com/office/drawing/2010/main" xmlns="" w="9525">
+                  <a14:hiddenLine xmlns="" xmlns:a14="http://schemas.microsoft.com/office/drawing/2010/main" w="9525">
                     <a:solidFill>
                       <a:srgbClr val="000000"/>
                     </a:solidFill>
@@ -10132,7 +13304,7 @@
               </a:ln>
               <a:extLst>
                 <a:ext uri="{91240B29-F687-4f45-9708-019B960494DF}">
-                  <a14:hiddenLine xmlns:a14="http://schemas.microsoft.com/office/drawing/2010/main" xmlns="" w="9525">
+                  <a14:hiddenLine xmlns="" xmlns:a14="http://schemas.microsoft.com/office/drawing/2010/main" w="9525">
                     <a:solidFill>
                       <a:srgbClr val="000000"/>
                     </a:solidFill>
@@ -10222,7 +13394,7 @@
               </a:ln>
               <a:extLst>
                 <a:ext uri="{91240B29-F687-4f45-9708-019B960494DF}">
-                  <a14:hiddenLine xmlns:a14="http://schemas.microsoft.com/office/drawing/2010/main" xmlns="" w="9525">
+                  <a14:hiddenLine xmlns="" xmlns:a14="http://schemas.microsoft.com/office/drawing/2010/main" w="9525">
                     <a:solidFill>
                       <a:srgbClr val="000000"/>
                     </a:solidFill>
@@ -10312,7 +13484,7 @@
               </a:ln>
               <a:extLst>
                 <a:ext uri="{91240B29-F687-4f45-9708-019B960494DF}">
-                  <a14:hiddenLine xmlns:a14="http://schemas.microsoft.com/office/drawing/2010/main" xmlns="" w="9525">
+                  <a14:hiddenLine xmlns="" xmlns:a14="http://schemas.microsoft.com/office/drawing/2010/main" w="9525">
                     <a:solidFill>
                       <a:srgbClr val="000000"/>
                     </a:solidFill>
@@ -10374,7 +13546,7 @@
               </a:ln>
               <a:extLst>
                 <a:ext uri="{91240B29-F687-4f45-9708-019B960494DF}">
-                  <a14:hiddenLine xmlns:a14="http://schemas.microsoft.com/office/drawing/2010/main" xmlns="" w="9525">
+                  <a14:hiddenLine xmlns="" xmlns:a14="http://schemas.microsoft.com/office/drawing/2010/main" w="9525">
                     <a:solidFill>
                       <a:srgbClr val="000000"/>
                     </a:solidFill>
@@ -10484,7 +13656,7 @@
               </a:ln>
               <a:extLst>
                 <a:ext uri="{91240B29-F687-4f45-9708-019B960494DF}">
-                  <a14:hiddenLine xmlns:a14="http://schemas.microsoft.com/office/drawing/2010/main" xmlns="" w="9525">
+                  <a14:hiddenLine xmlns="" xmlns:a14="http://schemas.microsoft.com/office/drawing/2010/main" w="9525">
                     <a:solidFill>
                       <a:srgbClr val="000000"/>
                     </a:solidFill>
@@ -10568,7 +13740,7 @@
               </a:ln>
               <a:extLst>
                 <a:ext uri="{91240B29-F687-4f45-9708-019B960494DF}">
-                  <a14:hiddenLine xmlns:a14="http://schemas.microsoft.com/office/drawing/2010/main" xmlns="" w="9525">
+                  <a14:hiddenLine xmlns="" xmlns:a14="http://schemas.microsoft.com/office/drawing/2010/main" w="9525">
                     <a:solidFill>
                       <a:srgbClr val="000000"/>
                     </a:solidFill>
@@ -10630,7 +13802,7 @@
               </a:ln>
               <a:extLst>
                 <a:ext uri="{91240B29-F687-4f45-9708-019B960494DF}">
-                  <a14:hiddenLine xmlns:a14="http://schemas.microsoft.com/office/drawing/2010/main" xmlns="" w="9525">
+                  <a14:hiddenLine xmlns="" xmlns:a14="http://schemas.microsoft.com/office/drawing/2010/main" w="9525">
                     <a:solidFill>
                       <a:srgbClr val="000000"/>
                     </a:solidFill>
@@ -10692,7 +13864,7 @@
               </a:ln>
               <a:extLst>
                 <a:ext uri="{91240B29-F687-4f45-9708-019B960494DF}">
-                  <a14:hiddenLine xmlns:a14="http://schemas.microsoft.com/office/drawing/2010/main" xmlns="" w="9525">
+                  <a14:hiddenLine xmlns="" xmlns:a14="http://schemas.microsoft.com/office/drawing/2010/main" w="9525">
                     <a:solidFill>
                       <a:srgbClr val="000000"/>
                     </a:solidFill>
@@ -10782,7 +13954,7 @@
               </a:ln>
               <a:extLst>
                 <a:ext uri="{91240B29-F687-4f45-9708-019B960494DF}">
-                  <a14:hiddenLine xmlns:a14="http://schemas.microsoft.com/office/drawing/2010/main" xmlns="" w="9525">
+                  <a14:hiddenLine xmlns="" xmlns:a14="http://schemas.microsoft.com/office/drawing/2010/main" w="9525">
                     <a:solidFill>
                       <a:srgbClr val="000000"/>
                     </a:solidFill>
@@ -10816,7 +13988,7 @@
               </a:ln>
               <a:extLst>
                 <a:ext uri="{91240B29-F687-4f45-9708-019B960494DF}">
-                  <a14:hiddenLine xmlns:a14="http://schemas.microsoft.com/office/drawing/2010/main" xmlns="" w="9525">
+                  <a14:hiddenLine xmlns="" xmlns:a14="http://schemas.microsoft.com/office/drawing/2010/main" w="9525">
                     <a:solidFill>
                       <a:srgbClr val="000000"/>
                     </a:solidFill>
@@ -10881,7 +14053,7 @@
               </a:ln>
               <a:extLst>
                 <a:ext uri="{91240B29-F687-4f45-9708-019B960494DF}">
-                  <a14:hiddenLine xmlns:a14="http://schemas.microsoft.com/office/drawing/2010/main" xmlns="" w="9525">
+                  <a14:hiddenLine xmlns="" xmlns:a14="http://schemas.microsoft.com/office/drawing/2010/main" w="9525">
                     <a:solidFill>
                       <a:srgbClr val="000000"/>
                     </a:solidFill>
@@ -10971,7 +14143,7 @@
               </a:ln>
               <a:extLst>
                 <a:ext uri="{91240B29-F687-4f45-9708-019B960494DF}">
-                  <a14:hiddenLine xmlns:a14="http://schemas.microsoft.com/office/drawing/2010/main" xmlns="" w="9525">
+                  <a14:hiddenLine xmlns="" xmlns:a14="http://schemas.microsoft.com/office/drawing/2010/main" w="9525">
                     <a:solidFill>
                       <a:srgbClr val="000000"/>
                     </a:solidFill>
@@ -11033,7 +14205,7 @@
               </a:ln>
               <a:extLst>
                 <a:ext uri="{91240B29-F687-4f45-9708-019B960494DF}">
-                  <a14:hiddenLine xmlns:a14="http://schemas.microsoft.com/office/drawing/2010/main" xmlns="" w="9525">
+                  <a14:hiddenLine xmlns="" xmlns:a14="http://schemas.microsoft.com/office/drawing/2010/main" w="9525">
                     <a:solidFill>
                       <a:srgbClr val="000000"/>
                     </a:solidFill>
@@ -11123,7 +14295,7 @@
               </a:ln>
               <a:extLst>
                 <a:ext uri="{91240B29-F687-4f45-9708-019B960494DF}">
-                  <a14:hiddenLine xmlns:a14="http://schemas.microsoft.com/office/drawing/2010/main" xmlns="" w="9525">
+                  <a14:hiddenLine xmlns="" xmlns:a14="http://schemas.microsoft.com/office/drawing/2010/main" w="9525">
                     <a:solidFill>
                       <a:srgbClr val="000000"/>
                     </a:solidFill>
@@ -11188,7 +14360,7 @@
               </a:ln>
               <a:extLst>
                 <a:ext uri="{91240B29-F687-4f45-9708-019B960494DF}">
-                  <a14:hiddenLine xmlns:a14="http://schemas.microsoft.com/office/drawing/2010/main" xmlns="" w="9525">
+                  <a14:hiddenLine xmlns="" xmlns:a14="http://schemas.microsoft.com/office/drawing/2010/main" w="9525">
                     <a:solidFill>
                       <a:srgbClr val="000000"/>
                     </a:solidFill>
@@ -11250,7 +14422,7 @@
               </a:ln>
               <a:extLst>
                 <a:ext uri="{91240B29-F687-4f45-9708-019B960494DF}">
-                  <a14:hiddenLine xmlns:a14="http://schemas.microsoft.com/office/drawing/2010/main" xmlns="" w="9525">
+                  <a14:hiddenLine xmlns="" xmlns:a14="http://schemas.microsoft.com/office/drawing/2010/main" w="9525">
                     <a:solidFill>
                       <a:srgbClr val="000000"/>
                     </a:solidFill>
@@ -11340,7 +14512,7 @@
               </a:ln>
               <a:extLst>
                 <a:ext uri="{91240B29-F687-4f45-9708-019B960494DF}">
-                  <a14:hiddenLine xmlns:a14="http://schemas.microsoft.com/office/drawing/2010/main" xmlns="" w="9525">
+                  <a14:hiddenLine xmlns="" xmlns:a14="http://schemas.microsoft.com/office/drawing/2010/main" w="9525">
                     <a:solidFill>
                       <a:srgbClr val="000000"/>
                     </a:solidFill>
@@ -11430,7 +14602,7 @@
               </a:ln>
               <a:extLst>
                 <a:ext uri="{91240B29-F687-4f45-9708-019B960494DF}">
-                  <a14:hiddenLine xmlns:a14="http://schemas.microsoft.com/office/drawing/2010/main" xmlns="" w="9525">
+                  <a14:hiddenLine xmlns="" xmlns:a14="http://schemas.microsoft.com/office/drawing/2010/main" w="9525">
                     <a:solidFill>
                       <a:srgbClr val="000000"/>
                     </a:solidFill>
@@ -11495,7 +14667,7 @@
               </a:ln>
               <a:extLst>
                 <a:ext uri="{91240B29-F687-4f45-9708-019B960494DF}">
-                  <a14:hiddenLine xmlns:a14="http://schemas.microsoft.com/office/drawing/2010/main" xmlns="" w="9525">
+                  <a14:hiddenLine xmlns="" xmlns:a14="http://schemas.microsoft.com/office/drawing/2010/main" w="9525">
                     <a:solidFill>
                       <a:srgbClr val="000000"/>
                     </a:solidFill>
@@ -11615,7 +14787,7 @@
               </a:ln>
               <a:extLst>
                 <a:ext uri="{91240B29-F687-4f45-9708-019B960494DF}">
-                  <a14:hiddenLine xmlns:a14="http://schemas.microsoft.com/office/drawing/2010/main" xmlns="" w="9525">
+                  <a14:hiddenLine xmlns="" xmlns:a14="http://schemas.microsoft.com/office/drawing/2010/main" w="9525">
                     <a:solidFill>
                       <a:srgbClr val="000000"/>
                     </a:solidFill>
@@ -11713,7 +14885,7 @@
               </a:ln>
               <a:extLst>
                 <a:ext uri="{91240B29-F687-4f45-9708-019B960494DF}">
-                  <a14:hiddenLine xmlns:a14="http://schemas.microsoft.com/office/drawing/2010/main" xmlns="" w="9525">
+                  <a14:hiddenLine xmlns="" xmlns:a14="http://schemas.microsoft.com/office/drawing/2010/main" w="9525">
                     <a:solidFill>
                       <a:srgbClr val="000000"/>
                     </a:solidFill>
@@ -11828,7 +15000,7 @@
               </a:ln>
               <a:extLst>
                 <a:ext uri="{91240B29-F687-4f45-9708-019B960494DF}">
-                  <a14:hiddenLine xmlns:a14="http://schemas.microsoft.com/office/drawing/2010/main" xmlns="" w="9525">
+                  <a14:hiddenLine xmlns="" xmlns:a14="http://schemas.microsoft.com/office/drawing/2010/main" w="9525">
                     <a:solidFill>
                       <a:srgbClr val="000000"/>
                     </a:solidFill>
@@ -11918,7 +15090,7 @@
               </a:ln>
               <a:extLst>
                 <a:ext uri="{91240B29-F687-4f45-9708-019B960494DF}">
-                  <a14:hiddenLine xmlns:a14="http://schemas.microsoft.com/office/drawing/2010/main" xmlns="" w="9525">
+                  <a14:hiddenLine xmlns="" xmlns:a14="http://schemas.microsoft.com/office/drawing/2010/main" w="9525">
                     <a:solidFill>
                       <a:srgbClr val="000000"/>
                     </a:solidFill>
@@ -11983,7 +15155,7 @@
               </a:ln>
               <a:extLst>
                 <a:ext uri="{91240B29-F687-4f45-9708-019B960494DF}">
-                  <a14:hiddenLine xmlns:a14="http://schemas.microsoft.com/office/drawing/2010/main" xmlns="" w="9525">
+                  <a14:hiddenLine xmlns="" xmlns:a14="http://schemas.microsoft.com/office/drawing/2010/main" w="9525">
                     <a:solidFill>
                       <a:srgbClr val="000000"/>
                     </a:solidFill>
@@ -12073,7 +15245,7 @@
               </a:ln>
               <a:extLst>
                 <a:ext uri="{91240B29-F687-4f45-9708-019B960494DF}">
-                  <a14:hiddenLine xmlns:a14="http://schemas.microsoft.com/office/drawing/2010/main" xmlns="" w="9525">
+                  <a14:hiddenLine xmlns="" xmlns:a14="http://schemas.microsoft.com/office/drawing/2010/main" w="9525">
                     <a:solidFill>
                       <a:srgbClr val="000000"/>
                     </a:solidFill>
@@ -12141,7 +15313,7 @@
               </a:ln>
               <a:extLst>
                 <a:ext uri="{91240B29-F687-4f45-9708-019B960494DF}">
-                  <a14:hiddenLine xmlns:a14="http://schemas.microsoft.com/office/drawing/2010/main" xmlns="" w="9525">
+                  <a14:hiddenLine xmlns="" xmlns:a14="http://schemas.microsoft.com/office/drawing/2010/main" w="9525">
                     <a:solidFill>
                       <a:srgbClr val="000000"/>
                     </a:solidFill>
@@ -12231,7 +15403,7 @@
               </a:ln>
               <a:extLst>
                 <a:ext uri="{91240B29-F687-4f45-9708-019B960494DF}">
-                  <a14:hiddenLine xmlns:a14="http://schemas.microsoft.com/office/drawing/2010/main" xmlns="" w="9525">
+                  <a14:hiddenLine xmlns="" xmlns:a14="http://schemas.microsoft.com/office/drawing/2010/main" w="9525">
                     <a:solidFill>
                       <a:srgbClr val="000000"/>
                     </a:solidFill>
@@ -12299,7 +15471,7 @@
               </a:ln>
               <a:extLst>
                 <a:ext uri="{91240B29-F687-4f45-9708-019B960494DF}">
-                  <a14:hiddenLine xmlns:a14="http://schemas.microsoft.com/office/drawing/2010/main" xmlns="" w="9525">
+                  <a14:hiddenLine xmlns="" xmlns:a14="http://schemas.microsoft.com/office/drawing/2010/main" w="9525">
                     <a:solidFill>
                       <a:srgbClr val="000000"/>
                     </a:solidFill>
@@ -12389,7 +15561,7 @@
               </a:ln>
               <a:extLst>
                 <a:ext uri="{91240B29-F687-4f45-9708-019B960494DF}">
-                  <a14:hiddenLine xmlns:a14="http://schemas.microsoft.com/office/drawing/2010/main" xmlns="" w="9525">
+                  <a14:hiddenLine xmlns="" xmlns:a14="http://schemas.microsoft.com/office/drawing/2010/main" w="9525">
                     <a:solidFill>
                       <a:srgbClr val="000000"/>
                     </a:solidFill>
@@ -12423,7 +15595,7 @@
               </a:ln>
               <a:extLst>
                 <a:ext uri="{91240B29-F687-4f45-9708-019B960494DF}">
-                  <a14:hiddenLine xmlns:a14="http://schemas.microsoft.com/office/drawing/2010/main" xmlns="" w="9525">
+                  <a14:hiddenLine xmlns="" xmlns:a14="http://schemas.microsoft.com/office/drawing/2010/main" w="9525">
                     <a:solidFill>
                       <a:srgbClr val="000000"/>
                     </a:solidFill>
@@ -12563,7 +15735,7 @@
           <a:p>
             <a:fld id="{EBD37732-8130-4524-957A-3BEA1AB1C231}" type="datetime1">
               <a:rPr lang="en-US" smtClean="0"/>
-              <a:t>5/21/2021</a:t>
+              <a:t>5/27/2021</a:t>
             </a:fld>
             <a:endParaRPr lang="en-US"/>
           </a:p>
@@ -13108,7 +16280,7 @@
       </p:grpSpPr>
       <p:sp>
         <p:nvSpPr>
-          <p:cNvPr id="2" name="Заголовок 1"/>
+          <p:cNvPr id="3" name="Заголовок 1"/>
           <p:cNvSpPr>
             <a:spLocks noGrp="1"/>
           </p:cNvSpPr>
@@ -13121,14 +16293,94 @@
           <a:bodyPr/>
           <a:lstStyle/>
           <a:p>
-            <a:endParaRPr lang="en-US"/>
+            <a:pPr algn="ctr"/>
+            <a:r>
+              <a:rPr lang="uk-UA" dirty="0" smtClean="0"/>
+              <a:t>Опис </a:t>
+            </a:r>
+            <a:r>
+              <a:rPr lang="uk-UA" dirty="0" smtClean="0"/>
+              <a:t>Роботи програмного </a:t>
+            </a:r>
+            <a:r>
+              <a:rPr lang="uk-UA" dirty="0" smtClean="0"/>
+              <a:t>додатку </a:t>
+            </a:r>
+            <a:endParaRPr lang="en-US" dirty="0"/>
           </a:p>
         </p:txBody>
       </p:sp>
+      <p:sp>
+        <p:nvSpPr>
+          <p:cNvPr id="4" name="TextBox 3"/>
+          <p:cNvSpPr txBox="1"/>
+          <p:nvPr/>
+        </p:nvSpPr>
+        <p:spPr>
+          <a:xfrm>
+            <a:off x="214906" y="2883383"/>
+            <a:ext cx="3460157" cy="369332"/>
+          </a:xfrm>
+          <a:prstGeom prst="rect">
+            <a:avLst/>
+          </a:prstGeom>
+          <a:noFill/>
+        </p:spPr>
+        <p:txBody>
+          <a:bodyPr wrap="square" rtlCol="0">
+            <a:spAutoFit/>
+          </a:bodyPr>
+          <a:lstStyle/>
+          <a:p>
+            <a:pPr marL="285750" indent="-285750">
+              <a:buClr>
+                <a:schemeClr val="tx2"/>
+              </a:buClr>
+              <a:buFont typeface="Wingdings" panose="05000000000000000000" pitchFamily="2" charset="2"/>
+              <a:buChar char="q"/>
+            </a:pPr>
+            <a:r>
+              <a:rPr lang="uk-UA" dirty="0" err="1" smtClean="0"/>
+              <a:t>Фрактальне</a:t>
+            </a:r>
+            <a:r>
+              <a:rPr lang="uk-UA" dirty="0" smtClean="0"/>
+              <a:t> дерево</a:t>
+            </a:r>
+            <a:endParaRPr lang="en-US" dirty="0">
+              <a:latin typeface="Lucida Sans" panose="020B0602030504020204" pitchFamily="34" charset="0"/>
+            </a:endParaRPr>
+          </a:p>
+        </p:txBody>
+      </p:sp>
+      <p:pic>
+        <p:nvPicPr>
+          <p:cNvPr id="2" name="Рисунок 1"/>
+          <p:cNvPicPr>
+            <a:picLocks noChangeAspect="1"/>
+          </p:cNvPicPr>
+          <p:nvPr/>
+        </p:nvPicPr>
+        <p:blipFill>
+          <a:blip r:embed="rId2"/>
+          <a:stretch>
+            <a:fillRect/>
+          </a:stretch>
+        </p:blipFill>
+        <p:spPr>
+          <a:xfrm>
+            <a:off x="3675063" y="1727200"/>
+            <a:ext cx="8270195" cy="4978400"/>
+          </a:xfrm>
+          <a:prstGeom prst="rect">
+            <a:avLst/>
+          </a:prstGeom>
+        </p:spPr>
+      </p:pic>
     </p:spTree>
     <p:extLst>
       <p:ext uri="{BB962C8B-B14F-4D97-AF65-F5344CB8AC3E}">
-        <p14:creationId xmlns:p14="http://schemas.microsoft.com/office/powerpoint/2010/main" val="240451693"/>
+        <p14:creationId xmlns:p14="http://schemas.microsoft.com/office/powerpoint/2010/main" val="3189261874"/>
       </p:ext>
     </p:extLst>
   </p:cSld>
@@ -13164,7 +16416,7 @@
       </p:grpSpPr>
       <p:sp>
         <p:nvSpPr>
-          <p:cNvPr id="2" name="Заголовок 1"/>
+          <p:cNvPr id="3" name="Заголовок 1"/>
           <p:cNvSpPr>
             <a:spLocks noGrp="1"/>
           </p:cNvSpPr>
@@ -13177,14 +16429,94 @@
           <a:bodyPr/>
           <a:lstStyle/>
           <a:p>
-            <a:endParaRPr lang="en-US"/>
+            <a:pPr algn="ctr"/>
+            <a:r>
+              <a:rPr lang="uk-UA" dirty="0" smtClean="0"/>
+              <a:t>Опис Роботи </a:t>
+            </a:r>
+            <a:r>
+              <a:rPr lang="uk-UA" dirty="0" smtClean="0"/>
+              <a:t>програмного </a:t>
+            </a:r>
+            <a:r>
+              <a:rPr lang="uk-UA" dirty="0" smtClean="0"/>
+              <a:t>додатку </a:t>
+            </a:r>
+            <a:endParaRPr lang="en-US" dirty="0"/>
+          </a:p>
+        </p:txBody>
+      </p:sp>
+      <p:pic>
+        <p:nvPicPr>
+          <p:cNvPr id="4" name="Рисунок 3"/>
+          <p:cNvPicPr>
+            <a:picLocks noChangeAspect="1"/>
+          </p:cNvPicPr>
+          <p:nvPr/>
+        </p:nvPicPr>
+        <p:blipFill>
+          <a:blip r:embed="rId2"/>
+          <a:stretch>
+            <a:fillRect/>
+          </a:stretch>
+        </p:blipFill>
+        <p:spPr>
+          <a:xfrm>
+            <a:off x="3675062" y="1739900"/>
+            <a:ext cx="8279545" cy="4927600"/>
+          </a:xfrm>
+          <a:prstGeom prst="rect">
+            <a:avLst/>
+          </a:prstGeom>
+        </p:spPr>
+      </p:pic>
+      <p:sp>
+        <p:nvSpPr>
+          <p:cNvPr id="5" name="TextBox 4"/>
+          <p:cNvSpPr txBox="1"/>
+          <p:nvPr/>
+        </p:nvSpPr>
+        <p:spPr>
+          <a:xfrm>
+            <a:off x="214906" y="2883383"/>
+            <a:ext cx="3460157" cy="369332"/>
+          </a:xfrm>
+          <a:prstGeom prst="rect">
+            <a:avLst/>
+          </a:prstGeom>
+          <a:noFill/>
+        </p:spPr>
+        <p:txBody>
+          <a:bodyPr wrap="square" rtlCol="0">
+            <a:spAutoFit/>
+          </a:bodyPr>
+          <a:lstStyle/>
+          <a:p>
+            <a:pPr marL="285750" indent="-285750">
+              <a:buClr>
+                <a:schemeClr val="tx2"/>
+              </a:buClr>
+              <a:buFont typeface="Wingdings" panose="05000000000000000000" pitchFamily="2" charset="2"/>
+              <a:buChar char="q"/>
+            </a:pPr>
+            <a:r>
+              <a:rPr lang="uk-UA" dirty="0" smtClean="0"/>
+              <a:t>Папоротник </a:t>
+            </a:r>
+            <a:r>
+              <a:rPr lang="uk-UA" dirty="0" err="1" smtClean="0"/>
+              <a:t>Барслі</a:t>
+            </a:r>
+            <a:endParaRPr lang="en-US" dirty="0">
+              <a:latin typeface="Lucida Sans" panose="020B0602030504020204" pitchFamily="34" charset="0"/>
+            </a:endParaRPr>
           </a:p>
         </p:txBody>
       </p:sp>
     </p:spTree>
     <p:extLst>
       <p:ext uri="{BB962C8B-B14F-4D97-AF65-F5344CB8AC3E}">
-        <p14:creationId xmlns:p14="http://schemas.microsoft.com/office/powerpoint/2010/main" val="3189261874"/>
+        <p14:creationId xmlns:p14="http://schemas.microsoft.com/office/powerpoint/2010/main" val="240451693"/>
       </p:ext>
     </p:extLst>
   </p:cSld>
@@ -13220,6 +16552,146 @@
       </p:grpSpPr>
       <p:sp>
         <p:nvSpPr>
+          <p:cNvPr id="3" name="Заголовок 1"/>
+          <p:cNvSpPr>
+            <a:spLocks noGrp="1"/>
+          </p:cNvSpPr>
+          <p:nvPr>
+            <p:ph type="title"/>
+          </p:nvPr>
+        </p:nvSpPr>
+        <p:spPr/>
+        <p:txBody>
+          <a:bodyPr/>
+          <a:lstStyle/>
+          <a:p>
+            <a:pPr algn="ctr"/>
+            <a:r>
+              <a:rPr lang="uk-UA" dirty="0" smtClean="0"/>
+              <a:t>Опис Роботи </a:t>
+            </a:r>
+            <a:r>
+              <a:rPr lang="uk-UA" dirty="0" smtClean="0"/>
+              <a:t>програмного </a:t>
+            </a:r>
+            <a:r>
+              <a:rPr lang="uk-UA" dirty="0" smtClean="0"/>
+              <a:t>додатку </a:t>
+            </a:r>
+            <a:endParaRPr lang="en-US" dirty="0"/>
+          </a:p>
+        </p:txBody>
+      </p:sp>
+      <p:sp>
+        <p:nvSpPr>
+          <p:cNvPr id="4" name="TextBox 3"/>
+          <p:cNvSpPr txBox="1"/>
+          <p:nvPr/>
+        </p:nvSpPr>
+        <p:spPr>
+          <a:xfrm>
+            <a:off x="214906" y="2883383"/>
+            <a:ext cx="3460157" cy="369332"/>
+          </a:xfrm>
+          <a:prstGeom prst="rect">
+            <a:avLst/>
+          </a:prstGeom>
+          <a:noFill/>
+        </p:spPr>
+        <p:txBody>
+          <a:bodyPr wrap="square" rtlCol="0">
+            <a:spAutoFit/>
+          </a:bodyPr>
+          <a:lstStyle/>
+          <a:p>
+            <a:pPr marL="285750" indent="-285750">
+              <a:buClr>
+                <a:schemeClr val="tx2"/>
+              </a:buClr>
+              <a:buFont typeface="Wingdings" panose="05000000000000000000" pitchFamily="2" charset="2"/>
+              <a:buChar char="q"/>
+            </a:pPr>
+            <a:r>
+              <a:rPr lang="uk-UA" dirty="0"/>
+              <a:t>К</a:t>
+            </a:r>
+            <a:r>
+              <a:rPr lang="uk-UA" dirty="0" smtClean="0"/>
+              <a:t>рива </a:t>
+            </a:r>
+            <a:r>
+              <a:rPr lang="uk-UA" dirty="0" err="1"/>
+              <a:t>Хартера-Хейтуея</a:t>
+            </a:r>
+            <a:endParaRPr lang="en-US" dirty="0">
+              <a:latin typeface="Lucida Sans" panose="020B0602030504020204" pitchFamily="34" charset="0"/>
+            </a:endParaRPr>
+          </a:p>
+        </p:txBody>
+      </p:sp>
+      <p:pic>
+        <p:nvPicPr>
+          <p:cNvPr id="2" name="Рисунок 1"/>
+          <p:cNvPicPr>
+            <a:picLocks noChangeAspect="1"/>
+          </p:cNvPicPr>
+          <p:nvPr/>
+        </p:nvPicPr>
+        <p:blipFill>
+          <a:blip r:embed="rId2"/>
+          <a:stretch>
+            <a:fillRect/>
+          </a:stretch>
+        </p:blipFill>
+        <p:spPr>
+          <a:xfrm>
+            <a:off x="3675063" y="1762124"/>
+            <a:ext cx="8299223" cy="4885419"/>
+          </a:xfrm>
+          <a:prstGeom prst="rect">
+            <a:avLst/>
+          </a:prstGeom>
+        </p:spPr>
+      </p:pic>
+    </p:spTree>
+    <p:extLst>
+      <p:ext uri="{BB962C8B-B14F-4D97-AF65-F5344CB8AC3E}">
+        <p14:creationId xmlns:p14="http://schemas.microsoft.com/office/powerpoint/2010/main" val="149487119"/>
+      </p:ext>
+    </p:extLst>
+  </p:cSld>
+  <p:clrMapOvr>
+    <a:masterClrMapping/>
+  </p:clrMapOvr>
+  <p:timing>
+    <p:tnLst>
+      <p:par>
+        <p:cTn id="1" dur="indefinite" restart="never" nodeType="tmRoot"/>
+      </p:par>
+    </p:tnLst>
+  </p:timing>
+</p:sld>
+</file>
+
+<file path=ppt/slides/slide13.xml><?xml version="1.0" encoding="utf-8"?>
+<p:sld xmlns:a="http://schemas.openxmlformats.org/drawingml/2006/main" xmlns:r="http://schemas.openxmlformats.org/officeDocument/2006/relationships" xmlns:p="http://schemas.openxmlformats.org/presentationml/2006/main">
+  <p:cSld>
+    <p:spTree>
+      <p:nvGrpSpPr>
+        <p:cNvPr id="1" name=""/>
+        <p:cNvGrpSpPr/>
+        <p:nvPr/>
+      </p:nvGrpSpPr>
+      <p:grpSpPr>
+        <a:xfrm>
+          <a:off x="0" y="0"/>
+          <a:ext cx="0" cy="0"/>
+          <a:chOff x="0" y="0"/>
+          <a:chExt cx="0" cy="0"/>
+        </a:xfrm>
+      </p:grpSpPr>
+      <p:sp>
+        <p:nvSpPr>
           <p:cNvPr id="2" name="Заголовок 1"/>
           <p:cNvSpPr>
             <a:spLocks noGrp="1"/>
@@ -13264,9 +16736,12 @@
           </a:bodyPr>
           <a:lstStyle/>
           <a:p>
-            <a:pPr marL="285750" indent="-285750">
-              <a:buFont typeface="Arial" panose="020B0604020202020204" pitchFamily="34" charset="0"/>
-              <a:buChar char="•"/>
+            <a:pPr marL="342900" indent="-342900">
+              <a:buClr>
+                <a:schemeClr val="tx2"/>
+              </a:buClr>
+              <a:buFont typeface="Wingdings" panose="05000000000000000000" pitchFamily="2" charset="2"/>
+              <a:buChar char="q"/>
             </a:pPr>
             <a:r>
               <a:rPr lang="uk-UA" sz="2400" dirty="0" smtClean="0">
@@ -13315,12 +16790,15 @@
             </a:endParaRPr>
           </a:p>
           <a:p>
-            <a:pPr marL="285750" indent="-285750">
+            <a:pPr marL="342900" indent="-342900">
               <a:spcBef>
                 <a:spcPts val="600"/>
               </a:spcBef>
-              <a:buFont typeface="Arial" panose="020B0604020202020204" pitchFamily="34" charset="0"/>
-              <a:buChar char="•"/>
+              <a:buClr>
+                <a:schemeClr val="tx2"/>
+              </a:buClr>
+              <a:buFont typeface="Wingdings" panose="05000000000000000000" pitchFamily="2" charset="2"/>
+              <a:buChar char="q"/>
             </a:pPr>
             <a:r>
               <a:rPr lang="ru-RU" sz="2400" dirty="0" err="1" smtClean="0">
@@ -13402,12 +16880,15 @@
             </a:r>
           </a:p>
           <a:p>
-            <a:pPr marL="285750" indent="-285750">
+            <a:pPr marL="342900" indent="-342900">
               <a:spcBef>
                 <a:spcPts val="600"/>
               </a:spcBef>
-              <a:buFont typeface="Arial" panose="020B0604020202020204" pitchFamily="34" charset="0"/>
-              <a:buChar char="•"/>
+              <a:buClr>
+                <a:schemeClr val="tx2"/>
+              </a:buClr>
+              <a:buFont typeface="Wingdings" panose="05000000000000000000" pitchFamily="2" charset="2"/>
+              <a:buChar char="q"/>
             </a:pPr>
             <a:r>
               <a:rPr lang="uk-UA" sz="2400" dirty="0" smtClean="0">
@@ -13429,12 +16910,15 @@
             </a:r>
           </a:p>
           <a:p>
-            <a:pPr marL="285750" indent="-285750">
+            <a:pPr marL="342900" indent="-342900">
               <a:spcBef>
                 <a:spcPts val="600"/>
               </a:spcBef>
-              <a:buFont typeface="Arial" panose="020B0604020202020204" pitchFamily="34" charset="0"/>
-              <a:buChar char="•"/>
+              <a:buClr>
+                <a:schemeClr val="tx2"/>
+              </a:buClr>
+              <a:buFont typeface="Wingdings" panose="05000000000000000000" pitchFamily="2" charset="2"/>
+              <a:buChar char="q"/>
             </a:pPr>
             <a:r>
               <a:rPr lang="uk-UA" sz="2400" dirty="0">
@@ -13449,22 +16933,16 @@
               <a:t>осягнуто мети</a:t>
             </a:r>
             <a:r>
-              <a:rPr lang="en-US" sz="2400" smtClean="0">
+              <a:rPr lang="en-US" sz="2400" dirty="0" smtClean="0">
                 <a:latin typeface="Lucida Sans" panose="020B0602030504020204" pitchFamily="34" charset="0"/>
               </a:rPr>
               <a:t> -</a:t>
             </a:r>
             <a:r>
-              <a:rPr lang="uk-UA" sz="2400" smtClean="0">
-                <a:latin typeface="Lucida Sans" panose="020B0602030504020204" pitchFamily="34" charset="0"/>
-              </a:rPr>
-              <a:t> створено </a:t>
-            </a:r>
-            <a:r>
               <a:rPr lang="uk-UA" sz="2400" dirty="0" smtClean="0">
                 <a:latin typeface="Lucida Sans" panose="020B0602030504020204" pitchFamily="34" charset="0"/>
               </a:rPr>
-              <a:t>повноцінний програмний додаток, який має змогу будувати </a:t>
+              <a:t> створено повноцінний програмний додаток, який має змогу будувати </a:t>
             </a:r>
             <a:r>
               <a:rPr lang="uk-UA" sz="2400" dirty="0" err="1" smtClean="0">
@@ -13522,7 +17000,7 @@
 </p:sld>
 </file>
 
-<file path=ppt/slides/slide13.xml><?xml version="1.0" encoding="utf-8"?>
+<file path=ppt/slides/slide14.xml><?xml version="1.0" encoding="utf-8"?>
 <p:sld xmlns:a="http://schemas.openxmlformats.org/drawingml/2006/main" xmlns:r="http://schemas.openxmlformats.org/officeDocument/2006/relationships" xmlns:p="http://schemas.openxmlformats.org/presentationml/2006/main">
   <p:cSld>
     <p:spTree>
@@ -13660,9 +17138,12 @@
           </a:bodyPr>
           <a:lstStyle/>
           <a:p>
-            <a:pPr marL="285750" indent="-285750">
-              <a:buFont typeface="Arial" panose="020B0604020202020204" pitchFamily="34" charset="0"/>
-              <a:buChar char="•"/>
+            <a:pPr marL="342900" indent="-342900">
+              <a:buClr>
+                <a:schemeClr val="tx2"/>
+              </a:buClr>
+              <a:buFont typeface="Wingdings" panose="05000000000000000000" pitchFamily="2" charset="2"/>
+              <a:buChar char="q"/>
             </a:pPr>
             <a:r>
               <a:rPr lang="uk-UA" sz="2400" dirty="0" smtClean="0"/>
@@ -13670,12 +17151,22 @@
             </a:r>
           </a:p>
           <a:p>
+            <a:pPr marL="342900" indent="-342900">
+              <a:buClr>
+                <a:schemeClr val="tx2"/>
+              </a:buClr>
+              <a:buFont typeface="Wingdings" panose="05000000000000000000" pitchFamily="2" charset="2"/>
+              <a:buChar char="q"/>
+            </a:pPr>
             <a:endParaRPr lang="uk-UA" sz="2400" dirty="0" smtClean="0"/>
           </a:p>
           <a:p>
-            <a:pPr marL="285750" indent="-285750">
-              <a:buFont typeface="Arial" panose="020B0604020202020204" pitchFamily="34" charset="0"/>
-              <a:buChar char="•"/>
+            <a:pPr marL="342900" indent="-342900">
+              <a:buClr>
+                <a:schemeClr val="tx2"/>
+              </a:buClr>
+              <a:buFont typeface="Wingdings" panose="05000000000000000000" pitchFamily="2" charset="2"/>
+              <a:buChar char="q"/>
             </a:pPr>
             <a:r>
               <a:rPr lang="uk-UA" sz="2400" dirty="0" smtClean="0"/>
@@ -13683,12 +17174,22 @@
             </a:r>
           </a:p>
           <a:p>
+            <a:pPr marL="342900" indent="-342900">
+              <a:buClr>
+                <a:schemeClr val="tx2"/>
+              </a:buClr>
+              <a:buFont typeface="Wingdings" panose="05000000000000000000" pitchFamily="2" charset="2"/>
+              <a:buChar char="q"/>
+            </a:pPr>
             <a:endParaRPr lang="uk-UA" sz="2400" dirty="0" smtClean="0"/>
           </a:p>
           <a:p>
-            <a:pPr marL="285750" indent="-285750">
-              <a:buFont typeface="Arial" panose="020B0604020202020204" pitchFamily="34" charset="0"/>
-              <a:buChar char="•"/>
+            <a:pPr marL="342900" indent="-342900">
+              <a:buClr>
+                <a:schemeClr val="tx2"/>
+              </a:buClr>
+              <a:buFont typeface="Wingdings" panose="05000000000000000000" pitchFamily="2" charset="2"/>
+              <a:buChar char="q"/>
             </a:pPr>
             <a:r>
               <a:rPr lang="uk-UA" sz="2400" dirty="0" smtClean="0"/>
@@ -15240,7 +18741,7 @@
         </p:nvSpPr>
         <p:spPr>
           <a:xfrm>
-            <a:off x="6190984" y="2097088"/>
+            <a:off x="6190985" y="2097088"/>
             <a:ext cx="3731949" cy="2034645"/>
           </a:xfrm>
           <a:prstGeom prst="rect">
@@ -15574,14 +19075,93 @@
           <a:bodyPr/>
           <a:lstStyle/>
           <a:p>
-            <a:endParaRPr lang="en-US"/>
+            <a:pPr algn="ctr"/>
+            <a:r>
+              <a:rPr lang="uk-UA" dirty="0" smtClean="0"/>
+              <a:t>Загальна схема роботи програми</a:t>
+            </a:r>
+            <a:endParaRPr lang="en-US" dirty="0"/>
+          </a:p>
+        </p:txBody>
+      </p:sp>
+      <p:graphicFrame>
+        <p:nvGraphicFramePr>
+          <p:cNvPr id="5" name="Схема 4"/>
+          <p:cNvGraphicFramePr/>
+          <p:nvPr>
+            <p:extLst>
+              <p:ext uri="{D42A27DB-BD31-4B8C-83A1-F6EECF244321}">
+                <p14:modId xmlns:p14="http://schemas.microsoft.com/office/powerpoint/2010/main" val="809788759"/>
+              </p:ext>
+            </p:extLst>
+          </p:nvPr>
+        </p:nvGraphicFramePr>
+        <p:xfrm>
+          <a:off x="1014412" y="1084637"/>
+          <a:ext cx="10160000" cy="5782281"/>
+        </p:xfrm>
+        <a:graphic>
+          <a:graphicData uri="http://schemas.openxmlformats.org/drawingml/2006/diagram">
+            <dgm:relIds xmlns:dgm="http://schemas.openxmlformats.org/drawingml/2006/diagram" xmlns:r="http://schemas.openxmlformats.org/officeDocument/2006/relationships" r:dm="rId2" r:lo="rId3" r:qs="rId4" r:cs="rId5"/>
+          </a:graphicData>
+        </a:graphic>
+      </p:graphicFrame>
+      <p:sp>
+        <p:nvSpPr>
+          <p:cNvPr id="12" name="Выгнутая вверх стрелка 11"/>
+          <p:cNvSpPr/>
+          <p:nvPr/>
+        </p:nvSpPr>
+        <p:spPr>
+          <a:xfrm flipH="1">
+            <a:off x="1770742" y="2423885"/>
+            <a:ext cx="7155543" cy="1103085"/>
+          </a:xfrm>
+          <a:prstGeom prst="curvedDownArrow">
+            <a:avLst/>
+          </a:prstGeom>
+          <a:solidFill>
+            <a:schemeClr val="tx2"/>
+          </a:solidFill>
+          <a:ln>
+            <a:solidFill>
+              <a:schemeClr val="tx2"/>
+            </a:solidFill>
+          </a:ln>
+        </p:spPr>
+        <p:style>
+          <a:lnRef idx="2">
+            <a:schemeClr val="accent1">
+              <a:shade val="50000"/>
+            </a:schemeClr>
+          </a:lnRef>
+          <a:fillRef idx="1">
+            <a:schemeClr val="accent1"/>
+          </a:fillRef>
+          <a:effectRef idx="0">
+            <a:schemeClr val="accent1"/>
+          </a:effectRef>
+          <a:fontRef idx="minor">
+            <a:schemeClr val="lt1"/>
+          </a:fontRef>
+        </p:style>
+        <p:txBody>
+          <a:bodyPr rtlCol="0" anchor="ctr"/>
+          <a:lstStyle/>
+          <a:p>
+            <a:pPr algn="ctr"/>
+            <a:endParaRPr lang="en-US">
+              <a:solidFill>
+                <a:schemeClr val="tx1"/>
+              </a:solidFill>
+            </a:endParaRPr>
           </a:p>
         </p:txBody>
       </p:sp>
     </p:spTree>
     <p:extLst>
       <p:ext uri="{BB962C8B-B14F-4D97-AF65-F5344CB8AC3E}">
-        <p14:creationId xmlns:p14="http://schemas.microsoft.com/office/powerpoint/2010/main" val="1187357710"/>
+        <p14:creationId xmlns:p14="http://schemas.microsoft.com/office/powerpoint/2010/main" val="1767708575"/>
       </p:ext>
     </p:extLst>
   </p:cSld>
@@ -15663,7 +19243,7 @@
         </p:nvSpPr>
         <p:spPr>
           <a:xfrm>
-            <a:off x="626532" y="1758421"/>
+            <a:off x="626532" y="1357803"/>
             <a:ext cx="4656668" cy="1200329"/>
           </a:xfrm>
           <a:prstGeom prst="rect">
@@ -15732,26 +19312,31 @@
       </p:sp>
       <p:pic>
         <p:nvPicPr>
-          <p:cNvPr id="4" name="Рисунок 3"/>
-          <p:cNvPicPr>
-            <a:picLocks noChangeAspect="1"/>
-          </p:cNvPicPr>
+          <p:cNvPr id="6" name="Рисунок 5"/>
+          <p:cNvPicPr/>
           <p:nvPr/>
         </p:nvPicPr>
-        <p:blipFill>
+        <p:blipFill rotWithShape="1">
           <a:blip r:embed="rId2"/>
-          <a:stretch>
-            <a:fillRect/>
-          </a:stretch>
+          <a:srcRect l="73083" t="14810" b="35708"/>
+          <a:stretch/>
         </p:blipFill>
-        <p:spPr>
+        <p:spPr bwMode="auto">
           <a:xfrm>
-            <a:off x="626532" y="2958750"/>
-            <a:ext cx="7315201" cy="3696050"/>
+            <a:off x="8835602" y="2097088"/>
+            <a:ext cx="3260604" cy="4760912"/>
           </a:xfrm>
           <a:prstGeom prst="rect">
             <a:avLst/>
           </a:prstGeom>
+          <a:ln>
+            <a:noFill/>
+          </a:ln>
+          <a:extLst>
+            <a:ext uri="{53640926-AAD7-44D8-BBD7-CCE9431645EC}">
+              <a14:shadowObscured xmlns:a14="http://schemas.microsoft.com/office/drawing/2010/main"/>
+            </a:ext>
+          </a:extLst>
         </p:spPr>
       </p:pic>
       <p:pic>
@@ -15762,16 +19347,15 @@
           </p:cNvPicPr>
           <p:nvPr/>
         </p:nvPicPr>
-        <p:blipFill>
+        <p:blipFill rotWithShape="1">
           <a:blip r:embed="rId3"/>
-          <a:stretch>
-            <a:fillRect/>
-          </a:stretch>
+          <a:srcRect l="3504" t="12595" r="25207" b="9499"/>
+          <a:stretch/>
         </p:blipFill>
         <p:spPr>
           <a:xfrm>
-            <a:off x="8887883" y="2266421"/>
-            <a:ext cx="3100917" cy="4388379"/>
+            <a:off x="626532" y="2558132"/>
+            <a:ext cx="7584018" cy="4277483"/>
           </a:xfrm>
           <a:prstGeom prst="rect">
             <a:avLst/>
@@ -15817,7 +19401,7 @@
       </p:grpSpPr>
       <p:sp>
         <p:nvSpPr>
-          <p:cNvPr id="2" name="Заголовок 1"/>
+          <p:cNvPr id="4" name="Заголовок 1"/>
           <p:cNvSpPr>
             <a:spLocks noGrp="1"/>
           </p:cNvSpPr>
@@ -15830,7 +19414,87 @@
           <a:bodyPr/>
           <a:lstStyle/>
           <a:p>
+            <a:pPr algn="ctr"/>
+            <a:r>
+              <a:rPr lang="uk-UA" dirty="0" smtClean="0"/>
+              <a:t>Опис Роботи </a:t>
+            </a:r>
+            <a:r>
+              <a:rPr lang="uk-UA" dirty="0" smtClean="0"/>
+              <a:t>програмного </a:t>
+            </a:r>
+            <a:r>
+              <a:rPr lang="uk-UA" dirty="0" smtClean="0"/>
+              <a:t>додатку </a:t>
+            </a:r>
             <a:endParaRPr lang="en-US" dirty="0"/>
+          </a:p>
+        </p:txBody>
+      </p:sp>
+      <p:pic>
+        <p:nvPicPr>
+          <p:cNvPr id="6" name="Рисунок 5"/>
+          <p:cNvPicPr>
+            <a:picLocks noChangeAspect="1"/>
+          </p:cNvPicPr>
+          <p:nvPr/>
+        </p:nvPicPr>
+        <p:blipFill>
+          <a:blip r:embed="rId2"/>
+          <a:stretch>
+            <a:fillRect/>
+          </a:stretch>
+        </p:blipFill>
+        <p:spPr>
+          <a:xfrm>
+            <a:off x="3675063" y="1752600"/>
+            <a:ext cx="8298856" cy="4972050"/>
+          </a:xfrm>
+          <a:prstGeom prst="rect">
+            <a:avLst/>
+          </a:prstGeom>
+        </p:spPr>
+      </p:pic>
+      <p:sp>
+        <p:nvSpPr>
+          <p:cNvPr id="2" name="TextBox 1"/>
+          <p:cNvSpPr txBox="1"/>
+          <p:nvPr/>
+        </p:nvSpPr>
+        <p:spPr>
+          <a:xfrm>
+            <a:off x="214906" y="2883383"/>
+            <a:ext cx="3460157" cy="369332"/>
+          </a:xfrm>
+          <a:prstGeom prst="rect">
+            <a:avLst/>
+          </a:prstGeom>
+          <a:noFill/>
+        </p:spPr>
+        <p:txBody>
+          <a:bodyPr wrap="square" rtlCol="0">
+            <a:spAutoFit/>
+          </a:bodyPr>
+          <a:lstStyle/>
+          <a:p>
+            <a:pPr marL="285750" indent="-285750">
+              <a:buClr>
+                <a:schemeClr val="tx2"/>
+              </a:buClr>
+              <a:buFont typeface="Wingdings" panose="05000000000000000000" pitchFamily="2" charset="2"/>
+              <a:buChar char="q"/>
+            </a:pPr>
+            <a:r>
+              <a:rPr lang="uk-UA" dirty="0" smtClean="0"/>
+              <a:t>Множина </a:t>
+            </a:r>
+            <a:r>
+              <a:rPr lang="uk-UA" dirty="0" err="1" smtClean="0"/>
+              <a:t>Мандельброта</a:t>
+            </a:r>
+            <a:endParaRPr lang="en-US" dirty="0">
+              <a:latin typeface="Lucida Sans" panose="020B0602030504020204" pitchFamily="34" charset="0"/>
+            </a:endParaRPr>
           </a:p>
         </p:txBody>
       </p:sp>

--- a/Курсова презентація.pptx
+++ b/Курсова презентація.pptx
@@ -1271,10 +1271,24 @@
     <dgm:pt modelId="{DB7DE445-F31A-43C0-8268-AE9485DA3D49}" type="pres">
       <dgm:prSet presAssocID="{D5D8F746-9AE8-4516-AB79-A32BA7DFFCDE}" presName="sibTrans" presStyleLbl="sibTrans2D1" presStyleIdx="0" presStyleCnt="4"/>
       <dgm:spPr/>
+      <dgm:t>
+        <a:bodyPr/>
+        <a:lstStyle/>
+        <a:p>
+          <a:endParaRPr lang="ru-RU"/>
+        </a:p>
+      </dgm:t>
     </dgm:pt>
     <dgm:pt modelId="{74416D1C-92CE-4460-BC26-DD9022219D7A}" type="pres">
       <dgm:prSet presAssocID="{D5D8F746-9AE8-4516-AB79-A32BA7DFFCDE}" presName="connectorText" presStyleLbl="sibTrans2D1" presStyleIdx="0" presStyleCnt="4"/>
       <dgm:spPr/>
+      <dgm:t>
+        <a:bodyPr/>
+        <a:lstStyle/>
+        <a:p>
+          <a:endParaRPr lang="ru-RU"/>
+        </a:p>
+      </dgm:t>
     </dgm:pt>
     <dgm:pt modelId="{03D126FB-4628-4191-B59E-1BDA227467BF}" type="pres">
       <dgm:prSet presAssocID="{2A8E393C-F492-402C-B022-FC1844A03498}" presName="node" presStyleLbl="node1" presStyleIdx="1" presStyleCnt="5" custScaleX="163229">
@@ -1294,10 +1308,24 @@
     <dgm:pt modelId="{92C6D1A0-B81B-42F6-926F-A99A6AB8551E}" type="pres">
       <dgm:prSet presAssocID="{8D075D66-C8EA-4F5F-A76F-24B53F7095EC}" presName="sibTrans" presStyleLbl="sibTrans2D1" presStyleIdx="1" presStyleCnt="4"/>
       <dgm:spPr/>
+      <dgm:t>
+        <a:bodyPr/>
+        <a:lstStyle/>
+        <a:p>
+          <a:endParaRPr lang="ru-RU"/>
+        </a:p>
+      </dgm:t>
     </dgm:pt>
     <dgm:pt modelId="{83809356-5682-493E-9E0F-37380DA73B37}" type="pres">
       <dgm:prSet presAssocID="{8D075D66-C8EA-4F5F-A76F-24B53F7095EC}" presName="connectorText" presStyleLbl="sibTrans2D1" presStyleIdx="1" presStyleCnt="4"/>
       <dgm:spPr/>
+      <dgm:t>
+        <a:bodyPr/>
+        <a:lstStyle/>
+        <a:p>
+          <a:endParaRPr lang="ru-RU"/>
+        </a:p>
+      </dgm:t>
     </dgm:pt>
     <dgm:pt modelId="{E030E24D-B462-4CCE-B8FA-1BA5EFE3B135}" type="pres">
       <dgm:prSet presAssocID="{149A1D20-FC1D-4A10-8895-80DEF6E8DE3D}" presName="node" presStyleLbl="node1" presStyleIdx="2" presStyleCnt="5" custScaleX="153135">
@@ -1317,10 +1345,24 @@
     <dgm:pt modelId="{926170B6-45A2-4A72-8877-3002EFE89EDF}" type="pres">
       <dgm:prSet presAssocID="{B28A7960-66DA-46C4-A582-0D111288CC10}" presName="sibTrans" presStyleLbl="sibTrans2D1" presStyleIdx="2" presStyleCnt="4"/>
       <dgm:spPr/>
+      <dgm:t>
+        <a:bodyPr/>
+        <a:lstStyle/>
+        <a:p>
+          <a:endParaRPr lang="ru-RU"/>
+        </a:p>
+      </dgm:t>
     </dgm:pt>
     <dgm:pt modelId="{5AD84ED2-D43A-475A-A8A9-5983C6B6969A}" type="pres">
       <dgm:prSet presAssocID="{B28A7960-66DA-46C4-A582-0D111288CC10}" presName="connectorText" presStyleLbl="sibTrans2D1" presStyleIdx="2" presStyleCnt="4"/>
       <dgm:spPr/>
+      <dgm:t>
+        <a:bodyPr/>
+        <a:lstStyle/>
+        <a:p>
+          <a:endParaRPr lang="ru-RU"/>
+        </a:p>
+      </dgm:t>
     </dgm:pt>
     <dgm:pt modelId="{CF6047D4-71EB-4780-9933-A62144D3A60C}" type="pres">
       <dgm:prSet presAssocID="{5218F29E-FF57-476F-A83E-8524C70A288D}" presName="node" presStyleLbl="node1" presStyleIdx="3" presStyleCnt="5">
@@ -1340,10 +1382,24 @@
     <dgm:pt modelId="{ADD842C3-8EB6-461E-9527-46C5B01372D4}" type="pres">
       <dgm:prSet presAssocID="{7F5CA681-746D-40F7-AA66-1708B724F168}" presName="sibTrans" presStyleLbl="sibTrans2D1" presStyleIdx="3" presStyleCnt="4"/>
       <dgm:spPr/>
+      <dgm:t>
+        <a:bodyPr/>
+        <a:lstStyle/>
+        <a:p>
+          <a:endParaRPr lang="ru-RU"/>
+        </a:p>
+      </dgm:t>
     </dgm:pt>
     <dgm:pt modelId="{09EF3B8B-EE34-409D-8258-FF05D75EA8C4}" type="pres">
       <dgm:prSet presAssocID="{7F5CA681-746D-40F7-AA66-1708B724F168}" presName="connectorText" presStyleLbl="sibTrans2D1" presStyleIdx="3" presStyleCnt="4"/>
       <dgm:spPr/>
+      <dgm:t>
+        <a:bodyPr/>
+        <a:lstStyle/>
+        <a:p>
+          <a:endParaRPr lang="ru-RU"/>
+        </a:p>
+      </dgm:t>
     </dgm:pt>
     <dgm:pt modelId="{9ECA4567-4F1C-4EDD-A33B-7FFB637CF955}" type="pres">
       <dgm:prSet presAssocID="{9A3BB55D-E1D0-4856-970B-861DF9937A2D}" presName="node" presStyleLbl="node1" presStyleIdx="4" presStyleCnt="5">
@@ -1352,28 +1408,35 @@
         </dgm:presLayoutVars>
       </dgm:prSet>
       <dgm:spPr/>
+      <dgm:t>
+        <a:bodyPr/>
+        <a:lstStyle/>
+        <a:p>
+          <a:endParaRPr lang="ru-RU"/>
+        </a:p>
+      </dgm:t>
     </dgm:pt>
   </dgm:ptLst>
   <dgm:cxnLst>
+    <dgm:cxn modelId="{E2D997F4-B2C6-4E5C-A33C-56F821B0A03C}" type="presOf" srcId="{BBFBB245-3D3E-43F2-9C9E-DB83DEF11C03}" destId="{0FBF69D3-5BC6-4266-92A2-1B75EDC0309C}" srcOrd="0" destOrd="0" presId="urn:microsoft.com/office/officeart/2005/8/layout/process1"/>
+    <dgm:cxn modelId="{9806726A-DCFA-4AC4-A63B-86BB159A6A04}" type="presOf" srcId="{9A3BB55D-E1D0-4856-970B-861DF9937A2D}" destId="{9ECA4567-4F1C-4EDD-A33B-7FFB637CF955}" srcOrd="0" destOrd="0" presId="urn:microsoft.com/office/officeart/2005/8/layout/process1"/>
+    <dgm:cxn modelId="{F1AF6D02-1B13-4FCA-A1B7-BB85205D67C8}" type="presOf" srcId="{B28A7960-66DA-46C4-A582-0D111288CC10}" destId="{5AD84ED2-D43A-475A-A8A9-5983C6B6969A}" srcOrd="1" destOrd="0" presId="urn:microsoft.com/office/officeart/2005/8/layout/process1"/>
+    <dgm:cxn modelId="{8D919B42-5A77-4A6E-94D1-136B809ABF99}" type="presOf" srcId="{B28A7960-66DA-46C4-A582-0D111288CC10}" destId="{926170B6-45A2-4A72-8877-3002EFE89EDF}" srcOrd="0" destOrd="0" presId="urn:microsoft.com/office/officeart/2005/8/layout/process1"/>
+    <dgm:cxn modelId="{9A9EBD36-04C8-40C1-85E6-4BA69424E426}" type="presOf" srcId="{149A1D20-FC1D-4A10-8895-80DEF6E8DE3D}" destId="{E030E24D-B462-4CCE-B8FA-1BA5EFE3B135}" srcOrd="0" destOrd="0" presId="urn:microsoft.com/office/officeart/2005/8/layout/process1"/>
+    <dgm:cxn modelId="{EBB64B3C-CC46-45FC-9C5E-C3A34C35CB95}" type="presOf" srcId="{2A8E393C-F492-402C-B022-FC1844A03498}" destId="{03D126FB-4628-4191-B59E-1BDA227467BF}" srcOrd="0" destOrd="0" presId="urn:microsoft.com/office/officeart/2005/8/layout/process1"/>
     <dgm:cxn modelId="{D26E1046-65F5-4A86-84CE-7D2F14F35E95}" srcId="{BBFBB245-3D3E-43F2-9C9E-DB83DEF11C03}" destId="{2A8E393C-F492-402C-B022-FC1844A03498}" srcOrd="1" destOrd="0" parTransId="{6EBBB4F3-3A58-4B55-B41C-70F3CFA5A297}" sibTransId="{8D075D66-C8EA-4F5F-A76F-24B53F7095EC}"/>
     <dgm:cxn modelId="{3084CD8B-17F3-4795-AA40-484A88B72C7D}" type="presOf" srcId="{7F5CA681-746D-40F7-AA66-1708B724F168}" destId="{09EF3B8B-EE34-409D-8258-FF05D75EA8C4}" srcOrd="1" destOrd="0" presId="urn:microsoft.com/office/officeart/2005/8/layout/process1"/>
+    <dgm:cxn modelId="{975438EA-7D86-444F-A2F1-C04D4AF86AE2}" srcId="{BBFBB245-3D3E-43F2-9C9E-DB83DEF11C03}" destId="{EC1316E2-A7B4-4993-A4F4-7A94A0A7C95E}" srcOrd="0" destOrd="0" parTransId="{61D85259-EE0E-49AF-AD0E-825B9BC0C348}" sibTransId="{D5D8F746-9AE8-4516-AB79-A32BA7DFFCDE}"/>
+    <dgm:cxn modelId="{E9D6759F-1561-49E7-90C1-D538B6A8CB92}" type="presOf" srcId="{8D075D66-C8EA-4F5F-A76F-24B53F7095EC}" destId="{92C6D1A0-B81B-42F6-926F-A99A6AB8551E}" srcOrd="0" destOrd="0" presId="urn:microsoft.com/office/officeart/2005/8/layout/process1"/>
+    <dgm:cxn modelId="{F77CE8C8-E023-40F2-BA3E-2272650EAB6E}" type="presOf" srcId="{EC1316E2-A7B4-4993-A4F4-7A94A0A7C95E}" destId="{55FDB3FA-FD7A-4FCC-8318-AC3CB67EEA43}" srcOrd="0" destOrd="0" presId="urn:microsoft.com/office/officeart/2005/8/layout/process1"/>
+    <dgm:cxn modelId="{587AFA32-9885-4221-9F2B-518C7E2E0D30}" srcId="{BBFBB245-3D3E-43F2-9C9E-DB83DEF11C03}" destId="{9A3BB55D-E1D0-4856-970B-861DF9937A2D}" srcOrd="4" destOrd="0" parTransId="{E65C6173-DABB-4DF5-AA7D-D55EA51074C8}" sibTransId="{76F5AE30-A5F7-4B00-A598-98C301AEB747}"/>
+    <dgm:cxn modelId="{955CD86D-5690-49EB-A5CC-C5CF954E4169}" type="presOf" srcId="{8D075D66-C8EA-4F5F-A76F-24B53F7095EC}" destId="{83809356-5682-493E-9E0F-37380DA73B37}" srcOrd="1" destOrd="0" presId="urn:microsoft.com/office/officeart/2005/8/layout/process1"/>
+    <dgm:cxn modelId="{2A6E6689-BC80-4E8E-9B58-14731DE51A73}" srcId="{BBFBB245-3D3E-43F2-9C9E-DB83DEF11C03}" destId="{5218F29E-FF57-476F-A83E-8524C70A288D}" srcOrd="3" destOrd="0" parTransId="{C958EA77-4971-47A5-8F8E-275323F2017F}" sibTransId="{7F5CA681-746D-40F7-AA66-1708B724F168}"/>
+    <dgm:cxn modelId="{F0FB02F6-BFDC-4228-9BDF-93582E698B3F}" srcId="{BBFBB245-3D3E-43F2-9C9E-DB83DEF11C03}" destId="{149A1D20-FC1D-4A10-8895-80DEF6E8DE3D}" srcOrd="2" destOrd="0" parTransId="{1B863037-6500-44F1-8213-2974A5917BA7}" sibTransId="{B28A7960-66DA-46C4-A582-0D111288CC10}"/>
+    <dgm:cxn modelId="{0E15F9BD-C6E1-473A-9C58-FABBBA55983F}" type="presOf" srcId="{D5D8F746-9AE8-4516-AB79-A32BA7DFFCDE}" destId="{DB7DE445-F31A-43C0-8268-AE9485DA3D49}" srcOrd="0" destOrd="0" presId="urn:microsoft.com/office/officeart/2005/8/layout/process1"/>
     <dgm:cxn modelId="{2E377759-9C09-4984-B170-13485924EAC8}" type="presOf" srcId="{D5D8F746-9AE8-4516-AB79-A32BA7DFFCDE}" destId="{74416D1C-92CE-4460-BC26-DD9022219D7A}" srcOrd="1" destOrd="0" presId="urn:microsoft.com/office/officeart/2005/8/layout/process1"/>
-    <dgm:cxn modelId="{EBB64B3C-CC46-45FC-9C5E-C3A34C35CB95}" type="presOf" srcId="{2A8E393C-F492-402C-B022-FC1844A03498}" destId="{03D126FB-4628-4191-B59E-1BDA227467BF}" srcOrd="0" destOrd="0" presId="urn:microsoft.com/office/officeart/2005/8/layout/process1"/>
-    <dgm:cxn modelId="{0E15F9BD-C6E1-473A-9C58-FABBBA55983F}" type="presOf" srcId="{D5D8F746-9AE8-4516-AB79-A32BA7DFFCDE}" destId="{DB7DE445-F31A-43C0-8268-AE9485DA3D49}" srcOrd="0" destOrd="0" presId="urn:microsoft.com/office/officeart/2005/8/layout/process1"/>
     <dgm:cxn modelId="{063BD29A-D751-49BA-9B97-36816B1127AA}" type="presOf" srcId="{5218F29E-FF57-476F-A83E-8524C70A288D}" destId="{CF6047D4-71EB-4780-9933-A62144D3A60C}" srcOrd="0" destOrd="0" presId="urn:microsoft.com/office/officeart/2005/8/layout/process1"/>
-    <dgm:cxn modelId="{955CD86D-5690-49EB-A5CC-C5CF954E4169}" type="presOf" srcId="{8D075D66-C8EA-4F5F-A76F-24B53F7095EC}" destId="{83809356-5682-493E-9E0F-37380DA73B37}" srcOrd="1" destOrd="0" presId="urn:microsoft.com/office/officeart/2005/8/layout/process1"/>
-    <dgm:cxn modelId="{F0FB02F6-BFDC-4228-9BDF-93582E698B3F}" srcId="{BBFBB245-3D3E-43F2-9C9E-DB83DEF11C03}" destId="{149A1D20-FC1D-4A10-8895-80DEF6E8DE3D}" srcOrd="2" destOrd="0" parTransId="{1B863037-6500-44F1-8213-2974A5917BA7}" sibTransId="{B28A7960-66DA-46C4-A582-0D111288CC10}"/>
-    <dgm:cxn modelId="{F1AF6D02-1B13-4FCA-A1B7-BB85205D67C8}" type="presOf" srcId="{B28A7960-66DA-46C4-A582-0D111288CC10}" destId="{5AD84ED2-D43A-475A-A8A9-5983C6B6969A}" srcOrd="1" destOrd="0" presId="urn:microsoft.com/office/officeart/2005/8/layout/process1"/>
-    <dgm:cxn modelId="{F77CE8C8-E023-40F2-BA3E-2272650EAB6E}" type="presOf" srcId="{EC1316E2-A7B4-4993-A4F4-7A94A0A7C95E}" destId="{55FDB3FA-FD7A-4FCC-8318-AC3CB67EEA43}" srcOrd="0" destOrd="0" presId="urn:microsoft.com/office/officeart/2005/8/layout/process1"/>
-    <dgm:cxn modelId="{9806726A-DCFA-4AC4-A63B-86BB159A6A04}" type="presOf" srcId="{9A3BB55D-E1D0-4856-970B-861DF9937A2D}" destId="{9ECA4567-4F1C-4EDD-A33B-7FFB637CF955}" srcOrd="0" destOrd="0" presId="urn:microsoft.com/office/officeart/2005/8/layout/process1"/>
-    <dgm:cxn modelId="{9A9EBD36-04C8-40C1-85E6-4BA69424E426}" type="presOf" srcId="{149A1D20-FC1D-4A10-8895-80DEF6E8DE3D}" destId="{E030E24D-B462-4CCE-B8FA-1BA5EFE3B135}" srcOrd="0" destOrd="0" presId="urn:microsoft.com/office/officeart/2005/8/layout/process1"/>
-    <dgm:cxn modelId="{587AFA32-9885-4221-9F2B-518C7E2E0D30}" srcId="{BBFBB245-3D3E-43F2-9C9E-DB83DEF11C03}" destId="{9A3BB55D-E1D0-4856-970B-861DF9937A2D}" srcOrd="4" destOrd="0" parTransId="{E65C6173-DABB-4DF5-AA7D-D55EA51074C8}" sibTransId="{76F5AE30-A5F7-4B00-A598-98C301AEB747}"/>
-    <dgm:cxn modelId="{975438EA-7D86-444F-A2F1-C04D4AF86AE2}" srcId="{BBFBB245-3D3E-43F2-9C9E-DB83DEF11C03}" destId="{EC1316E2-A7B4-4993-A4F4-7A94A0A7C95E}" srcOrd="0" destOrd="0" parTransId="{61D85259-EE0E-49AF-AD0E-825B9BC0C348}" sibTransId="{D5D8F746-9AE8-4516-AB79-A32BA7DFFCDE}"/>
-    <dgm:cxn modelId="{8D919B42-5A77-4A6E-94D1-136B809ABF99}" type="presOf" srcId="{B28A7960-66DA-46C4-A582-0D111288CC10}" destId="{926170B6-45A2-4A72-8877-3002EFE89EDF}" srcOrd="0" destOrd="0" presId="urn:microsoft.com/office/officeart/2005/8/layout/process1"/>
     <dgm:cxn modelId="{A7288F72-73F0-4BC5-A26E-164C927DA426}" type="presOf" srcId="{7F5CA681-746D-40F7-AA66-1708B724F168}" destId="{ADD842C3-8EB6-461E-9527-46C5B01372D4}" srcOrd="0" destOrd="0" presId="urn:microsoft.com/office/officeart/2005/8/layout/process1"/>
-    <dgm:cxn modelId="{E2D997F4-B2C6-4E5C-A33C-56F821B0A03C}" type="presOf" srcId="{BBFBB245-3D3E-43F2-9C9E-DB83DEF11C03}" destId="{0FBF69D3-5BC6-4266-92A2-1B75EDC0309C}" srcOrd="0" destOrd="0" presId="urn:microsoft.com/office/officeart/2005/8/layout/process1"/>
-    <dgm:cxn modelId="{E9D6759F-1561-49E7-90C1-D538B6A8CB92}" type="presOf" srcId="{8D075D66-C8EA-4F5F-A76F-24B53F7095EC}" destId="{92C6D1A0-B81B-42F6-926F-A99A6AB8551E}" srcOrd="0" destOrd="0" presId="urn:microsoft.com/office/officeart/2005/8/layout/process1"/>
-    <dgm:cxn modelId="{2A6E6689-BC80-4E8E-9B58-14731DE51A73}" srcId="{BBFBB245-3D3E-43F2-9C9E-DB83DEF11C03}" destId="{5218F29E-FF57-476F-A83E-8524C70A288D}" srcOrd="3" destOrd="0" parTransId="{C958EA77-4971-47A5-8F8E-275323F2017F}" sibTransId="{7F5CA681-746D-40F7-AA66-1708B724F168}"/>
     <dgm:cxn modelId="{9F6C2548-ADF8-4F4A-91D6-DD1016BB4683}" type="presParOf" srcId="{0FBF69D3-5BC6-4266-92A2-1B75EDC0309C}" destId="{55FDB3FA-FD7A-4FCC-8318-AC3CB67EEA43}" srcOrd="0" destOrd="0" presId="urn:microsoft.com/office/officeart/2005/8/layout/process1"/>
     <dgm:cxn modelId="{DC76C8F4-6E37-472D-A240-1630C68584E8}" type="presParOf" srcId="{0FBF69D3-5BC6-4266-92A2-1B75EDC0309C}" destId="{DB7DE445-F31A-43C0-8268-AE9485DA3D49}" srcOrd="1" destOrd="0" presId="urn:microsoft.com/office/officeart/2005/8/layout/process1"/>
     <dgm:cxn modelId="{1937E20F-09B4-4A26-8D23-F995FBE62997}" type="presParOf" srcId="{DB7DE445-F31A-43C0-8268-AE9485DA3D49}" destId="{74416D1C-92CE-4460-BC26-DD9022219D7A}" srcOrd="0" destOrd="0" presId="urn:microsoft.com/office/officeart/2005/8/layout/process1"/>
@@ -3396,7 +3459,7 @@
           <a:p>
             <a:fld id="{ED6EBBDA-3F67-4B33-BC84-E737A685820F}" type="datetimeFigureOut">
               <a:rPr lang="en-US" smtClean="0"/>
-              <a:t>5/27/2021</a:t>
+              <a:t>5/30/2021</a:t>
             </a:fld>
             <a:endParaRPr lang="en-US"/>
           </a:p>
@@ -3562,7 +3625,7 @@
           <a:p>
             <a:fld id="{66EE2838-3D29-4231-B1E6-EBF223D88E01}" type="datetimeFigureOut">
               <a:rPr lang="en-US" smtClean="0"/>
-              <a:t>5/27/2021</a:t>
+              <a:t>5/30/2021</a:t>
             </a:fld>
             <a:endParaRPr lang="en-US"/>
           </a:p>
@@ -3881,7 +3944,7 @@
           <a:noFill/>
           <a:extLst>
             <a:ext uri="{909E8E84-426E-40dd-AFC4-6F175D3DCCD1}">
-              <a14:hiddenFill xmlns="" xmlns:a14="http://schemas.microsoft.com/office/drawing/2010/main">
+              <a14:hiddenFill xmlns:a14="http://schemas.microsoft.com/office/drawing/2010/main" xmlns="">
                 <a:solidFill>
                   <a:srgbClr val="FFFFFF"/>
                 </a:solidFill>
@@ -3941,7 +4004,7 @@
             </a:ln>
             <a:extLst>
               <a:ext uri="{91240B29-F687-4f45-9708-019B960494DF}">
-                <a14:hiddenLine xmlns="" xmlns:a14="http://schemas.microsoft.com/office/drawing/2010/main" w="9525">
+                <a14:hiddenLine xmlns:a14="http://schemas.microsoft.com/office/drawing/2010/main" xmlns="" w="9525">
                   <a:solidFill>
                     <a:srgbClr val="000000"/>
                   </a:solidFill>
@@ -4031,7 +4094,7 @@
             </a:ln>
             <a:extLst>
               <a:ext uri="{91240B29-F687-4f45-9708-019B960494DF}">
-                <a14:hiddenLine xmlns="" xmlns:a14="http://schemas.microsoft.com/office/drawing/2010/main" w="9525">
+                <a14:hiddenLine xmlns:a14="http://schemas.microsoft.com/office/drawing/2010/main" xmlns="" w="9525">
                   <a:solidFill>
                     <a:srgbClr val="000000"/>
                   </a:solidFill>
@@ -4121,7 +4184,7 @@
             </a:ln>
             <a:extLst>
               <a:ext uri="{91240B29-F687-4f45-9708-019B960494DF}">
-                <a14:hiddenLine xmlns="" xmlns:a14="http://schemas.microsoft.com/office/drawing/2010/main" w="9525">
+                <a14:hiddenLine xmlns:a14="http://schemas.microsoft.com/office/drawing/2010/main" xmlns="" w="9525">
                   <a:solidFill>
                     <a:srgbClr val="000000"/>
                   </a:solidFill>
@@ -4155,7 +4218,7 @@
             </a:ln>
             <a:extLst>
               <a:ext uri="{91240B29-F687-4f45-9708-019B960494DF}">
-                <a14:hiddenLine xmlns="" xmlns:a14="http://schemas.microsoft.com/office/drawing/2010/main" w="9525">
+                <a14:hiddenLine xmlns:a14="http://schemas.microsoft.com/office/drawing/2010/main" xmlns="" w="9525">
                   <a:solidFill>
                     <a:srgbClr val="000000"/>
                   </a:solidFill>
@@ -4245,7 +4308,7 @@
             </a:ln>
             <a:extLst>
               <a:ext uri="{91240B29-F687-4f45-9708-019B960494DF}">
-                <a14:hiddenLine xmlns="" xmlns:a14="http://schemas.microsoft.com/office/drawing/2010/main" w="9525">
+                <a14:hiddenLine xmlns:a14="http://schemas.microsoft.com/office/drawing/2010/main" xmlns="" w="9525">
                   <a:solidFill>
                     <a:srgbClr val="000000"/>
                   </a:solidFill>
@@ -4307,7 +4370,7 @@
             </a:ln>
             <a:extLst>
               <a:ext uri="{91240B29-F687-4f45-9708-019B960494DF}">
-                <a14:hiddenLine xmlns="" xmlns:a14="http://schemas.microsoft.com/office/drawing/2010/main" w="9525">
+                <a14:hiddenLine xmlns:a14="http://schemas.microsoft.com/office/drawing/2010/main" xmlns="" w="9525">
                   <a:solidFill>
                     <a:srgbClr val="000000"/>
                   </a:solidFill>
@@ -4369,7 +4432,7 @@
             </a:ln>
             <a:extLst>
               <a:ext uri="{91240B29-F687-4f45-9708-019B960494DF}">
-                <a14:hiddenLine xmlns="" xmlns:a14="http://schemas.microsoft.com/office/drawing/2010/main" w="9525">
+                <a14:hiddenLine xmlns:a14="http://schemas.microsoft.com/office/drawing/2010/main" xmlns="" w="9525">
                   <a:solidFill>
                     <a:srgbClr val="000000"/>
                   </a:solidFill>
@@ -4459,7 +4522,7 @@
             </a:ln>
             <a:extLst>
               <a:ext uri="{91240B29-F687-4f45-9708-019B960494DF}">
-                <a14:hiddenLine xmlns="" xmlns:a14="http://schemas.microsoft.com/office/drawing/2010/main" w="9525">
+                <a14:hiddenLine xmlns:a14="http://schemas.microsoft.com/office/drawing/2010/main" xmlns="" w="9525">
                   <a:solidFill>
                     <a:srgbClr val="000000"/>
                   </a:solidFill>
@@ -4521,7 +4584,7 @@
             </a:ln>
             <a:extLst>
               <a:ext uri="{91240B29-F687-4f45-9708-019B960494DF}">
-                <a14:hiddenLine xmlns="" xmlns:a14="http://schemas.microsoft.com/office/drawing/2010/main" w="9525">
+                <a14:hiddenLine xmlns:a14="http://schemas.microsoft.com/office/drawing/2010/main" xmlns="" w="9525">
                   <a:solidFill>
                     <a:srgbClr val="000000"/>
                   </a:solidFill>
@@ -4583,7 +4646,7 @@
             </a:ln>
             <a:extLst>
               <a:ext uri="{91240B29-F687-4f45-9708-019B960494DF}">
-                <a14:hiddenLine xmlns="" xmlns:a14="http://schemas.microsoft.com/office/drawing/2010/main" w="9525">
+                <a14:hiddenLine xmlns:a14="http://schemas.microsoft.com/office/drawing/2010/main" xmlns="" w="9525">
                   <a:solidFill>
                     <a:srgbClr val="000000"/>
                   </a:solidFill>
@@ -4673,7 +4736,7 @@
             </a:ln>
             <a:extLst>
               <a:ext uri="{91240B29-F687-4f45-9708-019B960494DF}">
-                <a14:hiddenLine xmlns="" xmlns:a14="http://schemas.microsoft.com/office/drawing/2010/main" w="9525">
+                <a14:hiddenLine xmlns:a14="http://schemas.microsoft.com/office/drawing/2010/main" xmlns="" w="9525">
                   <a:solidFill>
                     <a:srgbClr val="000000"/>
                   </a:solidFill>
@@ -4763,7 +4826,7 @@
             </a:ln>
             <a:extLst>
               <a:ext uri="{91240B29-F687-4f45-9708-019B960494DF}">
-                <a14:hiddenLine xmlns="" xmlns:a14="http://schemas.microsoft.com/office/drawing/2010/main" w="9525">
+                <a14:hiddenLine xmlns:a14="http://schemas.microsoft.com/office/drawing/2010/main" xmlns="" w="9525">
                   <a:solidFill>
                     <a:srgbClr val="000000"/>
                   </a:solidFill>
@@ -4825,7 +4888,7 @@
             </a:ln>
             <a:extLst>
               <a:ext uri="{91240B29-F687-4f45-9708-019B960494DF}">
-                <a14:hiddenLine xmlns="" xmlns:a14="http://schemas.microsoft.com/office/drawing/2010/main" w="9525">
+                <a14:hiddenLine xmlns:a14="http://schemas.microsoft.com/office/drawing/2010/main" xmlns="" w="9525">
                   <a:solidFill>
                     <a:srgbClr val="000000"/>
                   </a:solidFill>
@@ -4935,7 +4998,7 @@
             </a:ln>
             <a:extLst>
               <a:ext uri="{91240B29-F687-4f45-9708-019B960494DF}">
-                <a14:hiddenLine xmlns="" xmlns:a14="http://schemas.microsoft.com/office/drawing/2010/main" w="9525">
+                <a14:hiddenLine xmlns:a14="http://schemas.microsoft.com/office/drawing/2010/main" xmlns="" w="9525">
                   <a:solidFill>
                     <a:srgbClr val="000000"/>
                   </a:solidFill>
@@ -4997,7 +5060,7 @@
             </a:ln>
             <a:extLst>
               <a:ext uri="{91240B29-F687-4f45-9708-019B960494DF}">
-                <a14:hiddenLine xmlns="" xmlns:a14="http://schemas.microsoft.com/office/drawing/2010/main" w="9525">
+                <a14:hiddenLine xmlns:a14="http://schemas.microsoft.com/office/drawing/2010/main" xmlns="" w="9525">
                   <a:solidFill>
                     <a:srgbClr val="000000"/>
                   </a:solidFill>
@@ -5087,7 +5150,7 @@
             </a:ln>
             <a:extLst>
               <a:ext uri="{91240B29-F687-4f45-9708-019B960494DF}">
-                <a14:hiddenLine xmlns="" xmlns:a14="http://schemas.microsoft.com/office/drawing/2010/main" w="9525">
+                <a14:hiddenLine xmlns:a14="http://schemas.microsoft.com/office/drawing/2010/main" xmlns="" w="9525">
                   <a:solidFill>
                     <a:srgbClr val="000000"/>
                   </a:solidFill>
@@ -5177,7 +5240,7 @@
             </a:ln>
             <a:extLst>
               <a:ext uri="{91240B29-F687-4f45-9708-019B960494DF}">
-                <a14:hiddenLine xmlns="" xmlns:a14="http://schemas.microsoft.com/office/drawing/2010/main" w="9525">
+                <a14:hiddenLine xmlns:a14="http://schemas.microsoft.com/office/drawing/2010/main" xmlns="" w="9525">
                   <a:solidFill>
                     <a:srgbClr val="000000"/>
                   </a:solidFill>
@@ -5239,7 +5302,7 @@
             </a:ln>
             <a:extLst>
               <a:ext uri="{91240B29-F687-4f45-9708-019B960494DF}">
-                <a14:hiddenLine xmlns="" xmlns:a14="http://schemas.microsoft.com/office/drawing/2010/main" w="9525">
+                <a14:hiddenLine xmlns:a14="http://schemas.microsoft.com/office/drawing/2010/main" xmlns="" w="9525">
                   <a:solidFill>
                     <a:srgbClr val="000000"/>
                   </a:solidFill>
@@ -5329,7 +5392,7 @@
             </a:ln>
             <a:extLst>
               <a:ext uri="{91240B29-F687-4f45-9708-019B960494DF}">
-                <a14:hiddenLine xmlns="" xmlns:a14="http://schemas.microsoft.com/office/drawing/2010/main" w="9525">
+                <a14:hiddenLine xmlns:a14="http://schemas.microsoft.com/office/drawing/2010/main" xmlns="" w="9525">
                   <a:solidFill>
                     <a:srgbClr val="000000"/>
                   </a:solidFill>
@@ -5419,7 +5482,7 @@
             </a:ln>
             <a:extLst>
               <a:ext uri="{91240B29-F687-4f45-9708-019B960494DF}">
-                <a14:hiddenLine xmlns="" xmlns:a14="http://schemas.microsoft.com/office/drawing/2010/main" w="9525">
+                <a14:hiddenLine xmlns:a14="http://schemas.microsoft.com/office/drawing/2010/main" xmlns="" w="9525">
                   <a:solidFill>
                     <a:srgbClr val="000000"/>
                   </a:solidFill>
@@ -5475,7 +5538,7 @@
             </a:ln>
             <a:extLst>
               <a:ext uri="{91240B29-F687-4f45-9708-019B960494DF}">
-                <a14:hiddenLine xmlns="" xmlns:a14="http://schemas.microsoft.com/office/drawing/2010/main" w="9525">
+                <a14:hiddenLine xmlns:a14="http://schemas.microsoft.com/office/drawing/2010/main" xmlns="" w="9525">
                   <a:solidFill>
                     <a:srgbClr val="000000"/>
                   </a:solidFill>
@@ -5565,7 +5628,7 @@
             </a:ln>
             <a:extLst>
               <a:ext uri="{91240B29-F687-4f45-9708-019B960494DF}">
-                <a14:hiddenLine xmlns="" xmlns:a14="http://schemas.microsoft.com/office/drawing/2010/main" w="9525">
+                <a14:hiddenLine xmlns:a14="http://schemas.microsoft.com/office/drawing/2010/main" xmlns="" w="9525">
                   <a:solidFill>
                     <a:srgbClr val="000000"/>
                   </a:solidFill>
@@ -5621,7 +5684,7 @@
             </a:ln>
             <a:extLst>
               <a:ext uri="{91240B29-F687-4f45-9708-019B960494DF}">
-                <a14:hiddenLine xmlns="" xmlns:a14="http://schemas.microsoft.com/office/drawing/2010/main" w="9525">
+                <a14:hiddenLine xmlns:a14="http://schemas.microsoft.com/office/drawing/2010/main" xmlns="" w="9525">
                   <a:solidFill>
                     <a:srgbClr val="000000"/>
                   </a:solidFill>
@@ -5711,7 +5774,7 @@
             </a:ln>
             <a:extLst>
               <a:ext uri="{91240B29-F687-4f45-9708-019B960494DF}">
-                <a14:hiddenLine xmlns="" xmlns:a14="http://schemas.microsoft.com/office/drawing/2010/main" w="9525">
+                <a14:hiddenLine xmlns:a14="http://schemas.microsoft.com/office/drawing/2010/main" xmlns="" w="9525">
                   <a:solidFill>
                     <a:srgbClr val="000000"/>
                   </a:solidFill>
@@ -5779,7 +5842,7 @@
             </a:ln>
             <a:extLst>
               <a:ext uri="{91240B29-F687-4f45-9708-019B960494DF}">
-                <a14:hiddenLine xmlns="" xmlns:a14="http://schemas.microsoft.com/office/drawing/2010/main" w="9525">
+                <a14:hiddenLine xmlns:a14="http://schemas.microsoft.com/office/drawing/2010/main" xmlns="" w="9525">
                   <a:solidFill>
                     <a:srgbClr val="000000"/>
                   </a:solidFill>
@@ -5869,7 +5932,7 @@
             </a:ln>
             <a:extLst>
               <a:ext uri="{91240B29-F687-4f45-9708-019B960494DF}">
-                <a14:hiddenLine xmlns="" xmlns:a14="http://schemas.microsoft.com/office/drawing/2010/main" w="9525">
+                <a14:hiddenLine xmlns:a14="http://schemas.microsoft.com/office/drawing/2010/main" xmlns="" w="9525">
                   <a:solidFill>
                     <a:srgbClr val="000000"/>
                   </a:solidFill>
@@ -5937,7 +6000,7 @@
             </a:ln>
             <a:extLst>
               <a:ext uri="{91240B29-F687-4f45-9708-019B960494DF}">
-                <a14:hiddenLine xmlns="" xmlns:a14="http://schemas.microsoft.com/office/drawing/2010/main" w="9525">
+                <a14:hiddenLine xmlns:a14="http://schemas.microsoft.com/office/drawing/2010/main" xmlns="" w="9525">
                   <a:solidFill>
                     <a:srgbClr val="000000"/>
                   </a:solidFill>
@@ -6027,7 +6090,7 @@
             </a:ln>
             <a:extLst>
               <a:ext uri="{91240B29-F687-4f45-9708-019B960494DF}">
-                <a14:hiddenLine xmlns="" xmlns:a14="http://schemas.microsoft.com/office/drawing/2010/main" w="9525">
+                <a14:hiddenLine xmlns:a14="http://schemas.microsoft.com/office/drawing/2010/main" xmlns="" w="9525">
                   <a:solidFill>
                     <a:srgbClr val="000000"/>
                   </a:solidFill>
@@ -6061,7 +6124,7 @@
             </a:ln>
             <a:extLst>
               <a:ext uri="{91240B29-F687-4f45-9708-019B960494DF}">
-                <a14:hiddenLine xmlns="" xmlns:a14="http://schemas.microsoft.com/office/drawing/2010/main" w="9525">
+                <a14:hiddenLine xmlns:a14="http://schemas.microsoft.com/office/drawing/2010/main" xmlns="" w="9525">
                   <a:solidFill>
                     <a:srgbClr val="000000"/>
                   </a:solidFill>
@@ -6151,7 +6214,7 @@
             </a:ln>
             <a:extLst>
               <a:ext uri="{91240B29-F687-4f45-9708-019B960494DF}">
-                <a14:hiddenLine xmlns="" xmlns:a14="http://schemas.microsoft.com/office/drawing/2010/main" w="9525">
+                <a14:hiddenLine xmlns:a14="http://schemas.microsoft.com/office/drawing/2010/main" xmlns="" w="9525">
                   <a:solidFill>
                     <a:srgbClr val="000000"/>
                   </a:solidFill>
@@ -6213,7 +6276,7 @@
             </a:ln>
             <a:extLst>
               <a:ext uri="{91240B29-F687-4f45-9708-019B960494DF}">
-                <a14:hiddenLine xmlns="" xmlns:a14="http://schemas.microsoft.com/office/drawing/2010/main" w="9525">
+                <a14:hiddenLine xmlns:a14="http://schemas.microsoft.com/office/drawing/2010/main" xmlns="" w="9525">
                   <a:solidFill>
                     <a:srgbClr val="000000"/>
                   </a:solidFill>
@@ -6275,7 +6338,7 @@
             </a:ln>
             <a:extLst>
               <a:ext uri="{91240B29-F687-4f45-9708-019B960494DF}">
-                <a14:hiddenLine xmlns="" xmlns:a14="http://schemas.microsoft.com/office/drawing/2010/main" w="9525">
+                <a14:hiddenLine xmlns:a14="http://schemas.microsoft.com/office/drawing/2010/main" xmlns="" w="9525">
                   <a:solidFill>
                     <a:srgbClr val="000000"/>
                   </a:solidFill>
@@ -6365,7 +6428,7 @@
             </a:ln>
             <a:extLst>
               <a:ext uri="{91240B29-F687-4f45-9708-019B960494DF}">
-                <a14:hiddenLine xmlns="" xmlns:a14="http://schemas.microsoft.com/office/drawing/2010/main" w="9525">
+                <a14:hiddenLine xmlns:a14="http://schemas.microsoft.com/office/drawing/2010/main" xmlns="" w="9525">
                   <a:solidFill>
                     <a:srgbClr val="000000"/>
                   </a:solidFill>
@@ -6433,7 +6496,7 @@
             </a:ln>
             <a:extLst>
               <a:ext uri="{91240B29-F687-4f45-9708-019B960494DF}">
-                <a14:hiddenLine xmlns="" xmlns:a14="http://schemas.microsoft.com/office/drawing/2010/main" w="9525">
+                <a14:hiddenLine xmlns:a14="http://schemas.microsoft.com/office/drawing/2010/main" xmlns="" w="9525">
                   <a:solidFill>
                     <a:srgbClr val="000000"/>
                   </a:solidFill>
@@ -6495,7 +6558,7 @@
             </a:ln>
             <a:extLst>
               <a:ext uri="{91240B29-F687-4f45-9708-019B960494DF}">
-                <a14:hiddenLine xmlns="" xmlns:a14="http://schemas.microsoft.com/office/drawing/2010/main" w="9525">
+                <a14:hiddenLine xmlns:a14="http://schemas.microsoft.com/office/drawing/2010/main" xmlns="" w="9525">
                   <a:solidFill>
                     <a:srgbClr val="000000"/>
                   </a:solidFill>
@@ -6585,7 +6648,7 @@
             </a:ln>
             <a:extLst>
               <a:ext uri="{91240B29-F687-4f45-9708-019B960494DF}">
-                <a14:hiddenLine xmlns="" xmlns:a14="http://schemas.microsoft.com/office/drawing/2010/main" w="9525">
+                <a14:hiddenLine xmlns:a14="http://schemas.microsoft.com/office/drawing/2010/main" xmlns="" w="9525">
                   <a:solidFill>
                     <a:srgbClr val="000000"/>
                   </a:solidFill>
@@ -6647,7 +6710,7 @@
             </a:ln>
             <a:extLst>
               <a:ext uri="{91240B29-F687-4f45-9708-019B960494DF}">
-                <a14:hiddenLine xmlns="" xmlns:a14="http://schemas.microsoft.com/office/drawing/2010/main" w="9525">
+                <a14:hiddenLine xmlns:a14="http://schemas.microsoft.com/office/drawing/2010/main" xmlns="" w="9525">
                   <a:solidFill>
                     <a:srgbClr val="000000"/>
                   </a:solidFill>
@@ -6737,7 +6800,7 @@
             </a:ln>
             <a:extLst>
               <a:ext uri="{91240B29-F687-4f45-9708-019B960494DF}">
-                <a14:hiddenLine xmlns="" xmlns:a14="http://schemas.microsoft.com/office/drawing/2010/main" w="9525">
+                <a14:hiddenLine xmlns:a14="http://schemas.microsoft.com/office/drawing/2010/main" xmlns="" w="9525">
                   <a:solidFill>
                     <a:srgbClr val="000000"/>
                   </a:solidFill>
@@ -6799,7 +6862,7 @@
             </a:ln>
             <a:extLst>
               <a:ext uri="{91240B29-F687-4f45-9708-019B960494DF}">
-                <a14:hiddenLine xmlns="" xmlns:a14="http://schemas.microsoft.com/office/drawing/2010/main" w="9525">
+                <a14:hiddenLine xmlns:a14="http://schemas.microsoft.com/office/drawing/2010/main" xmlns="" w="9525">
                   <a:solidFill>
                     <a:srgbClr val="000000"/>
                   </a:solidFill>
@@ -6889,7 +6952,7 @@
             </a:ln>
             <a:extLst>
               <a:ext uri="{91240B29-F687-4f45-9708-019B960494DF}">
-                <a14:hiddenLine xmlns="" xmlns:a14="http://schemas.microsoft.com/office/drawing/2010/main" w="9525">
+                <a14:hiddenLine xmlns:a14="http://schemas.microsoft.com/office/drawing/2010/main" xmlns="" w="9525">
                   <a:solidFill>
                     <a:srgbClr val="000000"/>
                   </a:solidFill>
@@ -6923,7 +6986,7 @@
             </a:ln>
             <a:extLst>
               <a:ext uri="{91240B29-F687-4f45-9708-019B960494DF}">
-                <a14:hiddenLine xmlns="" xmlns:a14="http://schemas.microsoft.com/office/drawing/2010/main" w="9525">
+                <a14:hiddenLine xmlns:a14="http://schemas.microsoft.com/office/drawing/2010/main" xmlns="" w="9525">
                   <a:solidFill>
                     <a:srgbClr val="000000"/>
                   </a:solidFill>
@@ -6988,7 +7051,7 @@
             </a:ln>
             <a:extLst>
               <a:ext uri="{91240B29-F687-4f45-9708-019B960494DF}">
-                <a14:hiddenLine xmlns="" xmlns:a14="http://schemas.microsoft.com/office/drawing/2010/main" w="9525">
+                <a14:hiddenLine xmlns:a14="http://schemas.microsoft.com/office/drawing/2010/main" xmlns="" w="9525">
                   <a:solidFill>
                     <a:srgbClr val="000000"/>
                   </a:solidFill>
@@ -7078,7 +7141,7 @@
             </a:ln>
             <a:extLst>
               <a:ext uri="{91240B29-F687-4f45-9708-019B960494DF}">
-                <a14:hiddenLine xmlns="" xmlns:a14="http://schemas.microsoft.com/office/drawing/2010/main" w="9525">
+                <a14:hiddenLine xmlns:a14="http://schemas.microsoft.com/office/drawing/2010/main" xmlns="" w="9525">
                   <a:solidFill>
                     <a:srgbClr val="000000"/>
                   </a:solidFill>
@@ -7140,7 +7203,7 @@
             </a:ln>
             <a:extLst>
               <a:ext uri="{91240B29-F687-4f45-9708-019B960494DF}">
-                <a14:hiddenLine xmlns="" xmlns:a14="http://schemas.microsoft.com/office/drawing/2010/main" w="9525">
+                <a14:hiddenLine xmlns:a14="http://schemas.microsoft.com/office/drawing/2010/main" xmlns="" w="9525">
                   <a:solidFill>
                     <a:srgbClr val="000000"/>
                   </a:solidFill>
@@ -7230,7 +7293,7 @@
             </a:ln>
             <a:extLst>
               <a:ext uri="{91240B29-F687-4f45-9708-019B960494DF}">
-                <a14:hiddenLine xmlns="" xmlns:a14="http://schemas.microsoft.com/office/drawing/2010/main" w="9525">
+                <a14:hiddenLine xmlns:a14="http://schemas.microsoft.com/office/drawing/2010/main" xmlns="" w="9525">
                   <a:solidFill>
                     <a:srgbClr val="000000"/>
                   </a:solidFill>
@@ -7320,7 +7383,7 @@
             </a:ln>
             <a:extLst>
               <a:ext uri="{91240B29-F687-4f45-9708-019B960494DF}">
-                <a14:hiddenLine xmlns="" xmlns:a14="http://schemas.microsoft.com/office/drawing/2010/main" w="9525">
+                <a14:hiddenLine xmlns:a14="http://schemas.microsoft.com/office/drawing/2010/main" xmlns="" w="9525">
                   <a:solidFill>
                     <a:srgbClr val="000000"/>
                   </a:solidFill>
@@ -7385,7 +7448,7 @@
             </a:ln>
             <a:extLst>
               <a:ext uri="{91240B29-F687-4f45-9708-019B960494DF}">
-                <a14:hiddenLine xmlns="" xmlns:a14="http://schemas.microsoft.com/office/drawing/2010/main" w="9525">
+                <a14:hiddenLine xmlns:a14="http://schemas.microsoft.com/office/drawing/2010/main" xmlns="" w="9525">
                   <a:solidFill>
                     <a:srgbClr val="000000"/>
                   </a:solidFill>
@@ -7447,7 +7510,7 @@
             </a:ln>
             <a:extLst>
               <a:ext uri="{91240B29-F687-4f45-9708-019B960494DF}">
-                <a14:hiddenLine xmlns="" xmlns:a14="http://schemas.microsoft.com/office/drawing/2010/main" w="9525">
+                <a14:hiddenLine xmlns:a14="http://schemas.microsoft.com/office/drawing/2010/main" xmlns="" w="9525">
                   <a:solidFill>
                     <a:srgbClr val="000000"/>
                   </a:solidFill>
@@ -7537,7 +7600,7 @@
             </a:ln>
             <a:extLst>
               <a:ext uri="{91240B29-F687-4f45-9708-019B960494DF}">
-                <a14:hiddenLine xmlns="" xmlns:a14="http://schemas.microsoft.com/office/drawing/2010/main" w="9525">
+                <a14:hiddenLine xmlns:a14="http://schemas.microsoft.com/office/drawing/2010/main" xmlns="" w="9525">
                   <a:solidFill>
                     <a:srgbClr val="000000"/>
                   </a:solidFill>
@@ -7627,7 +7690,7 @@
             </a:ln>
             <a:extLst>
               <a:ext uri="{91240B29-F687-4f45-9708-019B960494DF}">
-                <a14:hiddenLine xmlns="" xmlns:a14="http://schemas.microsoft.com/office/drawing/2010/main" w="9525">
+                <a14:hiddenLine xmlns:a14="http://schemas.microsoft.com/office/drawing/2010/main" xmlns="" w="9525">
                   <a:solidFill>
                     <a:srgbClr val="000000"/>
                   </a:solidFill>
@@ -7689,7 +7752,7 @@
             </a:ln>
             <a:extLst>
               <a:ext uri="{91240B29-F687-4f45-9708-019B960494DF}">
-                <a14:hiddenLine xmlns="" xmlns:a14="http://schemas.microsoft.com/office/drawing/2010/main" w="9525">
+                <a14:hiddenLine xmlns:a14="http://schemas.microsoft.com/office/drawing/2010/main" xmlns="" w="9525">
                   <a:solidFill>
                     <a:srgbClr val="000000"/>
                   </a:solidFill>
@@ -7809,7 +7872,7 @@
             </a:ln>
             <a:extLst>
               <a:ext uri="{91240B29-F687-4f45-9708-019B960494DF}">
-                <a14:hiddenLine xmlns="" xmlns:a14="http://schemas.microsoft.com/office/drawing/2010/main" w="9525">
+                <a14:hiddenLine xmlns:a14="http://schemas.microsoft.com/office/drawing/2010/main" xmlns="" w="9525">
                   <a:solidFill>
                     <a:srgbClr val="000000"/>
                   </a:solidFill>
@@ -7877,7 +7940,7 @@
             </a:ln>
             <a:extLst>
               <a:ext uri="{91240B29-F687-4f45-9708-019B960494DF}">
-                <a14:hiddenLine xmlns="" xmlns:a14="http://schemas.microsoft.com/office/drawing/2010/main" w="9525">
+                <a14:hiddenLine xmlns:a14="http://schemas.microsoft.com/office/drawing/2010/main" xmlns="" w="9525">
                   <a:solidFill>
                     <a:srgbClr val="000000"/>
                   </a:solidFill>
@@ -7967,7 +8030,7 @@
             </a:ln>
             <a:extLst>
               <a:ext uri="{91240B29-F687-4f45-9708-019B960494DF}">
-                <a14:hiddenLine xmlns="" xmlns:a14="http://schemas.microsoft.com/office/drawing/2010/main" w="9525">
+                <a14:hiddenLine xmlns:a14="http://schemas.microsoft.com/office/drawing/2010/main" xmlns="" w="9525">
                   <a:solidFill>
                     <a:srgbClr val="000000"/>
                   </a:solidFill>
@@ -8107,7 +8170,7 @@
           <a:p>
             <a:fld id="{B9E4ED68-686B-4FB8-BC5A-407EEE930C22}" type="datetime1">
               <a:rPr lang="en-US" smtClean="0"/>
-              <a:t>5/27/2021</a:t>
+              <a:t>5/30/2021</a:t>
             </a:fld>
             <a:endParaRPr lang="en-US"/>
           </a:p>
@@ -8374,7 +8437,7 @@
           <a:p>
             <a:fld id="{0E3D39BB-A163-42C7-AE13-7219CAF6B43B}" type="datetime1">
               <a:rPr lang="en-US" smtClean="0"/>
-              <a:t>5/27/2021</a:t>
+              <a:t>5/30/2021</a:t>
             </a:fld>
             <a:endParaRPr lang="en-US"/>
           </a:p>
@@ -8570,7 +8633,7 @@
           <a:p>
             <a:fld id="{68E472B8-B00B-4D3F-BB0B-94A2E87C4BCB}" type="datetime1">
               <a:rPr lang="en-US" smtClean="0"/>
-              <a:t>5/27/2021</a:t>
+              <a:t>5/30/2021</a:t>
             </a:fld>
             <a:endParaRPr lang="en-US"/>
           </a:p>
@@ -8833,7 +8896,7 @@
           <a:p>
             <a:fld id="{3A7144F6-5194-4828-B211-D1C55A004E4D}" type="datetime1">
               <a:rPr lang="en-US" smtClean="0"/>
-              <a:t>5/27/2021</a:t>
+              <a:t>5/30/2021</a:t>
             </a:fld>
             <a:endParaRPr lang="en-US"/>
           </a:p>
@@ -9267,7 +9330,7 @@
           <a:p>
             <a:fld id="{483AA8D4-C80C-4E5D-A47E-1FF4EB9B1681}" type="datetime1">
               <a:rPr lang="en-US" smtClean="0"/>
-              <a:t>5/27/2021</a:t>
+              <a:t>5/30/2021</a:t>
             </a:fld>
             <a:endParaRPr lang="en-US"/>
           </a:p>
@@ -9813,7 +9876,7 @@
           <a:p>
             <a:fld id="{D6430E94-C2DF-4898-8435-14F721A1C32D}" type="datetime1">
               <a:rPr lang="en-US" smtClean="0"/>
-              <a:t>5/27/2021</a:t>
+              <a:t>5/30/2021</a:t>
             </a:fld>
             <a:endParaRPr lang="en-US"/>
           </a:p>
@@ -10533,7 +10596,7 @@
           <a:p>
             <a:fld id="{2CC4EE79-D41A-46C8-8E61-AF4F2AAA0517}" type="datetime1">
               <a:rPr lang="en-US" smtClean="0"/>
-              <a:t>5/27/2021</a:t>
+              <a:t>5/30/2021</a:t>
             </a:fld>
             <a:endParaRPr lang="en-US"/>
           </a:p>
@@ -10703,7 +10766,7 @@
           <a:p>
             <a:fld id="{F0843907-BDDC-4870-919B-4CEDF2BDF9F2}" type="datetime1">
               <a:rPr lang="en-US" smtClean="0"/>
-              <a:t>5/27/2021</a:t>
+              <a:t>5/30/2021</a:t>
             </a:fld>
             <a:endParaRPr lang="en-US"/>
           </a:p>
@@ -10883,7 +10946,7 @@
           <a:p>
             <a:fld id="{EA0D2419-0632-417E-98CE-0F574648345F}" type="datetime1">
               <a:rPr lang="en-US" smtClean="0"/>
-              <a:t>5/27/2021</a:t>
+              <a:t>5/30/2021</a:t>
             </a:fld>
             <a:endParaRPr lang="en-US"/>
           </a:p>
@@ -11053,7 +11116,7 @@
           <a:p>
             <a:fld id="{E7D179AE-CF70-4269-86D1-B49653D65C0C}" type="datetime1">
               <a:rPr lang="en-US" smtClean="0"/>
-              <a:t>5/27/2021</a:t>
+              <a:t>5/30/2021</a:t>
             </a:fld>
             <a:endParaRPr lang="en-US"/>
           </a:p>
@@ -11303,7 +11366,7 @@
           <a:p>
             <a:fld id="{C459C1C7-9E6E-438E-AFCA-133552BA9850}" type="datetime1">
               <a:rPr lang="en-US" smtClean="0"/>
-              <a:t>5/27/2021</a:t>
+              <a:t>5/30/2021</a:t>
             </a:fld>
             <a:endParaRPr lang="en-US"/>
           </a:p>
@@ -11535,7 +11598,7 @@
           <a:p>
             <a:fld id="{462FD1A0-6D34-4C78-AB09-2456564E754B}" type="datetime1">
               <a:rPr lang="en-US" smtClean="0"/>
-              <a:t>5/27/2021</a:t>
+              <a:t>5/30/2021</a:t>
             </a:fld>
             <a:endParaRPr lang="en-US"/>
           </a:p>
@@ -11916,7 +11979,7 @@
           <a:p>
             <a:fld id="{21A0E901-6E8B-406A-BA95-E7F7AD45283A}" type="datetime1">
               <a:rPr lang="en-US" smtClean="0"/>
-              <a:t>5/27/2021</a:t>
+              <a:t>5/30/2021</a:t>
             </a:fld>
             <a:endParaRPr lang="en-US"/>
           </a:p>
@@ -12034,7 +12097,7 @@
           <a:p>
             <a:fld id="{4F2C22FE-C4E7-4D66-840E-4A46267EC925}" type="datetime1">
               <a:rPr lang="en-US" smtClean="0"/>
-              <a:t>5/27/2021</a:t>
+              <a:t>5/30/2021</a:t>
             </a:fld>
             <a:endParaRPr lang="en-US"/>
           </a:p>
@@ -12129,7 +12192,7 @@
           <a:p>
             <a:fld id="{C8F1B07E-F698-4101-844C-4ABDEDCBD545}" type="datetime1">
               <a:rPr lang="en-US" smtClean="0"/>
-              <a:t>5/27/2021</a:t>
+              <a:t>5/30/2021</a:t>
             </a:fld>
             <a:endParaRPr lang="en-US"/>
           </a:p>
@@ -12378,7 +12441,7 @@
           <a:p>
             <a:fld id="{BC923A1A-8211-4A3B-9272-1C4C96EC99B3}" type="datetime1">
               <a:rPr lang="en-US" smtClean="0"/>
-              <a:t>5/27/2021</a:t>
+              <a:t>5/30/2021</a:t>
             </a:fld>
             <a:endParaRPr lang="en-US"/>
           </a:p>
@@ -12658,7 +12721,7 @@
           <a:p>
             <a:fld id="{829C4A57-8EBE-4EC6-8682-3A67093EE16F}" type="datetime1">
               <a:rPr lang="en-US" smtClean="0"/>
-              <a:t>5/27/2021</a:t>
+              <a:t>5/30/2021</a:t>
             </a:fld>
             <a:endParaRPr lang="en-US"/>
           </a:p>
@@ -12774,7 +12837,7 @@
           <a:noFill/>
           <a:extLst>
             <a:ext uri="{909E8E84-426E-40dd-AFC4-6F175D3DCCD1}">
-              <a14:hiddenFill xmlns="" xmlns:a14="http://schemas.microsoft.com/office/drawing/2010/main">
+              <a14:hiddenFill xmlns:a14="http://schemas.microsoft.com/office/drawing/2010/main" xmlns="">
                 <a:solidFill>
                   <a:srgbClr val="FFFFFF"/>
                 </a:solidFill>
@@ -12848,7 +12911,7 @@
               </a:ln>
               <a:extLst>
                 <a:ext uri="{91240B29-F687-4f45-9708-019B960494DF}">
-                  <a14:hiddenLine xmlns="" xmlns:a14="http://schemas.microsoft.com/office/drawing/2010/main" w="9525">
+                  <a14:hiddenLine xmlns:a14="http://schemas.microsoft.com/office/drawing/2010/main" xmlns="" w="9525">
                     <a:solidFill>
                       <a:srgbClr val="000000"/>
                     </a:solidFill>
@@ -12938,7 +13001,7 @@
               </a:ln>
               <a:extLst>
                 <a:ext uri="{91240B29-F687-4f45-9708-019B960494DF}">
-                  <a14:hiddenLine xmlns="" xmlns:a14="http://schemas.microsoft.com/office/drawing/2010/main" w="9525">
+                  <a14:hiddenLine xmlns:a14="http://schemas.microsoft.com/office/drawing/2010/main" xmlns="" w="9525">
                     <a:solidFill>
                       <a:srgbClr val="000000"/>
                     </a:solidFill>
@@ -13028,7 +13091,7 @@
               </a:ln>
               <a:extLst>
                 <a:ext uri="{91240B29-F687-4f45-9708-019B960494DF}">
-                  <a14:hiddenLine xmlns="" xmlns:a14="http://schemas.microsoft.com/office/drawing/2010/main" w="9525">
+                  <a14:hiddenLine xmlns:a14="http://schemas.microsoft.com/office/drawing/2010/main" xmlns="" w="9525">
                     <a:solidFill>
                       <a:srgbClr val="000000"/>
                     </a:solidFill>
@@ -13090,7 +13153,7 @@
               </a:ln>
               <a:extLst>
                 <a:ext uri="{91240B29-F687-4f45-9708-019B960494DF}">
-                  <a14:hiddenLine xmlns="" xmlns:a14="http://schemas.microsoft.com/office/drawing/2010/main" w="9525">
+                  <a14:hiddenLine xmlns:a14="http://schemas.microsoft.com/office/drawing/2010/main" xmlns="" w="9525">
                     <a:solidFill>
                       <a:srgbClr val="000000"/>
                     </a:solidFill>
@@ -13180,7 +13243,7 @@
               </a:ln>
               <a:extLst>
                 <a:ext uri="{91240B29-F687-4f45-9708-019B960494DF}">
-                  <a14:hiddenLine xmlns="" xmlns:a14="http://schemas.microsoft.com/office/drawing/2010/main" w="9525">
+                  <a14:hiddenLine xmlns:a14="http://schemas.microsoft.com/office/drawing/2010/main" xmlns="" w="9525">
                     <a:solidFill>
                       <a:srgbClr val="000000"/>
                     </a:solidFill>
@@ -13242,7 +13305,7 @@
               </a:ln>
               <a:extLst>
                 <a:ext uri="{91240B29-F687-4f45-9708-019B960494DF}">
-                  <a14:hiddenLine xmlns="" xmlns:a14="http://schemas.microsoft.com/office/drawing/2010/main" w="9525">
+                  <a14:hiddenLine xmlns:a14="http://schemas.microsoft.com/office/drawing/2010/main" xmlns="" w="9525">
                     <a:solidFill>
                       <a:srgbClr val="000000"/>
                     </a:solidFill>
@@ -13304,7 +13367,7 @@
               </a:ln>
               <a:extLst>
                 <a:ext uri="{91240B29-F687-4f45-9708-019B960494DF}">
-                  <a14:hiddenLine xmlns="" xmlns:a14="http://schemas.microsoft.com/office/drawing/2010/main" w="9525">
+                  <a14:hiddenLine xmlns:a14="http://schemas.microsoft.com/office/drawing/2010/main" xmlns="" w="9525">
                     <a:solidFill>
                       <a:srgbClr val="000000"/>
                     </a:solidFill>
@@ -13394,7 +13457,7 @@
               </a:ln>
               <a:extLst>
                 <a:ext uri="{91240B29-F687-4f45-9708-019B960494DF}">
-                  <a14:hiddenLine xmlns="" xmlns:a14="http://schemas.microsoft.com/office/drawing/2010/main" w="9525">
+                  <a14:hiddenLine xmlns:a14="http://schemas.microsoft.com/office/drawing/2010/main" xmlns="" w="9525">
                     <a:solidFill>
                       <a:srgbClr val="000000"/>
                     </a:solidFill>
@@ -13484,7 +13547,7 @@
               </a:ln>
               <a:extLst>
                 <a:ext uri="{91240B29-F687-4f45-9708-019B960494DF}">
-                  <a14:hiddenLine xmlns="" xmlns:a14="http://schemas.microsoft.com/office/drawing/2010/main" w="9525">
+                  <a14:hiddenLine xmlns:a14="http://schemas.microsoft.com/office/drawing/2010/main" xmlns="" w="9525">
                     <a:solidFill>
                       <a:srgbClr val="000000"/>
                     </a:solidFill>
@@ -13546,7 +13609,7 @@
               </a:ln>
               <a:extLst>
                 <a:ext uri="{91240B29-F687-4f45-9708-019B960494DF}">
-                  <a14:hiddenLine xmlns="" xmlns:a14="http://schemas.microsoft.com/office/drawing/2010/main" w="9525">
+                  <a14:hiddenLine xmlns:a14="http://schemas.microsoft.com/office/drawing/2010/main" xmlns="" w="9525">
                     <a:solidFill>
                       <a:srgbClr val="000000"/>
                     </a:solidFill>
@@ -13656,7 +13719,7 @@
               </a:ln>
               <a:extLst>
                 <a:ext uri="{91240B29-F687-4f45-9708-019B960494DF}">
-                  <a14:hiddenLine xmlns="" xmlns:a14="http://schemas.microsoft.com/office/drawing/2010/main" w="9525">
+                  <a14:hiddenLine xmlns:a14="http://schemas.microsoft.com/office/drawing/2010/main" xmlns="" w="9525">
                     <a:solidFill>
                       <a:srgbClr val="000000"/>
                     </a:solidFill>
@@ -13740,7 +13803,7 @@
               </a:ln>
               <a:extLst>
                 <a:ext uri="{91240B29-F687-4f45-9708-019B960494DF}">
-                  <a14:hiddenLine xmlns="" xmlns:a14="http://schemas.microsoft.com/office/drawing/2010/main" w="9525">
+                  <a14:hiddenLine xmlns:a14="http://schemas.microsoft.com/office/drawing/2010/main" xmlns="" w="9525">
                     <a:solidFill>
                       <a:srgbClr val="000000"/>
                     </a:solidFill>
@@ -13802,7 +13865,7 @@
               </a:ln>
               <a:extLst>
                 <a:ext uri="{91240B29-F687-4f45-9708-019B960494DF}">
-                  <a14:hiddenLine xmlns="" xmlns:a14="http://schemas.microsoft.com/office/drawing/2010/main" w="9525">
+                  <a14:hiddenLine xmlns:a14="http://schemas.microsoft.com/office/drawing/2010/main" xmlns="" w="9525">
                     <a:solidFill>
                       <a:srgbClr val="000000"/>
                     </a:solidFill>
@@ -13864,7 +13927,7 @@
               </a:ln>
               <a:extLst>
                 <a:ext uri="{91240B29-F687-4f45-9708-019B960494DF}">
-                  <a14:hiddenLine xmlns="" xmlns:a14="http://schemas.microsoft.com/office/drawing/2010/main" w="9525">
+                  <a14:hiddenLine xmlns:a14="http://schemas.microsoft.com/office/drawing/2010/main" xmlns="" w="9525">
                     <a:solidFill>
                       <a:srgbClr val="000000"/>
                     </a:solidFill>
@@ -13954,7 +14017,7 @@
               </a:ln>
               <a:extLst>
                 <a:ext uri="{91240B29-F687-4f45-9708-019B960494DF}">
-                  <a14:hiddenLine xmlns="" xmlns:a14="http://schemas.microsoft.com/office/drawing/2010/main" w="9525">
+                  <a14:hiddenLine xmlns:a14="http://schemas.microsoft.com/office/drawing/2010/main" xmlns="" w="9525">
                     <a:solidFill>
                       <a:srgbClr val="000000"/>
                     </a:solidFill>
@@ -13988,7 +14051,7 @@
               </a:ln>
               <a:extLst>
                 <a:ext uri="{91240B29-F687-4f45-9708-019B960494DF}">
-                  <a14:hiddenLine xmlns="" xmlns:a14="http://schemas.microsoft.com/office/drawing/2010/main" w="9525">
+                  <a14:hiddenLine xmlns:a14="http://schemas.microsoft.com/office/drawing/2010/main" xmlns="" w="9525">
                     <a:solidFill>
                       <a:srgbClr val="000000"/>
                     </a:solidFill>
@@ -14053,7 +14116,7 @@
               </a:ln>
               <a:extLst>
                 <a:ext uri="{91240B29-F687-4f45-9708-019B960494DF}">
-                  <a14:hiddenLine xmlns="" xmlns:a14="http://schemas.microsoft.com/office/drawing/2010/main" w="9525">
+                  <a14:hiddenLine xmlns:a14="http://schemas.microsoft.com/office/drawing/2010/main" xmlns="" w="9525">
                     <a:solidFill>
                       <a:srgbClr val="000000"/>
                     </a:solidFill>
@@ -14143,7 +14206,7 @@
               </a:ln>
               <a:extLst>
                 <a:ext uri="{91240B29-F687-4f45-9708-019B960494DF}">
-                  <a14:hiddenLine xmlns="" xmlns:a14="http://schemas.microsoft.com/office/drawing/2010/main" w="9525">
+                  <a14:hiddenLine xmlns:a14="http://schemas.microsoft.com/office/drawing/2010/main" xmlns="" w="9525">
                     <a:solidFill>
                       <a:srgbClr val="000000"/>
                     </a:solidFill>
@@ -14205,7 +14268,7 @@
               </a:ln>
               <a:extLst>
                 <a:ext uri="{91240B29-F687-4f45-9708-019B960494DF}">
-                  <a14:hiddenLine xmlns="" xmlns:a14="http://schemas.microsoft.com/office/drawing/2010/main" w="9525">
+                  <a14:hiddenLine xmlns:a14="http://schemas.microsoft.com/office/drawing/2010/main" xmlns="" w="9525">
                     <a:solidFill>
                       <a:srgbClr val="000000"/>
                     </a:solidFill>
@@ -14295,7 +14358,7 @@
               </a:ln>
               <a:extLst>
                 <a:ext uri="{91240B29-F687-4f45-9708-019B960494DF}">
-                  <a14:hiddenLine xmlns="" xmlns:a14="http://schemas.microsoft.com/office/drawing/2010/main" w="9525">
+                  <a14:hiddenLine xmlns:a14="http://schemas.microsoft.com/office/drawing/2010/main" xmlns="" w="9525">
                     <a:solidFill>
                       <a:srgbClr val="000000"/>
                     </a:solidFill>
@@ -14360,7 +14423,7 @@
               </a:ln>
               <a:extLst>
                 <a:ext uri="{91240B29-F687-4f45-9708-019B960494DF}">
-                  <a14:hiddenLine xmlns="" xmlns:a14="http://schemas.microsoft.com/office/drawing/2010/main" w="9525">
+                  <a14:hiddenLine xmlns:a14="http://schemas.microsoft.com/office/drawing/2010/main" xmlns="" w="9525">
                     <a:solidFill>
                       <a:srgbClr val="000000"/>
                     </a:solidFill>
@@ -14422,7 +14485,7 @@
               </a:ln>
               <a:extLst>
                 <a:ext uri="{91240B29-F687-4f45-9708-019B960494DF}">
-                  <a14:hiddenLine xmlns="" xmlns:a14="http://schemas.microsoft.com/office/drawing/2010/main" w="9525">
+                  <a14:hiddenLine xmlns:a14="http://schemas.microsoft.com/office/drawing/2010/main" xmlns="" w="9525">
                     <a:solidFill>
                       <a:srgbClr val="000000"/>
                     </a:solidFill>
@@ -14512,7 +14575,7 @@
               </a:ln>
               <a:extLst>
                 <a:ext uri="{91240B29-F687-4f45-9708-019B960494DF}">
-                  <a14:hiddenLine xmlns="" xmlns:a14="http://schemas.microsoft.com/office/drawing/2010/main" w="9525">
+                  <a14:hiddenLine xmlns:a14="http://schemas.microsoft.com/office/drawing/2010/main" xmlns="" w="9525">
                     <a:solidFill>
                       <a:srgbClr val="000000"/>
                     </a:solidFill>
@@ -14602,7 +14665,7 @@
               </a:ln>
               <a:extLst>
                 <a:ext uri="{91240B29-F687-4f45-9708-019B960494DF}">
-                  <a14:hiddenLine xmlns="" xmlns:a14="http://schemas.microsoft.com/office/drawing/2010/main" w="9525">
+                  <a14:hiddenLine xmlns:a14="http://schemas.microsoft.com/office/drawing/2010/main" xmlns="" w="9525">
                     <a:solidFill>
                       <a:srgbClr val="000000"/>
                     </a:solidFill>
@@ -14667,7 +14730,7 @@
               </a:ln>
               <a:extLst>
                 <a:ext uri="{91240B29-F687-4f45-9708-019B960494DF}">
-                  <a14:hiddenLine xmlns="" xmlns:a14="http://schemas.microsoft.com/office/drawing/2010/main" w="9525">
+                  <a14:hiddenLine xmlns:a14="http://schemas.microsoft.com/office/drawing/2010/main" xmlns="" w="9525">
                     <a:solidFill>
                       <a:srgbClr val="000000"/>
                     </a:solidFill>
@@ -14787,7 +14850,7 @@
               </a:ln>
               <a:extLst>
                 <a:ext uri="{91240B29-F687-4f45-9708-019B960494DF}">
-                  <a14:hiddenLine xmlns="" xmlns:a14="http://schemas.microsoft.com/office/drawing/2010/main" w="9525">
+                  <a14:hiddenLine xmlns:a14="http://schemas.microsoft.com/office/drawing/2010/main" xmlns="" w="9525">
                     <a:solidFill>
                       <a:srgbClr val="000000"/>
                     </a:solidFill>
@@ -14885,7 +14948,7 @@
               </a:ln>
               <a:extLst>
                 <a:ext uri="{91240B29-F687-4f45-9708-019B960494DF}">
-                  <a14:hiddenLine xmlns="" xmlns:a14="http://schemas.microsoft.com/office/drawing/2010/main" w="9525">
+                  <a14:hiddenLine xmlns:a14="http://schemas.microsoft.com/office/drawing/2010/main" xmlns="" w="9525">
                     <a:solidFill>
                       <a:srgbClr val="000000"/>
                     </a:solidFill>
@@ -15000,7 +15063,7 @@
               </a:ln>
               <a:extLst>
                 <a:ext uri="{91240B29-F687-4f45-9708-019B960494DF}">
-                  <a14:hiddenLine xmlns="" xmlns:a14="http://schemas.microsoft.com/office/drawing/2010/main" w="9525">
+                  <a14:hiddenLine xmlns:a14="http://schemas.microsoft.com/office/drawing/2010/main" xmlns="" w="9525">
                     <a:solidFill>
                       <a:srgbClr val="000000"/>
                     </a:solidFill>
@@ -15090,7 +15153,7 @@
               </a:ln>
               <a:extLst>
                 <a:ext uri="{91240B29-F687-4f45-9708-019B960494DF}">
-                  <a14:hiddenLine xmlns="" xmlns:a14="http://schemas.microsoft.com/office/drawing/2010/main" w="9525">
+                  <a14:hiddenLine xmlns:a14="http://schemas.microsoft.com/office/drawing/2010/main" xmlns="" w="9525">
                     <a:solidFill>
                       <a:srgbClr val="000000"/>
                     </a:solidFill>
@@ -15155,7 +15218,7 @@
               </a:ln>
               <a:extLst>
                 <a:ext uri="{91240B29-F687-4f45-9708-019B960494DF}">
-                  <a14:hiddenLine xmlns="" xmlns:a14="http://schemas.microsoft.com/office/drawing/2010/main" w="9525">
+                  <a14:hiddenLine xmlns:a14="http://schemas.microsoft.com/office/drawing/2010/main" xmlns="" w="9525">
                     <a:solidFill>
                       <a:srgbClr val="000000"/>
                     </a:solidFill>
@@ -15245,7 +15308,7 @@
               </a:ln>
               <a:extLst>
                 <a:ext uri="{91240B29-F687-4f45-9708-019B960494DF}">
-                  <a14:hiddenLine xmlns="" xmlns:a14="http://schemas.microsoft.com/office/drawing/2010/main" w="9525">
+                  <a14:hiddenLine xmlns:a14="http://schemas.microsoft.com/office/drawing/2010/main" xmlns="" w="9525">
                     <a:solidFill>
                       <a:srgbClr val="000000"/>
                     </a:solidFill>
@@ -15313,7 +15376,7 @@
               </a:ln>
               <a:extLst>
                 <a:ext uri="{91240B29-F687-4f45-9708-019B960494DF}">
-                  <a14:hiddenLine xmlns="" xmlns:a14="http://schemas.microsoft.com/office/drawing/2010/main" w="9525">
+                  <a14:hiddenLine xmlns:a14="http://schemas.microsoft.com/office/drawing/2010/main" xmlns="" w="9525">
                     <a:solidFill>
                       <a:srgbClr val="000000"/>
                     </a:solidFill>
@@ -15403,7 +15466,7 @@
               </a:ln>
               <a:extLst>
                 <a:ext uri="{91240B29-F687-4f45-9708-019B960494DF}">
-                  <a14:hiddenLine xmlns="" xmlns:a14="http://schemas.microsoft.com/office/drawing/2010/main" w="9525">
+                  <a14:hiddenLine xmlns:a14="http://schemas.microsoft.com/office/drawing/2010/main" xmlns="" w="9525">
                     <a:solidFill>
                       <a:srgbClr val="000000"/>
                     </a:solidFill>
@@ -15471,7 +15534,7 @@
               </a:ln>
               <a:extLst>
                 <a:ext uri="{91240B29-F687-4f45-9708-019B960494DF}">
-                  <a14:hiddenLine xmlns="" xmlns:a14="http://schemas.microsoft.com/office/drawing/2010/main" w="9525">
+                  <a14:hiddenLine xmlns:a14="http://schemas.microsoft.com/office/drawing/2010/main" xmlns="" w="9525">
                     <a:solidFill>
                       <a:srgbClr val="000000"/>
                     </a:solidFill>
@@ -15561,7 +15624,7 @@
               </a:ln>
               <a:extLst>
                 <a:ext uri="{91240B29-F687-4f45-9708-019B960494DF}">
-                  <a14:hiddenLine xmlns="" xmlns:a14="http://schemas.microsoft.com/office/drawing/2010/main" w="9525">
+                  <a14:hiddenLine xmlns:a14="http://schemas.microsoft.com/office/drawing/2010/main" xmlns="" w="9525">
                     <a:solidFill>
                       <a:srgbClr val="000000"/>
                     </a:solidFill>
@@ -15595,7 +15658,7 @@
               </a:ln>
               <a:extLst>
                 <a:ext uri="{91240B29-F687-4f45-9708-019B960494DF}">
-                  <a14:hiddenLine xmlns="" xmlns:a14="http://schemas.microsoft.com/office/drawing/2010/main" w="9525">
+                  <a14:hiddenLine xmlns:a14="http://schemas.microsoft.com/office/drawing/2010/main" xmlns="" w="9525">
                     <a:solidFill>
                       <a:srgbClr val="000000"/>
                     </a:solidFill>
@@ -15735,7 +15798,7 @@
           <a:p>
             <a:fld id="{EBD37732-8130-4524-957A-3BEA1AB1C231}" type="datetime1">
               <a:rPr lang="en-US" smtClean="0"/>
-              <a:t>5/27/2021</a:t>
+              <a:t>5/30/2021</a:t>
             </a:fld>
             <a:endParaRPr lang="en-US"/>
           </a:p>
@@ -16278,81 +16341,6 @@
           <a:chExt cx="0" cy="0"/>
         </a:xfrm>
       </p:grpSpPr>
-      <p:sp>
-        <p:nvSpPr>
-          <p:cNvPr id="3" name="Заголовок 1"/>
-          <p:cNvSpPr>
-            <a:spLocks noGrp="1"/>
-          </p:cNvSpPr>
-          <p:nvPr>
-            <p:ph type="title"/>
-          </p:nvPr>
-        </p:nvSpPr>
-        <p:spPr/>
-        <p:txBody>
-          <a:bodyPr/>
-          <a:lstStyle/>
-          <a:p>
-            <a:pPr algn="ctr"/>
-            <a:r>
-              <a:rPr lang="uk-UA" dirty="0" smtClean="0"/>
-              <a:t>Опис </a:t>
-            </a:r>
-            <a:r>
-              <a:rPr lang="uk-UA" dirty="0" smtClean="0"/>
-              <a:t>Роботи програмного </a:t>
-            </a:r>
-            <a:r>
-              <a:rPr lang="uk-UA" dirty="0" smtClean="0"/>
-              <a:t>додатку </a:t>
-            </a:r>
-            <a:endParaRPr lang="en-US" dirty="0"/>
-          </a:p>
-        </p:txBody>
-      </p:sp>
-      <p:sp>
-        <p:nvSpPr>
-          <p:cNvPr id="4" name="TextBox 3"/>
-          <p:cNvSpPr txBox="1"/>
-          <p:nvPr/>
-        </p:nvSpPr>
-        <p:spPr>
-          <a:xfrm>
-            <a:off x="214906" y="2883383"/>
-            <a:ext cx="3460157" cy="369332"/>
-          </a:xfrm>
-          <a:prstGeom prst="rect">
-            <a:avLst/>
-          </a:prstGeom>
-          <a:noFill/>
-        </p:spPr>
-        <p:txBody>
-          <a:bodyPr wrap="square" rtlCol="0">
-            <a:spAutoFit/>
-          </a:bodyPr>
-          <a:lstStyle/>
-          <a:p>
-            <a:pPr marL="285750" indent="-285750">
-              <a:buClr>
-                <a:schemeClr val="tx2"/>
-              </a:buClr>
-              <a:buFont typeface="Wingdings" panose="05000000000000000000" pitchFamily="2" charset="2"/>
-              <a:buChar char="q"/>
-            </a:pPr>
-            <a:r>
-              <a:rPr lang="uk-UA" dirty="0" err="1" smtClean="0"/>
-              <a:t>Фрактальне</a:t>
-            </a:r>
-            <a:r>
-              <a:rPr lang="uk-UA" dirty="0" smtClean="0"/>
-              <a:t> дерево</a:t>
-            </a:r>
-            <a:endParaRPr lang="en-US" dirty="0">
-              <a:latin typeface="Lucida Sans" panose="020B0602030504020204" pitchFamily="34" charset="0"/>
-            </a:endParaRPr>
-          </a:p>
-        </p:txBody>
-      </p:sp>
       <p:pic>
         <p:nvPicPr>
           <p:cNvPr id="2" name="Рисунок 1"/>
@@ -16369,12 +16357,113 @@
         </p:blipFill>
         <p:spPr>
           <a:xfrm>
-            <a:off x="3675063" y="1727200"/>
-            <a:ext cx="8270195" cy="4978400"/>
+            <a:off x="3769720" y="1727200"/>
+            <a:ext cx="8175538" cy="4978400"/>
           </a:xfrm>
           <a:prstGeom prst="rect">
             <a:avLst/>
           </a:prstGeom>
+        </p:spPr>
+      </p:pic>
+      <p:sp>
+        <p:nvSpPr>
+          <p:cNvPr id="5" name="TextBox 4"/>
+          <p:cNvSpPr txBox="1"/>
+          <p:nvPr/>
+        </p:nvSpPr>
+        <p:spPr>
+          <a:xfrm>
+            <a:off x="309563" y="1108274"/>
+            <a:ext cx="3460157" cy="369332"/>
+          </a:xfrm>
+          <a:prstGeom prst="rect">
+            <a:avLst/>
+          </a:prstGeom>
+          <a:noFill/>
+        </p:spPr>
+        <p:txBody>
+          <a:bodyPr wrap="square" rtlCol="0">
+            <a:spAutoFit/>
+          </a:bodyPr>
+          <a:lstStyle/>
+          <a:p>
+            <a:pPr marL="285750" indent="-285750">
+              <a:buClr>
+                <a:schemeClr val="tx2"/>
+              </a:buClr>
+              <a:buFont typeface="Wingdings" panose="05000000000000000000" pitchFamily="2" charset="2"/>
+              <a:buChar char="q"/>
+            </a:pPr>
+            <a:r>
+              <a:rPr lang="uk-UA" dirty="0" err="1"/>
+              <a:t>Фрактальне</a:t>
+            </a:r>
+            <a:r>
+              <a:rPr lang="uk-UA" dirty="0"/>
+              <a:t> дерево</a:t>
+            </a:r>
+            <a:endParaRPr lang="en-US" dirty="0">
+              <a:latin typeface="Lucida Sans" panose="020B0602030504020204" pitchFamily="34" charset="0"/>
+            </a:endParaRPr>
+          </a:p>
+        </p:txBody>
+      </p:sp>
+      <p:sp>
+        <p:nvSpPr>
+          <p:cNvPr id="7" name="Заголовок 1"/>
+          <p:cNvSpPr>
+            <a:spLocks noGrp="1"/>
+          </p:cNvSpPr>
+          <p:nvPr>
+            <p:ph type="title"/>
+          </p:nvPr>
+        </p:nvSpPr>
+        <p:spPr>
+          <a:xfrm>
+            <a:off x="1141413" y="-964"/>
+            <a:ext cx="9905998" cy="1478570"/>
+          </a:xfrm>
+        </p:spPr>
+        <p:txBody>
+          <a:bodyPr/>
+          <a:lstStyle/>
+          <a:p>
+            <a:pPr algn="ctr"/>
+            <a:r>
+              <a:rPr lang="uk-UA" dirty="0" smtClean="0"/>
+              <a:t>Опис Роботи програмного додатку </a:t>
+            </a:r>
+            <a:endParaRPr lang="en-US" dirty="0"/>
+          </a:p>
+        </p:txBody>
+      </p:sp>
+      <p:pic>
+        <p:nvPicPr>
+          <p:cNvPr id="9" name="Рисунок 8"/>
+          <p:cNvPicPr/>
+          <p:nvPr/>
+        </p:nvPicPr>
+        <p:blipFill rotWithShape="1">
+          <a:blip r:embed="rId3"/>
+          <a:srcRect l="30310" t="20639" r="32443" b="6759"/>
+          <a:stretch/>
+        </p:blipFill>
+        <p:spPr bwMode="auto">
+          <a:xfrm>
+            <a:off x="309563" y="1727200"/>
+            <a:ext cx="3309937" cy="4978400"/>
+          </a:xfrm>
+          <a:prstGeom prst="rect">
+            <a:avLst/>
+          </a:prstGeom>
+          <a:ln>
+            <a:noFill/>
+          </a:ln>
+          <a:extLst>
+            <a:ext uri="{53640926-AAD7-44D8-BBD7-CCE9431645EC}">
+              <a14:shadowObscured xmlns:a14="http://schemas.microsoft.com/office/drawing/2010/main"/>
+            </a:ext>
+          </a:extLst>
         </p:spPr>
       </p:pic>
     </p:spTree>
@@ -16414,38 +16503,6 @@
           <a:chExt cx="0" cy="0"/>
         </a:xfrm>
       </p:grpSpPr>
-      <p:sp>
-        <p:nvSpPr>
-          <p:cNvPr id="3" name="Заголовок 1"/>
-          <p:cNvSpPr>
-            <a:spLocks noGrp="1"/>
-          </p:cNvSpPr>
-          <p:nvPr>
-            <p:ph type="title"/>
-          </p:nvPr>
-        </p:nvSpPr>
-        <p:spPr/>
-        <p:txBody>
-          <a:bodyPr/>
-          <a:lstStyle/>
-          <a:p>
-            <a:pPr algn="ctr"/>
-            <a:r>
-              <a:rPr lang="uk-UA" dirty="0" smtClean="0"/>
-              <a:t>Опис Роботи </a:t>
-            </a:r>
-            <a:r>
-              <a:rPr lang="uk-UA" dirty="0" smtClean="0"/>
-              <a:t>програмного </a:t>
-            </a:r>
-            <a:r>
-              <a:rPr lang="uk-UA" dirty="0" smtClean="0"/>
-              <a:t>додатку </a:t>
-            </a:r>
-            <a:endParaRPr lang="en-US" dirty="0"/>
-          </a:p>
-        </p:txBody>
-      </p:sp>
       <p:pic>
         <p:nvPicPr>
           <p:cNvPr id="4" name="Рисунок 3"/>
@@ -16462,8 +16519,8 @@
         </p:blipFill>
         <p:spPr>
           <a:xfrm>
-            <a:off x="3675062" y="1739900"/>
-            <a:ext cx="8279545" cy="4927600"/>
+            <a:off x="3675062" y="1778000"/>
+            <a:ext cx="8279545" cy="4889500"/>
           </a:xfrm>
           <a:prstGeom prst="rect">
             <a:avLst/>
@@ -16472,13 +16529,63 @@
       </p:pic>
       <p:sp>
         <p:nvSpPr>
-          <p:cNvPr id="5" name="TextBox 4"/>
+          <p:cNvPr id="6" name="Заголовок 1"/>
+          <p:cNvSpPr txBox="1">
+            <a:spLocks/>
+          </p:cNvSpPr>
+          <p:nvPr/>
+        </p:nvSpPr>
+        <p:spPr>
+          <a:xfrm>
+            <a:off x="1141413" y="-964"/>
+            <a:ext cx="9905998" cy="1478570"/>
+          </a:xfrm>
+          <a:prstGeom prst="rect">
+            <a:avLst/>
+          </a:prstGeom>
+        </p:spPr>
+        <p:txBody>
+          <a:bodyPr vert="horz" lIns="91440" tIns="45720" rIns="91440" bIns="45720" rtlCol="0" anchor="ctr">
+            <a:normAutofit/>
+          </a:bodyPr>
+          <a:lstStyle>
+            <a:lvl1pPr algn="l" defTabSz="914400" rtl="0" eaLnBrk="1" latinLnBrk="0" hangingPunct="1">
+              <a:lnSpc>
+                <a:spcPct val="90000"/>
+              </a:lnSpc>
+              <a:spcBef>
+                <a:spcPct val="0"/>
+              </a:spcBef>
+              <a:buNone/>
+              <a:defRPr sz="3600" kern="1200" cap="all" baseline="0">
+                <a:solidFill>
+                  <a:schemeClr val="tx1"/>
+                </a:solidFill>
+                <a:latin typeface="+mj-lt"/>
+                <a:ea typeface="+mj-ea"/>
+                <a:cs typeface="+mj-cs"/>
+              </a:defRPr>
+            </a:lvl1pPr>
+          </a:lstStyle>
+          <a:p>
+            <a:pPr algn="ctr"/>
+            <a:r>
+              <a:rPr lang="uk-UA" smtClean="0"/>
+              <a:t>Опис Роботи програмного додатку </a:t>
+            </a:r>
+            <a:endParaRPr lang="en-US" dirty="0"/>
+          </a:p>
+        </p:txBody>
+      </p:sp>
+      <p:sp>
+        <p:nvSpPr>
+          <p:cNvPr id="8" name="TextBox 7"/>
           <p:cNvSpPr txBox="1"/>
           <p:nvPr/>
         </p:nvSpPr>
         <p:spPr>
           <a:xfrm>
-            <a:off x="214906" y="2883383"/>
+            <a:off x="309563" y="1108274"/>
             <a:ext cx="3460157" cy="369332"/>
           </a:xfrm>
           <a:prstGeom prst="rect">
@@ -16500,11 +16607,11 @@
               <a:buChar char="q"/>
             </a:pPr>
             <a:r>
-              <a:rPr lang="uk-UA" dirty="0" smtClean="0"/>
+              <a:rPr lang="uk-UA" dirty="0"/>
               <a:t>Папоротник </a:t>
             </a:r>
             <a:r>
-              <a:rPr lang="uk-UA" dirty="0" err="1" smtClean="0"/>
+              <a:rPr lang="uk-UA" dirty="0" err="1"/>
               <a:t>Барслі</a:t>
             </a:r>
             <a:endParaRPr lang="en-US" dirty="0">
@@ -16513,6 +16620,54 @@
           </a:p>
         </p:txBody>
       </p:sp>
+      <p:pic>
+        <p:nvPicPr>
+          <p:cNvPr id="9" name="Рисунок 8"/>
+          <p:cNvPicPr>
+            <a:picLocks noChangeAspect="1"/>
+          </p:cNvPicPr>
+          <p:nvPr/>
+        </p:nvPicPr>
+        <p:blipFill>
+          <a:blip r:embed="rId3"/>
+          <a:stretch>
+            <a:fillRect/>
+          </a:stretch>
+        </p:blipFill>
+        <p:spPr>
+          <a:xfrm>
+            <a:off x="3675062" y="1108274"/>
+            <a:ext cx="2076450" cy="447675"/>
+          </a:xfrm>
+          <a:prstGeom prst="rect">
+            <a:avLst/>
+          </a:prstGeom>
+        </p:spPr>
+      </p:pic>
+      <p:pic>
+        <p:nvPicPr>
+          <p:cNvPr id="11" name="Рисунок 10"/>
+          <p:cNvPicPr>
+            <a:picLocks noChangeAspect="1"/>
+          </p:cNvPicPr>
+          <p:nvPr/>
+        </p:nvPicPr>
+        <p:blipFill>
+          <a:blip r:embed="rId4"/>
+          <a:stretch>
+            <a:fillRect/>
+          </a:stretch>
+        </p:blipFill>
+        <p:spPr>
+          <a:xfrm>
+            <a:off x="594222" y="1778000"/>
+            <a:ext cx="2890837" cy="4889500"/>
+          </a:xfrm>
+          <a:prstGeom prst="rect">
+            <a:avLst/>
+          </a:prstGeom>
+        </p:spPr>
+      </p:pic>
     </p:spTree>
     <p:extLst>
       <p:ext uri="{BB962C8B-B14F-4D97-AF65-F5344CB8AC3E}">
@@ -16550,85 +16705,6 @@
           <a:chExt cx="0" cy="0"/>
         </a:xfrm>
       </p:grpSpPr>
-      <p:sp>
-        <p:nvSpPr>
-          <p:cNvPr id="3" name="Заголовок 1"/>
-          <p:cNvSpPr>
-            <a:spLocks noGrp="1"/>
-          </p:cNvSpPr>
-          <p:nvPr>
-            <p:ph type="title"/>
-          </p:nvPr>
-        </p:nvSpPr>
-        <p:spPr/>
-        <p:txBody>
-          <a:bodyPr/>
-          <a:lstStyle/>
-          <a:p>
-            <a:pPr algn="ctr"/>
-            <a:r>
-              <a:rPr lang="uk-UA" dirty="0" smtClean="0"/>
-              <a:t>Опис Роботи </a:t>
-            </a:r>
-            <a:r>
-              <a:rPr lang="uk-UA" dirty="0" smtClean="0"/>
-              <a:t>програмного </a:t>
-            </a:r>
-            <a:r>
-              <a:rPr lang="uk-UA" dirty="0" smtClean="0"/>
-              <a:t>додатку </a:t>
-            </a:r>
-            <a:endParaRPr lang="en-US" dirty="0"/>
-          </a:p>
-        </p:txBody>
-      </p:sp>
-      <p:sp>
-        <p:nvSpPr>
-          <p:cNvPr id="4" name="TextBox 3"/>
-          <p:cNvSpPr txBox="1"/>
-          <p:nvPr/>
-        </p:nvSpPr>
-        <p:spPr>
-          <a:xfrm>
-            <a:off x="214906" y="2883383"/>
-            <a:ext cx="3460157" cy="369332"/>
-          </a:xfrm>
-          <a:prstGeom prst="rect">
-            <a:avLst/>
-          </a:prstGeom>
-          <a:noFill/>
-        </p:spPr>
-        <p:txBody>
-          <a:bodyPr wrap="square" rtlCol="0">
-            <a:spAutoFit/>
-          </a:bodyPr>
-          <a:lstStyle/>
-          <a:p>
-            <a:pPr marL="285750" indent="-285750">
-              <a:buClr>
-                <a:schemeClr val="tx2"/>
-              </a:buClr>
-              <a:buFont typeface="Wingdings" panose="05000000000000000000" pitchFamily="2" charset="2"/>
-              <a:buChar char="q"/>
-            </a:pPr>
-            <a:r>
-              <a:rPr lang="uk-UA" dirty="0"/>
-              <a:t>К</a:t>
-            </a:r>
-            <a:r>
-              <a:rPr lang="uk-UA" dirty="0" smtClean="0"/>
-              <a:t>рива </a:t>
-            </a:r>
-            <a:r>
-              <a:rPr lang="uk-UA" dirty="0" err="1"/>
-              <a:t>Хартера-Хейтуея</a:t>
-            </a:r>
-            <a:endParaRPr lang="en-US" dirty="0">
-              <a:latin typeface="Lucida Sans" panose="020B0602030504020204" pitchFamily="34" charset="0"/>
-            </a:endParaRPr>
-          </a:p>
-        </p:txBody>
-      </p:sp>
       <p:pic>
         <p:nvPicPr>
           <p:cNvPr id="2" name="Рисунок 1"/>
@@ -16651,6 +16727,128 @@
           <a:prstGeom prst="rect">
             <a:avLst/>
           </a:prstGeom>
+        </p:spPr>
+      </p:pic>
+      <p:sp>
+        <p:nvSpPr>
+          <p:cNvPr id="6" name="Заголовок 1"/>
+          <p:cNvSpPr txBox="1">
+            <a:spLocks/>
+          </p:cNvSpPr>
+          <p:nvPr/>
+        </p:nvSpPr>
+        <p:spPr>
+          <a:xfrm>
+            <a:off x="1141413" y="-964"/>
+            <a:ext cx="9905998" cy="1478570"/>
+          </a:xfrm>
+          <a:prstGeom prst="rect">
+            <a:avLst/>
+          </a:prstGeom>
+        </p:spPr>
+        <p:txBody>
+          <a:bodyPr vert="horz" lIns="91440" tIns="45720" rIns="91440" bIns="45720" rtlCol="0" anchor="ctr">
+            <a:normAutofit/>
+          </a:bodyPr>
+          <a:lstStyle>
+            <a:lvl1pPr algn="l" defTabSz="914400" rtl="0" eaLnBrk="1" latinLnBrk="0" hangingPunct="1">
+              <a:lnSpc>
+                <a:spcPct val="90000"/>
+              </a:lnSpc>
+              <a:spcBef>
+                <a:spcPct val="0"/>
+              </a:spcBef>
+              <a:buNone/>
+              <a:defRPr sz="3600" kern="1200" cap="all" baseline="0">
+                <a:solidFill>
+                  <a:schemeClr val="tx1"/>
+                </a:solidFill>
+                <a:latin typeface="+mj-lt"/>
+                <a:ea typeface="+mj-ea"/>
+                <a:cs typeface="+mj-cs"/>
+              </a:defRPr>
+            </a:lvl1pPr>
+          </a:lstStyle>
+          <a:p>
+            <a:pPr algn="ctr"/>
+            <a:r>
+              <a:rPr lang="uk-UA" smtClean="0"/>
+              <a:t>Опис Роботи програмного додатку </a:t>
+            </a:r>
+            <a:endParaRPr lang="en-US" dirty="0"/>
+          </a:p>
+        </p:txBody>
+      </p:sp>
+      <p:sp>
+        <p:nvSpPr>
+          <p:cNvPr id="7" name="TextBox 6"/>
+          <p:cNvSpPr txBox="1"/>
+          <p:nvPr/>
+        </p:nvSpPr>
+        <p:spPr>
+          <a:xfrm>
+            <a:off x="309563" y="1108274"/>
+            <a:ext cx="3460157" cy="369332"/>
+          </a:xfrm>
+          <a:prstGeom prst="rect">
+            <a:avLst/>
+          </a:prstGeom>
+          <a:noFill/>
+        </p:spPr>
+        <p:txBody>
+          <a:bodyPr wrap="square" rtlCol="0">
+            <a:spAutoFit/>
+          </a:bodyPr>
+          <a:lstStyle/>
+          <a:p>
+            <a:pPr marL="285750" indent="-285750">
+              <a:buClr>
+                <a:schemeClr val="tx2"/>
+              </a:buClr>
+              <a:buFont typeface="Wingdings" panose="05000000000000000000" pitchFamily="2" charset="2"/>
+              <a:buChar char="q"/>
+            </a:pPr>
+            <a:r>
+              <a:rPr lang="uk-UA" dirty="0"/>
+              <a:t>Крива </a:t>
+            </a:r>
+            <a:r>
+              <a:rPr lang="uk-UA" dirty="0" err="1"/>
+              <a:t>Хартера-Хейтуея</a:t>
+            </a:r>
+            <a:endParaRPr lang="en-US" dirty="0">
+              <a:latin typeface="Lucida Sans" panose="020B0602030504020204" pitchFamily="34" charset="0"/>
+            </a:endParaRPr>
+          </a:p>
+        </p:txBody>
+      </p:sp>
+      <p:pic>
+        <p:nvPicPr>
+          <p:cNvPr id="8" name="Рисунок 7"/>
+          <p:cNvPicPr/>
+          <p:nvPr/>
+        </p:nvPicPr>
+        <p:blipFill rotWithShape="1">
+          <a:blip r:embed="rId3"/>
+          <a:srcRect l="15797" t="19621" r="17808" b="6355"/>
+          <a:stretch/>
+        </p:blipFill>
+        <p:spPr bwMode="auto">
+          <a:xfrm>
+            <a:off x="309563" y="1762124"/>
+            <a:ext cx="3144837" cy="3497943"/>
+          </a:xfrm>
+          <a:prstGeom prst="rect">
+            <a:avLst/>
+          </a:prstGeom>
+          <a:ln>
+            <a:noFill/>
+          </a:ln>
+          <a:extLst>
+            <a:ext uri="{53640926-AAD7-44D8-BBD7-CCE9431645EC}">
+              <a14:shadowObscured xmlns:a14="http://schemas.microsoft.com/office/drawing/2010/main"/>
+            </a:ext>
+          </a:extLst>
         </p:spPr>
       </p:pic>
     </p:spTree>
@@ -17125,7 +17323,7 @@
         <p:spPr>
           <a:xfrm>
             <a:off x="1141413" y="2412124"/>
-            <a:ext cx="7551683" cy="2677656"/>
+            <a:ext cx="7551683" cy="3416320"/>
           </a:xfrm>
           <a:prstGeom prst="rect">
             <a:avLst/>
@@ -17147,8 +17345,21 @@
             </a:pPr>
             <a:r>
               <a:rPr lang="uk-UA" sz="2400" dirty="0" smtClean="0"/>
-              <a:t>Використовується у багатьох сферах</a:t>
-            </a:r>
+              <a:t>Використовується у багатьох </a:t>
+            </a:r>
+            <a:r>
+              <a:rPr lang="uk-UA" sz="2400" dirty="0" smtClean="0"/>
+              <a:t>сферах(комп</a:t>
+            </a:r>
+            <a:r>
+              <a:rPr lang="uk-UA" sz="2400" dirty="0" smtClean="0"/>
+              <a:t>’ютерна наука, нафтохімія, біологія, фізика, медицина, комп’ютерні ігри та ін.</a:t>
+            </a:r>
+            <a:r>
+              <a:rPr lang="uk-UA" sz="2400" dirty="0" smtClean="0"/>
+              <a:t>)</a:t>
+            </a:r>
+            <a:endParaRPr lang="uk-UA" sz="2400" dirty="0" smtClean="0"/>
           </a:p>
           <a:p>
             <a:pPr marL="342900" indent="-342900">
@@ -18483,8 +18694,8 @@
         </p:nvSpPr>
         <p:spPr>
           <a:xfrm>
-            <a:off x="565944" y="2097088"/>
-            <a:ext cx="5625041" cy="2034645"/>
+            <a:off x="565942" y="1944986"/>
+            <a:ext cx="4500561" cy="2037425"/>
           </a:xfrm>
           <a:prstGeom prst="rect">
             <a:avLst/>
@@ -18673,7 +18884,7 @@
               <a:buNone/>
             </a:pPr>
             <a:r>
-              <a:rPr lang="uk-UA" sz="2800" dirty="0" smtClean="0">
+              <a:rPr lang="uk-UA" dirty="0" smtClean="0">
                 <a:solidFill>
                   <a:schemeClr val="tx2"/>
                 </a:solidFill>
@@ -18689,7 +18900,7 @@
               <a:buNone/>
             </a:pPr>
             <a:r>
-              <a:rPr lang="uk-UA" sz="2800" dirty="0" smtClean="0">
+              <a:rPr lang="uk-UA" dirty="0" smtClean="0">
                 <a:solidFill>
                   <a:schemeClr val="tx2"/>
                 </a:solidFill>
@@ -18705,29 +18916,25 @@
               <a:buNone/>
             </a:pPr>
             <a:r>
-              <a:rPr lang="uk-UA" sz="2800" dirty="0" smtClean="0">
+              <a:rPr lang="uk-UA" dirty="0" smtClean="0">
                 <a:latin typeface="Lucida Console" panose="020B0609040504020204" pitchFamily="49" charset="0"/>
               </a:rPr>
               <a:t>С</a:t>
             </a:r>
             <a:r>
-              <a:rPr lang="en-US" sz="2800" dirty="0" smtClean="0">
+              <a:rPr lang="en-US" dirty="0" smtClean="0">
                 <a:latin typeface="Lucida Sans" panose="020B0602030504020204" pitchFamily="34" charset="0"/>
               </a:rPr>
               <a:t># - </a:t>
             </a:r>
             <a:r>
-              <a:rPr lang="uk-UA" sz="2800" dirty="0" smtClean="0"/>
-              <a:t>ОБ’ЄКТИВНО-ОРІЄНТОВАНО МОВА ПРОГРАМУВАННЯ</a:t>
-            </a:r>
-          </a:p>
-          <a:p>
-            <a:pPr>
-              <a:lnSpc>
-                <a:spcPct val="100000"/>
-              </a:lnSpc>
-            </a:pPr>
-            <a:endParaRPr lang="en-US" dirty="0"/>
+              <a:rPr lang="uk-UA" dirty="0" smtClean="0"/>
+              <a:t>ОБ’ЄКТИВНО-ОРІЄНТОВАНО МОВА </a:t>
+            </a:r>
+            <a:r>
+              <a:rPr lang="uk-UA" dirty="0" smtClean="0"/>
+              <a:t>ПРОГРАМУВАННЯ</a:t>
+            </a:r>
           </a:p>
         </p:txBody>
       </p:sp>
@@ -18741,8 +18948,8 @@
         </p:nvSpPr>
         <p:spPr>
           <a:xfrm>
-            <a:off x="6190985" y="2097088"/>
-            <a:ext cx="3731949" cy="2034645"/>
+            <a:off x="5066505" y="1947766"/>
+            <a:ext cx="2818474" cy="2034645"/>
           </a:xfrm>
           <a:prstGeom prst="rect">
             <a:avLst/>
@@ -18928,7 +19135,7 @@
               <a:buNone/>
             </a:pPr>
             <a:r>
-              <a:rPr lang="uk-UA" sz="2800" dirty="0" smtClean="0">
+              <a:rPr lang="uk-UA" dirty="0" smtClean="0">
                 <a:solidFill>
                   <a:schemeClr val="tx2"/>
                 </a:solidFill>
@@ -18941,12 +19148,12 @@
               <a:buNone/>
             </a:pPr>
             <a:r>
-              <a:rPr lang="en-US" dirty="0" smtClean="0">
+              <a:rPr lang="en-US" sz="2000" dirty="0" smtClean="0">
                 <a:latin typeface="Lucida Sans" panose="020B0602030504020204" pitchFamily="34" charset="0"/>
               </a:rPr>
               <a:t>MICROSOFT VISUAL STUDIO 2019</a:t>
             </a:r>
-            <a:endParaRPr lang="en-US" dirty="0">
+            <a:endParaRPr lang="en-US" sz="2000" dirty="0">
               <a:latin typeface="Lucida Sans" panose="020B0602030504020204" pitchFamily="34" charset="0"/>
             </a:endParaRPr>
           </a:p>
@@ -18974,7 +19181,7 @@
         </p:blipFill>
         <p:spPr>
           <a:xfrm>
-            <a:off x="1937280" y="4131733"/>
+            <a:off x="1494590" y="4131733"/>
             <a:ext cx="2643266" cy="2643266"/>
           </a:xfrm>
           <a:prstGeom prst="rect">
@@ -19005,7 +19212,7 @@
         </p:blipFill>
         <p:spPr bwMode="auto">
           <a:xfrm>
-            <a:off x="7104458" y="4500866"/>
+            <a:off x="5523242" y="4500866"/>
             <a:ext cx="1905000" cy="1905000"/>
           </a:xfrm>
           <a:prstGeom prst="rect">
@@ -19023,6 +19230,290 @@
           </a:extLst>
         </p:spPr>
       </p:pic>
+      <p:sp>
+        <p:nvSpPr>
+          <p:cNvPr id="9" name="Подзаголовок 2"/>
+          <p:cNvSpPr txBox="1">
+            <a:spLocks/>
+          </p:cNvSpPr>
+          <p:nvPr/>
+        </p:nvSpPr>
+        <p:spPr>
+          <a:xfrm>
+            <a:off x="8381336" y="1944985"/>
+            <a:ext cx="3594723" cy="4830013"/>
+          </a:xfrm>
+          <a:prstGeom prst="rect">
+            <a:avLst/>
+          </a:prstGeom>
+        </p:spPr>
+        <p:txBody>
+          <a:bodyPr/>
+          <a:lstStyle>
+            <a:lvl1pPr marL="228600" indent="-228600" algn="l" defTabSz="914400" rtl="0" eaLnBrk="1" latinLnBrk="0" hangingPunct="1">
+              <a:lnSpc>
+                <a:spcPct val="120000"/>
+              </a:lnSpc>
+              <a:spcBef>
+                <a:spcPts val="1000"/>
+              </a:spcBef>
+              <a:buSzPct val="125000"/>
+              <a:buFont typeface="Arial" panose="020B0604020202020204" pitchFamily="34" charset="0"/>
+              <a:buChar char="•"/>
+              <a:defRPr sz="2400" kern="1200">
+                <a:solidFill>
+                  <a:schemeClr val="tx1"/>
+                </a:solidFill>
+                <a:latin typeface="+mn-lt"/>
+                <a:ea typeface="+mn-ea"/>
+                <a:cs typeface="+mn-cs"/>
+              </a:defRPr>
+            </a:lvl1pPr>
+            <a:lvl2pPr marL="685800" indent="-228600" algn="l" defTabSz="914400" rtl="0" eaLnBrk="1" latinLnBrk="0" hangingPunct="1">
+              <a:lnSpc>
+                <a:spcPct val="120000"/>
+              </a:lnSpc>
+              <a:spcBef>
+                <a:spcPts val="500"/>
+              </a:spcBef>
+              <a:buSzPct val="125000"/>
+              <a:buFont typeface="Arial" panose="020B0604020202020204" pitchFamily="34" charset="0"/>
+              <a:buChar char="•"/>
+              <a:defRPr sz="2000" kern="1200">
+                <a:solidFill>
+                  <a:schemeClr val="tx1"/>
+                </a:solidFill>
+                <a:latin typeface="+mn-lt"/>
+                <a:ea typeface="+mn-ea"/>
+                <a:cs typeface="+mn-cs"/>
+              </a:defRPr>
+            </a:lvl2pPr>
+            <a:lvl3pPr marL="1143000" indent="-228600" algn="l" defTabSz="914400" rtl="0" eaLnBrk="1" latinLnBrk="0" hangingPunct="1">
+              <a:lnSpc>
+                <a:spcPct val="120000"/>
+              </a:lnSpc>
+              <a:spcBef>
+                <a:spcPts val="500"/>
+              </a:spcBef>
+              <a:buSzPct val="125000"/>
+              <a:buFont typeface="Arial" panose="020B0604020202020204" pitchFamily="34" charset="0"/>
+              <a:buChar char="•"/>
+              <a:defRPr sz="1800" kern="1200">
+                <a:solidFill>
+                  <a:schemeClr val="tx1"/>
+                </a:solidFill>
+                <a:latin typeface="+mn-lt"/>
+                <a:ea typeface="+mn-ea"/>
+                <a:cs typeface="+mn-cs"/>
+              </a:defRPr>
+            </a:lvl3pPr>
+            <a:lvl4pPr marL="1600200" indent="-228600" algn="l" defTabSz="914400" rtl="0" eaLnBrk="1" latinLnBrk="0" hangingPunct="1">
+              <a:lnSpc>
+                <a:spcPct val="120000"/>
+              </a:lnSpc>
+              <a:spcBef>
+                <a:spcPts val="500"/>
+              </a:spcBef>
+              <a:buSzPct val="125000"/>
+              <a:buFont typeface="Arial" panose="020B0604020202020204" pitchFamily="34" charset="0"/>
+              <a:buChar char="•"/>
+              <a:defRPr sz="1600" kern="1200">
+                <a:solidFill>
+                  <a:schemeClr val="tx1"/>
+                </a:solidFill>
+                <a:latin typeface="+mn-lt"/>
+                <a:ea typeface="+mn-ea"/>
+                <a:cs typeface="+mn-cs"/>
+              </a:defRPr>
+            </a:lvl4pPr>
+            <a:lvl5pPr marL="2057400" indent="-228600" algn="l" defTabSz="914400" rtl="0" eaLnBrk="1" latinLnBrk="0" hangingPunct="1">
+              <a:lnSpc>
+                <a:spcPct val="120000"/>
+              </a:lnSpc>
+              <a:spcBef>
+                <a:spcPts val="500"/>
+              </a:spcBef>
+              <a:buSzPct val="125000"/>
+              <a:buFont typeface="Arial" panose="020B0604020202020204" pitchFamily="34" charset="0"/>
+              <a:buChar char="•"/>
+              <a:defRPr sz="1600" kern="1200">
+                <a:solidFill>
+                  <a:schemeClr val="tx1"/>
+                </a:solidFill>
+                <a:latin typeface="+mn-lt"/>
+                <a:ea typeface="+mn-ea"/>
+                <a:cs typeface="+mn-cs"/>
+              </a:defRPr>
+            </a:lvl5pPr>
+            <a:lvl6pPr marL="2514600" indent="-228600" algn="l" defTabSz="914400" rtl="0" eaLnBrk="1" latinLnBrk="0" hangingPunct="1">
+              <a:lnSpc>
+                <a:spcPct val="120000"/>
+              </a:lnSpc>
+              <a:spcBef>
+                <a:spcPts val="500"/>
+              </a:spcBef>
+              <a:buSzPct val="125000"/>
+              <a:buFont typeface="Arial" panose="020B0604020202020204" pitchFamily="34" charset="0"/>
+              <a:buChar char="•"/>
+              <a:defRPr sz="1400" kern="1200">
+                <a:solidFill>
+                  <a:schemeClr val="tx1"/>
+                </a:solidFill>
+                <a:latin typeface="+mn-lt"/>
+                <a:ea typeface="+mn-ea"/>
+                <a:cs typeface="+mn-cs"/>
+              </a:defRPr>
+            </a:lvl6pPr>
+            <a:lvl7pPr marL="2971800" indent="-228600" algn="l" defTabSz="914400" rtl="0" eaLnBrk="1" latinLnBrk="0" hangingPunct="1">
+              <a:lnSpc>
+                <a:spcPct val="120000"/>
+              </a:lnSpc>
+              <a:spcBef>
+                <a:spcPts val="500"/>
+              </a:spcBef>
+              <a:buSzPct val="125000"/>
+              <a:buFont typeface="Arial" panose="020B0604020202020204" pitchFamily="34" charset="0"/>
+              <a:buChar char="•"/>
+              <a:defRPr sz="1400" kern="1200">
+                <a:solidFill>
+                  <a:schemeClr val="tx1"/>
+                </a:solidFill>
+                <a:latin typeface="+mn-lt"/>
+                <a:ea typeface="+mn-ea"/>
+                <a:cs typeface="+mn-cs"/>
+              </a:defRPr>
+            </a:lvl7pPr>
+            <a:lvl8pPr marL="3429000" indent="-228600" algn="l" defTabSz="914400" rtl="0" eaLnBrk="1" latinLnBrk="0" hangingPunct="1">
+              <a:lnSpc>
+                <a:spcPct val="120000"/>
+              </a:lnSpc>
+              <a:spcBef>
+                <a:spcPts val="500"/>
+              </a:spcBef>
+              <a:buSzPct val="125000"/>
+              <a:buFont typeface="Arial" panose="020B0604020202020204" pitchFamily="34" charset="0"/>
+              <a:buChar char="•"/>
+              <a:defRPr sz="1400" kern="1200">
+                <a:solidFill>
+                  <a:schemeClr val="tx1"/>
+                </a:solidFill>
+                <a:latin typeface="+mn-lt"/>
+                <a:ea typeface="+mn-ea"/>
+                <a:cs typeface="+mn-cs"/>
+              </a:defRPr>
+            </a:lvl8pPr>
+            <a:lvl9pPr marL="3886200" indent="-228600" algn="l" defTabSz="914400" rtl="0" eaLnBrk="1" latinLnBrk="0" hangingPunct="1">
+              <a:lnSpc>
+                <a:spcPct val="120000"/>
+              </a:lnSpc>
+              <a:spcBef>
+                <a:spcPts val="500"/>
+              </a:spcBef>
+              <a:buSzPct val="125000"/>
+              <a:buFont typeface="Arial" panose="020B0604020202020204" pitchFamily="34" charset="0"/>
+              <a:buChar char="•"/>
+              <a:defRPr sz="1400" kern="1200">
+                <a:solidFill>
+                  <a:schemeClr val="tx1"/>
+                </a:solidFill>
+                <a:latin typeface="+mn-lt"/>
+                <a:ea typeface="+mn-ea"/>
+                <a:cs typeface="+mn-cs"/>
+              </a:defRPr>
+            </a:lvl9pPr>
+          </a:lstStyle>
+          <a:p>
+            <a:pPr marL="0" indent="0" algn="ctr">
+              <a:buNone/>
+            </a:pPr>
+            <a:r>
+              <a:rPr lang="uk-UA" dirty="0">
+                <a:solidFill>
+                  <a:schemeClr val="tx2"/>
+                </a:solidFill>
+              </a:rPr>
+              <a:t>Фрейм ворки та бібліотеки </a:t>
+            </a:r>
+          </a:p>
+          <a:p>
+            <a:pPr marL="0" indent="0" algn="ctr">
+              <a:buNone/>
+            </a:pPr>
+            <a:r>
+              <a:rPr lang="uk-UA" dirty="0" smtClean="0"/>
+              <a:t>.</a:t>
+            </a:r>
+            <a:r>
+              <a:rPr lang="en-US" dirty="0" smtClean="0"/>
+              <a:t>Net Framework 4.7.2</a:t>
+            </a:r>
+          </a:p>
+          <a:p>
+            <a:pPr marL="0" indent="0" algn="ctr">
+              <a:buNone/>
+            </a:pPr>
+            <a:r>
+              <a:rPr lang="en-US" dirty="0" err="1" smtClean="0"/>
+              <a:t>System.Drawing</a:t>
+            </a:r>
+            <a:endParaRPr lang="en-US" dirty="0" smtClean="0"/>
+          </a:p>
+          <a:p>
+            <a:pPr marL="0" indent="0" algn="ctr">
+              <a:buNone/>
+            </a:pPr>
+            <a:r>
+              <a:rPr lang="en-US" dirty="0" err="1" smtClean="0"/>
+              <a:t>System.Threading</a:t>
+            </a:r>
+            <a:endParaRPr lang="en-US" dirty="0" smtClean="0"/>
+          </a:p>
+          <a:p>
+            <a:pPr marL="0" indent="0" algn="ctr">
+              <a:buNone/>
+            </a:pPr>
+            <a:r>
+              <a:rPr lang="en-US" dirty="0" err="1" smtClean="0"/>
+              <a:t>System.Collections.Generic</a:t>
+            </a:r>
+            <a:endParaRPr lang="en-US" dirty="0" smtClean="0"/>
+          </a:p>
+          <a:p>
+            <a:pPr marL="0" indent="0" algn="ctr">
+              <a:buNone/>
+            </a:pPr>
+            <a:r>
+              <a:rPr lang="en-US" dirty="0" err="1" smtClean="0"/>
+              <a:t>System.Windows.Forms</a:t>
+            </a:r>
+            <a:endParaRPr lang="en-US" dirty="0" smtClean="0"/>
+          </a:p>
+          <a:p>
+            <a:pPr marL="0" indent="0" algn="ctr">
+              <a:buNone/>
+            </a:pPr>
+            <a:r>
+              <a:rPr lang="en-US" dirty="0" err="1" smtClean="0"/>
+              <a:t>FractalClasses</a:t>
+            </a:r>
+            <a:endParaRPr lang="en-US" dirty="0" smtClean="0"/>
+          </a:p>
+          <a:p>
+            <a:pPr marL="0" indent="0" algn="ctr">
+              <a:buNone/>
+            </a:pPr>
+            <a:r>
+              <a:rPr lang="en-US" dirty="0" err="1"/>
+              <a:t>HelperClasses</a:t>
+            </a:r>
+            <a:endParaRPr lang="uk-UA" dirty="0" smtClean="0">
+              <a:solidFill>
+                <a:schemeClr val="tx2"/>
+              </a:solidFill>
+            </a:endParaRPr>
+          </a:p>
+        </p:txBody>
+      </p:sp>
     </p:spTree>
     <p:extLst>
       <p:ext uri="{BB962C8B-B14F-4D97-AF65-F5344CB8AC3E}">
@@ -19197,53 +19688,13 @@
       </p:grpSpPr>
       <p:sp>
         <p:nvSpPr>
-          <p:cNvPr id="2" name="Заголовок 1"/>
-          <p:cNvSpPr>
-            <a:spLocks noGrp="1"/>
-          </p:cNvSpPr>
-          <p:nvPr>
-            <p:ph type="title"/>
-          </p:nvPr>
-        </p:nvSpPr>
-        <p:spPr/>
-        <p:txBody>
-          <a:bodyPr/>
-          <a:lstStyle/>
-          <a:p>
-            <a:pPr algn="ctr"/>
-            <a:r>
-              <a:rPr lang="ru-RU" dirty="0" err="1" smtClean="0"/>
-              <a:t>Проектування</a:t>
-            </a:r>
-            <a:r>
-              <a:rPr lang="ru-RU" dirty="0" smtClean="0"/>
-              <a:t> </a:t>
-            </a:r>
-            <a:r>
-              <a:rPr lang="ru-RU" dirty="0" err="1" smtClean="0"/>
-              <a:t>програмного</a:t>
-            </a:r>
-            <a:r>
-              <a:rPr lang="ru-RU" dirty="0" smtClean="0"/>
-              <a:t> </a:t>
-            </a:r>
-            <a:r>
-              <a:rPr lang="ru-RU" dirty="0" err="1" smtClean="0"/>
-              <a:t>додатку</a:t>
-            </a:r>
-            <a:endParaRPr lang="en-US" dirty="0"/>
-          </a:p>
-        </p:txBody>
-      </p:sp>
-      <p:sp>
-        <p:nvSpPr>
           <p:cNvPr id="3" name="TextBox 2"/>
           <p:cNvSpPr txBox="1"/>
           <p:nvPr/>
         </p:nvSpPr>
         <p:spPr>
           <a:xfrm>
-            <a:off x="626532" y="1357803"/>
+            <a:off x="626532" y="989109"/>
             <a:ext cx="4656668" cy="1200329"/>
           </a:xfrm>
           <a:prstGeom prst="rect">
@@ -19339,23 +19790,71 @@
           </a:extLst>
         </p:spPr>
       </p:pic>
+      <p:sp>
+        <p:nvSpPr>
+          <p:cNvPr id="7" name="Заголовок 6"/>
+          <p:cNvSpPr>
+            <a:spLocks noGrp="1"/>
+          </p:cNvSpPr>
+          <p:nvPr>
+            <p:ph type="title"/>
+          </p:nvPr>
+        </p:nvSpPr>
+        <p:spPr>
+          <a:xfrm>
+            <a:off x="1121535" y="0"/>
+            <a:ext cx="9905998" cy="1478570"/>
+          </a:xfrm>
+        </p:spPr>
+        <p:txBody>
+          <a:bodyPr>
+            <a:normAutofit/>
+          </a:bodyPr>
+          <a:lstStyle/>
+          <a:p>
+            <a:pPr algn="ctr"/>
+            <a:r>
+              <a:rPr lang="ru-RU" dirty="0" err="1"/>
+              <a:t>Проектування</a:t>
+            </a:r>
+            <a:r>
+              <a:rPr lang="ru-RU" dirty="0"/>
+              <a:t> </a:t>
+            </a:r>
+            <a:r>
+              <a:rPr lang="ru-RU" dirty="0" err="1"/>
+              <a:t>програмного</a:t>
+            </a:r>
+            <a:r>
+              <a:rPr lang="ru-RU" dirty="0"/>
+              <a:t> </a:t>
+            </a:r>
+            <a:r>
+              <a:rPr lang="ru-RU" dirty="0" err="1"/>
+              <a:t>додатку</a:t>
+            </a:r>
+            <a:endParaRPr lang="en-US" dirty="0"/>
+          </a:p>
+        </p:txBody>
+      </p:sp>
       <p:pic>
         <p:nvPicPr>
-          <p:cNvPr id="5" name="Рисунок 4"/>
+          <p:cNvPr id="8" name="Рисунок 7"/>
           <p:cNvPicPr>
             <a:picLocks noChangeAspect="1"/>
           </p:cNvPicPr>
           <p:nvPr/>
         </p:nvPicPr>
-        <p:blipFill rotWithShape="1">
+        <p:blipFill>
           <a:blip r:embed="rId3"/>
-          <a:srcRect l="3504" t="12595" r="25207" b="9499"/>
-          <a:stretch/>
+          <a:stretch>
+            <a:fillRect/>
+          </a:stretch>
         </p:blipFill>
         <p:spPr>
           <a:xfrm>
-            <a:off x="626532" y="2558132"/>
-            <a:ext cx="7584018" cy="4277483"/>
+            <a:off x="396875" y="2097088"/>
+            <a:ext cx="8102968" cy="4760912"/>
           </a:xfrm>
           <a:prstGeom prst="rect">
             <a:avLst/>
@@ -19409,7 +19908,12 @@
             <p:ph type="title"/>
           </p:nvPr>
         </p:nvSpPr>
-        <p:spPr/>
+        <p:spPr>
+          <a:xfrm>
+            <a:off x="1141413" y="-964"/>
+            <a:ext cx="9905998" cy="1478570"/>
+          </a:xfrm>
+        </p:spPr>
         <p:txBody>
           <a:bodyPr/>
           <a:lstStyle/>
@@ -19417,15 +19921,7 @@
             <a:pPr algn="ctr"/>
             <a:r>
               <a:rPr lang="uk-UA" dirty="0" smtClean="0"/>
-              <a:t>Опис Роботи </a:t>
-            </a:r>
-            <a:r>
-              <a:rPr lang="uk-UA" dirty="0" smtClean="0"/>
-              <a:t>програмного </a:t>
-            </a:r>
-            <a:r>
-              <a:rPr lang="uk-UA" dirty="0" smtClean="0"/>
-              <a:t>додатку </a:t>
+              <a:t>Опис Роботи програмного додатку </a:t>
             </a:r>
             <a:endParaRPr lang="en-US" dirty="0"/>
           </a:p>
@@ -19447,7 +19943,7 @@
         </p:blipFill>
         <p:spPr>
           <a:xfrm>
-            <a:off x="3675063" y="1752600"/>
+            <a:off x="3769720" y="1651000"/>
             <a:ext cx="8298856" cy="4972050"/>
           </a:xfrm>
           <a:prstGeom prst="rect">
@@ -19463,7 +19959,7 @@
         </p:nvSpPr>
         <p:spPr>
           <a:xfrm>
-            <a:off x="214906" y="2883383"/>
+            <a:off x="309563" y="1108274"/>
             <a:ext cx="3460157" cy="369332"/>
           </a:xfrm>
           <a:prstGeom prst="rect">
@@ -19498,6 +19994,54 @@
           </a:p>
         </p:txBody>
       </p:sp>
+      <p:pic>
+        <p:nvPicPr>
+          <p:cNvPr id="3" name="Рисунок 2"/>
+          <p:cNvPicPr>
+            <a:picLocks noChangeAspect="1"/>
+          </p:cNvPicPr>
+          <p:nvPr/>
+        </p:nvPicPr>
+        <p:blipFill>
+          <a:blip r:embed="rId3"/>
+          <a:stretch>
+            <a:fillRect/>
+          </a:stretch>
+        </p:blipFill>
+        <p:spPr>
+          <a:xfrm>
+            <a:off x="309563" y="1650999"/>
+            <a:ext cx="3296998" cy="4972051"/>
+          </a:xfrm>
+          <a:prstGeom prst="rect">
+            <a:avLst/>
+          </a:prstGeom>
+        </p:spPr>
+      </p:pic>
+      <p:pic>
+        <p:nvPicPr>
+          <p:cNvPr id="7" name="Рисунок 6"/>
+          <p:cNvPicPr>
+            <a:picLocks noChangeAspect="1"/>
+          </p:cNvPicPr>
+          <p:nvPr/>
+        </p:nvPicPr>
+        <p:blipFill>
+          <a:blip r:embed="rId4"/>
+          <a:stretch>
+            <a:fillRect/>
+          </a:stretch>
+        </p:blipFill>
+        <p:spPr>
+          <a:xfrm>
+            <a:off x="3769720" y="1108274"/>
+            <a:ext cx="1479792" cy="369948"/>
+          </a:xfrm>
+          <a:prstGeom prst="rect">
+            <a:avLst/>
+          </a:prstGeom>
+        </p:spPr>
+      </p:pic>
     </p:spTree>
     <p:extLst>
       <p:ext uri="{BB962C8B-B14F-4D97-AF65-F5344CB8AC3E}">
